--- a/Team 5 team project.pptx
+++ b/Team 5 team project.pptx
@@ -2,10 +2,23 @@
 <file path=ppt/presentation.xml><?xml version="1.0" encoding="utf-8"?>
 <p:presentation xmlns:a="http://schemas.openxmlformats.org/drawingml/2006/main" xmlns:r="http://schemas.openxmlformats.org/officeDocument/2006/relationships" xmlns:p="http://schemas.openxmlformats.org/presentationml/2006/main" saveSubsetFonts="1">
   <p:sldMasterIdLst>
-    <p:sldMasterId id="2147483648" r:id="rId1"/>
+    <p:sldMasterId id="2147483677" r:id="rId1"/>
   </p:sldMasterIdLst>
+  <p:notesMasterIdLst>
+    <p:notesMasterId r:id="rId13"/>
+  </p:notesMasterIdLst>
   <p:sldIdLst>
     <p:sldId id="256" r:id="rId2"/>
+    <p:sldId id="257" r:id="rId3"/>
+    <p:sldId id="258" r:id="rId4"/>
+    <p:sldId id="266" r:id="rId5"/>
+    <p:sldId id="259" r:id="rId6"/>
+    <p:sldId id="267" r:id="rId7"/>
+    <p:sldId id="268" r:id="rId8"/>
+    <p:sldId id="264" r:id="rId9"/>
+    <p:sldId id="265" r:id="rId10"/>
+    <p:sldId id="263" r:id="rId11"/>
+    <p:sldId id="262" r:id="rId12"/>
   </p:sldIdLst>
   <p:sldSz cx="12192000" cy="6858000"/>
   <p:notesSz cx="6858000" cy="9144000"/>
@@ -13,7 +26,7 @@
     <a:defPPr>
       <a:defRPr lang="en-US"/>
     </a:defPPr>
-    <a:lvl1pPr marL="0" algn="l" defTabSz="914400" rtl="0" eaLnBrk="1" latinLnBrk="0" hangingPunct="1">
+    <a:lvl1pPr marL="0" algn="l" defTabSz="457200" rtl="0" eaLnBrk="1" latinLnBrk="0" hangingPunct="1">
       <a:defRPr sz="1800" kern="1200">
         <a:solidFill>
           <a:schemeClr val="tx1"/>
@@ -23,7 +36,7 @@
         <a:cs typeface="+mn-cs"/>
       </a:defRPr>
     </a:lvl1pPr>
-    <a:lvl2pPr marL="457200" algn="l" defTabSz="914400" rtl="0" eaLnBrk="1" latinLnBrk="0" hangingPunct="1">
+    <a:lvl2pPr marL="457200" algn="l" defTabSz="457200" rtl="0" eaLnBrk="1" latinLnBrk="0" hangingPunct="1">
       <a:defRPr sz="1800" kern="1200">
         <a:solidFill>
           <a:schemeClr val="tx1"/>
@@ -33,7 +46,7 @@
         <a:cs typeface="+mn-cs"/>
       </a:defRPr>
     </a:lvl2pPr>
-    <a:lvl3pPr marL="914400" algn="l" defTabSz="914400" rtl="0" eaLnBrk="1" latinLnBrk="0" hangingPunct="1">
+    <a:lvl3pPr marL="914400" algn="l" defTabSz="457200" rtl="0" eaLnBrk="1" latinLnBrk="0" hangingPunct="1">
       <a:defRPr sz="1800" kern="1200">
         <a:solidFill>
           <a:schemeClr val="tx1"/>
@@ -43,7 +56,7 @@
         <a:cs typeface="+mn-cs"/>
       </a:defRPr>
     </a:lvl3pPr>
-    <a:lvl4pPr marL="1371600" algn="l" defTabSz="914400" rtl="0" eaLnBrk="1" latinLnBrk="0" hangingPunct="1">
+    <a:lvl4pPr marL="1371600" algn="l" defTabSz="457200" rtl="0" eaLnBrk="1" latinLnBrk="0" hangingPunct="1">
       <a:defRPr sz="1800" kern="1200">
         <a:solidFill>
           <a:schemeClr val="tx1"/>
@@ -53,7 +66,7 @@
         <a:cs typeface="+mn-cs"/>
       </a:defRPr>
     </a:lvl4pPr>
-    <a:lvl5pPr marL="1828800" algn="l" defTabSz="914400" rtl="0" eaLnBrk="1" latinLnBrk="0" hangingPunct="1">
+    <a:lvl5pPr marL="1828800" algn="l" defTabSz="457200" rtl="0" eaLnBrk="1" latinLnBrk="0" hangingPunct="1">
       <a:defRPr sz="1800" kern="1200">
         <a:solidFill>
           <a:schemeClr val="tx1"/>
@@ -63,7 +76,7 @@
         <a:cs typeface="+mn-cs"/>
       </a:defRPr>
     </a:lvl5pPr>
-    <a:lvl6pPr marL="2286000" algn="l" defTabSz="914400" rtl="0" eaLnBrk="1" latinLnBrk="0" hangingPunct="1">
+    <a:lvl6pPr marL="2286000" algn="l" defTabSz="457200" rtl="0" eaLnBrk="1" latinLnBrk="0" hangingPunct="1">
       <a:defRPr sz="1800" kern="1200">
         <a:solidFill>
           <a:schemeClr val="tx1"/>
@@ -73,7 +86,7 @@
         <a:cs typeface="+mn-cs"/>
       </a:defRPr>
     </a:lvl6pPr>
-    <a:lvl7pPr marL="2743200" algn="l" defTabSz="914400" rtl="0" eaLnBrk="1" latinLnBrk="0" hangingPunct="1">
+    <a:lvl7pPr marL="2743200" algn="l" defTabSz="457200" rtl="0" eaLnBrk="1" latinLnBrk="0" hangingPunct="1">
       <a:defRPr sz="1800" kern="1200">
         <a:solidFill>
           <a:schemeClr val="tx1"/>
@@ -83,7 +96,7 @@
         <a:cs typeface="+mn-cs"/>
       </a:defRPr>
     </a:lvl7pPr>
-    <a:lvl8pPr marL="3200400" algn="l" defTabSz="914400" rtl="0" eaLnBrk="1" latinLnBrk="0" hangingPunct="1">
+    <a:lvl8pPr marL="3200400" algn="l" defTabSz="457200" rtl="0" eaLnBrk="1" latinLnBrk="0" hangingPunct="1">
       <a:defRPr sz="1800" kern="1200">
         <a:solidFill>
           <a:schemeClr val="tx1"/>
@@ -93,7 +106,7 @@
         <a:cs typeface="+mn-cs"/>
       </a:defRPr>
     </a:lvl8pPr>
-    <a:lvl9pPr marL="3657600" algn="l" defTabSz="914400" rtl="0" eaLnBrk="1" latinLnBrk="0" hangingPunct="1">
+    <a:lvl9pPr marL="3657600" algn="l" defTabSz="457200" rtl="0" eaLnBrk="1" latinLnBrk="0" hangingPunct="1">
       <a:defRPr sz="1800" kern="1200">
         <a:solidFill>
           <a:schemeClr val="tx1"/>
@@ -104,7 +117,1460 @@
       </a:defRPr>
     </a:lvl9pPr>
   </p:defaultTextStyle>
+  <p:extLst>
+    <p:ext uri="{EFAFB233-063F-42B5-8137-9DF3F51BA10A}">
+      <p15:sldGuideLst xmlns:p15="http://schemas.microsoft.com/office/powerpoint/2012/main"/>
+    </p:ext>
+  </p:extLst>
 </p:presentation>
+</file>
+
+<file path=ppt/notesMasters/notesMaster1.xml><?xml version="1.0" encoding="utf-8"?>
+<p:notesMaster xmlns:a="http://schemas.openxmlformats.org/drawingml/2006/main" xmlns:r="http://schemas.openxmlformats.org/officeDocument/2006/relationships" xmlns:p="http://schemas.openxmlformats.org/presentationml/2006/main">
+  <p:cSld>
+    <p:bg>
+      <p:bgRef idx="1001">
+        <a:schemeClr val="bg1"/>
+      </p:bgRef>
+    </p:bg>
+    <p:spTree>
+      <p:nvGrpSpPr>
+        <p:cNvPr id="1" name=""/>
+        <p:cNvGrpSpPr/>
+        <p:nvPr/>
+      </p:nvGrpSpPr>
+      <p:grpSpPr>
+        <a:xfrm>
+          <a:off x="0" y="0"/>
+          <a:ext cx="0" cy="0"/>
+          <a:chOff x="0" y="0"/>
+          <a:chExt cx="0" cy="0"/>
+        </a:xfrm>
+      </p:grpSpPr>
+      <p:sp>
+        <p:nvSpPr>
+          <p:cNvPr id="2" name="Header Placeholder 1"/>
+          <p:cNvSpPr>
+            <a:spLocks noGrp="1"/>
+          </p:cNvSpPr>
+          <p:nvPr>
+            <p:ph type="hdr" sz="quarter"/>
+          </p:nvPr>
+        </p:nvSpPr>
+        <p:spPr>
+          <a:xfrm>
+            <a:off x="0" y="0"/>
+            <a:ext cx="2971800" cy="458788"/>
+          </a:xfrm>
+          <a:prstGeom prst="rect">
+            <a:avLst/>
+          </a:prstGeom>
+        </p:spPr>
+        <p:txBody>
+          <a:bodyPr vert="horz" lIns="91440" tIns="45720" rIns="91440" bIns="45720" rtlCol="0"/>
+          <a:lstStyle>
+            <a:lvl1pPr algn="l">
+              <a:defRPr sz="1200"/>
+            </a:lvl1pPr>
+          </a:lstStyle>
+          <a:p>
+            <a:endParaRPr lang="en-GB"/>
+          </a:p>
+        </p:txBody>
+      </p:sp>
+      <p:sp>
+        <p:nvSpPr>
+          <p:cNvPr id="3" name="Date Placeholder 2"/>
+          <p:cNvSpPr>
+            <a:spLocks noGrp="1"/>
+          </p:cNvSpPr>
+          <p:nvPr>
+            <p:ph type="dt" idx="1"/>
+          </p:nvPr>
+        </p:nvSpPr>
+        <p:spPr>
+          <a:xfrm>
+            <a:off x="3884613" y="0"/>
+            <a:ext cx="2971800" cy="458788"/>
+          </a:xfrm>
+          <a:prstGeom prst="rect">
+            <a:avLst/>
+          </a:prstGeom>
+        </p:spPr>
+        <p:txBody>
+          <a:bodyPr vert="horz" lIns="91440" tIns="45720" rIns="91440" bIns="45720" rtlCol="0"/>
+          <a:lstStyle>
+            <a:lvl1pPr algn="r">
+              <a:defRPr sz="1200"/>
+            </a:lvl1pPr>
+          </a:lstStyle>
+          <a:p>
+            <a:fld id="{36DF482A-A8EB-4931-AB37-3B5A0CABFB32}" type="datetimeFigureOut">
+              <a:rPr lang="en-GB" smtClean="0"/>
+              <a:t>17/05/2019</a:t>
+            </a:fld>
+            <a:endParaRPr lang="en-GB"/>
+          </a:p>
+        </p:txBody>
+      </p:sp>
+      <p:sp>
+        <p:nvSpPr>
+          <p:cNvPr id="4" name="Slide Image Placeholder 3"/>
+          <p:cNvSpPr>
+            <a:spLocks noGrp="1" noRot="1" noChangeAspect="1"/>
+          </p:cNvSpPr>
+          <p:nvPr>
+            <p:ph type="sldImg" idx="2"/>
+          </p:nvPr>
+        </p:nvSpPr>
+        <p:spPr>
+          <a:xfrm>
+            <a:off x="685800" y="1143000"/>
+            <a:ext cx="5486400" cy="3086100"/>
+          </a:xfrm>
+          <a:prstGeom prst="rect">
+            <a:avLst/>
+          </a:prstGeom>
+          <a:noFill/>
+          <a:ln w="12700">
+            <a:solidFill>
+              <a:prstClr val="black"/>
+            </a:solidFill>
+          </a:ln>
+        </p:spPr>
+        <p:txBody>
+          <a:bodyPr vert="horz" lIns="91440" tIns="45720" rIns="91440" bIns="45720" rtlCol="0" anchor="ctr"/>
+          <a:lstStyle/>
+          <a:p>
+            <a:endParaRPr lang="en-GB"/>
+          </a:p>
+        </p:txBody>
+      </p:sp>
+      <p:sp>
+        <p:nvSpPr>
+          <p:cNvPr id="5" name="Notes Placeholder 4"/>
+          <p:cNvSpPr>
+            <a:spLocks noGrp="1"/>
+          </p:cNvSpPr>
+          <p:nvPr>
+            <p:ph type="body" sz="quarter" idx="3"/>
+          </p:nvPr>
+        </p:nvSpPr>
+        <p:spPr>
+          <a:xfrm>
+            <a:off x="685800" y="4400550"/>
+            <a:ext cx="5486400" cy="3600450"/>
+          </a:xfrm>
+          <a:prstGeom prst="rect">
+            <a:avLst/>
+          </a:prstGeom>
+        </p:spPr>
+        <p:txBody>
+          <a:bodyPr vert="horz" lIns="91440" tIns="45720" rIns="91440" bIns="45720" rtlCol="0"/>
+          <a:lstStyle/>
+          <a:p>
+            <a:pPr lvl="0"/>
+            <a:r>
+              <a:rPr lang="en-US" smtClean="0"/>
+              <a:t>Edit Master text styles</a:t>
+            </a:r>
+          </a:p>
+          <a:p>
+            <a:pPr lvl="1"/>
+            <a:r>
+              <a:rPr lang="en-US" smtClean="0"/>
+              <a:t>Second level</a:t>
+            </a:r>
+          </a:p>
+          <a:p>
+            <a:pPr lvl="2"/>
+            <a:r>
+              <a:rPr lang="en-US" smtClean="0"/>
+              <a:t>Third level</a:t>
+            </a:r>
+          </a:p>
+          <a:p>
+            <a:pPr lvl="3"/>
+            <a:r>
+              <a:rPr lang="en-US" smtClean="0"/>
+              <a:t>Fourth level</a:t>
+            </a:r>
+          </a:p>
+          <a:p>
+            <a:pPr lvl="4"/>
+            <a:r>
+              <a:rPr lang="en-US" smtClean="0"/>
+              <a:t>Fifth level</a:t>
+            </a:r>
+            <a:endParaRPr lang="en-GB"/>
+          </a:p>
+        </p:txBody>
+      </p:sp>
+      <p:sp>
+        <p:nvSpPr>
+          <p:cNvPr id="6" name="Footer Placeholder 5"/>
+          <p:cNvSpPr>
+            <a:spLocks noGrp="1"/>
+          </p:cNvSpPr>
+          <p:nvPr>
+            <p:ph type="ftr" sz="quarter" idx="4"/>
+          </p:nvPr>
+        </p:nvSpPr>
+        <p:spPr>
+          <a:xfrm>
+            <a:off x="0" y="8685213"/>
+            <a:ext cx="2971800" cy="458787"/>
+          </a:xfrm>
+          <a:prstGeom prst="rect">
+            <a:avLst/>
+          </a:prstGeom>
+        </p:spPr>
+        <p:txBody>
+          <a:bodyPr vert="horz" lIns="91440" tIns="45720" rIns="91440" bIns="45720" rtlCol="0" anchor="b"/>
+          <a:lstStyle>
+            <a:lvl1pPr algn="l">
+              <a:defRPr sz="1200"/>
+            </a:lvl1pPr>
+          </a:lstStyle>
+          <a:p>
+            <a:endParaRPr lang="en-GB"/>
+          </a:p>
+        </p:txBody>
+      </p:sp>
+      <p:sp>
+        <p:nvSpPr>
+          <p:cNvPr id="7" name="Slide Number Placeholder 6"/>
+          <p:cNvSpPr>
+            <a:spLocks noGrp="1"/>
+          </p:cNvSpPr>
+          <p:nvPr>
+            <p:ph type="sldNum" sz="quarter" idx="5"/>
+          </p:nvPr>
+        </p:nvSpPr>
+        <p:spPr>
+          <a:xfrm>
+            <a:off x="3884613" y="8685213"/>
+            <a:ext cx="2971800" cy="458787"/>
+          </a:xfrm>
+          <a:prstGeom prst="rect">
+            <a:avLst/>
+          </a:prstGeom>
+        </p:spPr>
+        <p:txBody>
+          <a:bodyPr vert="horz" lIns="91440" tIns="45720" rIns="91440" bIns="45720" rtlCol="0" anchor="b"/>
+          <a:lstStyle>
+            <a:lvl1pPr algn="r">
+              <a:defRPr sz="1200"/>
+            </a:lvl1pPr>
+          </a:lstStyle>
+          <a:p>
+            <a:fld id="{AC83A07D-4A19-42D7-AD8A-9DB996103959}" type="slidenum">
+              <a:rPr lang="en-GB" smtClean="0"/>
+              <a:t>‹#›</a:t>
+            </a:fld>
+            <a:endParaRPr lang="en-GB"/>
+          </a:p>
+        </p:txBody>
+      </p:sp>
+    </p:spTree>
+    <p:extLst>
+      <p:ext uri="{BB962C8B-B14F-4D97-AF65-F5344CB8AC3E}">
+        <p14:creationId xmlns:p14="http://schemas.microsoft.com/office/powerpoint/2010/main" val="4058854910"/>
+      </p:ext>
+    </p:extLst>
+  </p:cSld>
+  <p:clrMap bg1="lt1" tx1="dk1" bg2="lt2" tx2="dk2" accent1="accent1" accent2="accent2" accent3="accent3" accent4="accent4" accent5="accent5" accent6="accent6" hlink="hlink" folHlink="folHlink"/>
+  <p:notesStyle>
+    <a:lvl1pPr marL="0" algn="l" defTabSz="914400" rtl="0" eaLnBrk="1" latinLnBrk="0" hangingPunct="1">
+      <a:defRPr sz="1200" kern="1200">
+        <a:solidFill>
+          <a:schemeClr val="tx1"/>
+        </a:solidFill>
+        <a:latin typeface="+mn-lt"/>
+        <a:ea typeface="+mn-ea"/>
+        <a:cs typeface="+mn-cs"/>
+      </a:defRPr>
+    </a:lvl1pPr>
+    <a:lvl2pPr marL="457200" algn="l" defTabSz="914400" rtl="0" eaLnBrk="1" latinLnBrk="0" hangingPunct="1">
+      <a:defRPr sz="1200" kern="1200">
+        <a:solidFill>
+          <a:schemeClr val="tx1"/>
+        </a:solidFill>
+        <a:latin typeface="+mn-lt"/>
+        <a:ea typeface="+mn-ea"/>
+        <a:cs typeface="+mn-cs"/>
+      </a:defRPr>
+    </a:lvl2pPr>
+    <a:lvl3pPr marL="914400" algn="l" defTabSz="914400" rtl="0" eaLnBrk="1" latinLnBrk="0" hangingPunct="1">
+      <a:defRPr sz="1200" kern="1200">
+        <a:solidFill>
+          <a:schemeClr val="tx1"/>
+        </a:solidFill>
+        <a:latin typeface="+mn-lt"/>
+        <a:ea typeface="+mn-ea"/>
+        <a:cs typeface="+mn-cs"/>
+      </a:defRPr>
+    </a:lvl3pPr>
+    <a:lvl4pPr marL="1371600" algn="l" defTabSz="914400" rtl="0" eaLnBrk="1" latinLnBrk="0" hangingPunct="1">
+      <a:defRPr sz="1200" kern="1200">
+        <a:solidFill>
+          <a:schemeClr val="tx1"/>
+        </a:solidFill>
+        <a:latin typeface="+mn-lt"/>
+        <a:ea typeface="+mn-ea"/>
+        <a:cs typeface="+mn-cs"/>
+      </a:defRPr>
+    </a:lvl4pPr>
+    <a:lvl5pPr marL="1828800" algn="l" defTabSz="914400" rtl="0" eaLnBrk="1" latinLnBrk="0" hangingPunct="1">
+      <a:defRPr sz="1200" kern="1200">
+        <a:solidFill>
+          <a:schemeClr val="tx1"/>
+        </a:solidFill>
+        <a:latin typeface="+mn-lt"/>
+        <a:ea typeface="+mn-ea"/>
+        <a:cs typeface="+mn-cs"/>
+      </a:defRPr>
+    </a:lvl5pPr>
+    <a:lvl6pPr marL="2286000" algn="l" defTabSz="914400" rtl="0" eaLnBrk="1" latinLnBrk="0" hangingPunct="1">
+      <a:defRPr sz="1200" kern="1200">
+        <a:solidFill>
+          <a:schemeClr val="tx1"/>
+        </a:solidFill>
+        <a:latin typeface="+mn-lt"/>
+        <a:ea typeface="+mn-ea"/>
+        <a:cs typeface="+mn-cs"/>
+      </a:defRPr>
+    </a:lvl6pPr>
+    <a:lvl7pPr marL="2743200" algn="l" defTabSz="914400" rtl="0" eaLnBrk="1" latinLnBrk="0" hangingPunct="1">
+      <a:defRPr sz="1200" kern="1200">
+        <a:solidFill>
+          <a:schemeClr val="tx1"/>
+        </a:solidFill>
+        <a:latin typeface="+mn-lt"/>
+        <a:ea typeface="+mn-ea"/>
+        <a:cs typeface="+mn-cs"/>
+      </a:defRPr>
+    </a:lvl7pPr>
+    <a:lvl8pPr marL="3200400" algn="l" defTabSz="914400" rtl="0" eaLnBrk="1" latinLnBrk="0" hangingPunct="1">
+      <a:defRPr sz="1200" kern="1200">
+        <a:solidFill>
+          <a:schemeClr val="tx1"/>
+        </a:solidFill>
+        <a:latin typeface="+mn-lt"/>
+        <a:ea typeface="+mn-ea"/>
+        <a:cs typeface="+mn-cs"/>
+      </a:defRPr>
+    </a:lvl8pPr>
+    <a:lvl9pPr marL="3657600" algn="l" defTabSz="914400" rtl="0" eaLnBrk="1" latinLnBrk="0" hangingPunct="1">
+      <a:defRPr sz="1200" kern="1200">
+        <a:solidFill>
+          <a:schemeClr val="tx1"/>
+        </a:solidFill>
+        <a:latin typeface="+mn-lt"/>
+        <a:ea typeface="+mn-ea"/>
+        <a:cs typeface="+mn-cs"/>
+      </a:defRPr>
+    </a:lvl9pPr>
+  </p:notesStyle>
+</p:notesMaster>
+</file>
+
+<file path=ppt/notesSlides/notesSlide1.xml><?xml version="1.0" encoding="utf-8"?>
+<p:notes xmlns:a="http://schemas.openxmlformats.org/drawingml/2006/main" xmlns:r="http://schemas.openxmlformats.org/officeDocument/2006/relationships" xmlns:p="http://schemas.openxmlformats.org/presentationml/2006/main">
+  <p:cSld>
+    <p:spTree>
+      <p:nvGrpSpPr>
+        <p:cNvPr id="1" name=""/>
+        <p:cNvGrpSpPr/>
+        <p:nvPr/>
+      </p:nvGrpSpPr>
+      <p:grpSpPr>
+        <a:xfrm>
+          <a:off x="0" y="0"/>
+          <a:ext cx="0" cy="0"/>
+          <a:chOff x="0" y="0"/>
+          <a:chExt cx="0" cy="0"/>
+        </a:xfrm>
+      </p:grpSpPr>
+      <p:sp>
+        <p:nvSpPr>
+          <p:cNvPr id="2" name="Slide Image Placeholder 1"/>
+          <p:cNvSpPr>
+            <a:spLocks noGrp="1" noRot="1" noChangeAspect="1"/>
+          </p:cNvSpPr>
+          <p:nvPr>
+            <p:ph type="sldImg"/>
+          </p:nvPr>
+        </p:nvSpPr>
+        <p:spPr/>
+      </p:sp>
+      <p:sp>
+        <p:nvSpPr>
+          <p:cNvPr id="3" name="Notes Placeholder 2"/>
+          <p:cNvSpPr>
+            <a:spLocks noGrp="1"/>
+          </p:cNvSpPr>
+          <p:nvPr>
+            <p:ph type="body" idx="1"/>
+          </p:nvPr>
+        </p:nvSpPr>
+        <p:spPr/>
+        <p:txBody>
+          <a:bodyPr/>
+          <a:lstStyle/>
+          <a:p>
+            <a:r>
+              <a:rPr lang="en-GB" dirty="0" smtClean="0"/>
+              <a:t>Shared responsibilities</a:t>
+            </a:r>
+          </a:p>
+          <a:p>
+            <a:endParaRPr lang="en-GB" dirty="0" smtClean="0"/>
+          </a:p>
+          <a:p>
+            <a:r>
+              <a:rPr lang="en-GB" dirty="0" smtClean="0"/>
+              <a:t>Extreme</a:t>
+            </a:r>
+            <a:r>
+              <a:rPr lang="en-GB" baseline="0" dirty="0" smtClean="0"/>
+              <a:t> programming, pair programming-sort of</a:t>
+            </a:r>
+            <a:endParaRPr lang="en-GB" dirty="0"/>
+          </a:p>
+        </p:txBody>
+      </p:sp>
+      <p:sp>
+        <p:nvSpPr>
+          <p:cNvPr id="4" name="Slide Number Placeholder 3"/>
+          <p:cNvSpPr>
+            <a:spLocks noGrp="1"/>
+          </p:cNvSpPr>
+          <p:nvPr>
+            <p:ph type="sldNum" sz="quarter" idx="10"/>
+          </p:nvPr>
+        </p:nvSpPr>
+        <p:spPr/>
+        <p:txBody>
+          <a:bodyPr/>
+          <a:lstStyle/>
+          <a:p>
+            <a:fld id="{AC83A07D-4A19-42D7-AD8A-9DB996103959}" type="slidenum">
+              <a:rPr lang="en-GB" smtClean="0"/>
+              <a:t>1</a:t>
+            </a:fld>
+            <a:endParaRPr lang="en-GB"/>
+          </a:p>
+        </p:txBody>
+      </p:sp>
+    </p:spTree>
+    <p:extLst>
+      <p:ext uri="{BB962C8B-B14F-4D97-AF65-F5344CB8AC3E}">
+        <p14:creationId xmlns:p14="http://schemas.microsoft.com/office/powerpoint/2010/main" val="3041875591"/>
+      </p:ext>
+    </p:extLst>
+  </p:cSld>
+  <p:clrMapOvr>
+    <a:masterClrMapping/>
+  </p:clrMapOvr>
+</p:notes>
+</file>
+
+<file path=ppt/notesSlides/notesSlide2.xml><?xml version="1.0" encoding="utf-8"?>
+<p:notes xmlns:a="http://schemas.openxmlformats.org/drawingml/2006/main" xmlns:r="http://schemas.openxmlformats.org/officeDocument/2006/relationships" xmlns:p="http://schemas.openxmlformats.org/presentationml/2006/main">
+  <p:cSld>
+    <p:spTree>
+      <p:nvGrpSpPr>
+        <p:cNvPr id="1" name=""/>
+        <p:cNvGrpSpPr/>
+        <p:nvPr/>
+      </p:nvGrpSpPr>
+      <p:grpSpPr>
+        <a:xfrm>
+          <a:off x="0" y="0"/>
+          <a:ext cx="0" cy="0"/>
+          <a:chOff x="0" y="0"/>
+          <a:chExt cx="0" cy="0"/>
+        </a:xfrm>
+      </p:grpSpPr>
+      <p:sp>
+        <p:nvSpPr>
+          <p:cNvPr id="2" name="Slide Image Placeholder 1"/>
+          <p:cNvSpPr>
+            <a:spLocks noGrp="1" noRot="1" noChangeAspect="1"/>
+          </p:cNvSpPr>
+          <p:nvPr>
+            <p:ph type="sldImg"/>
+          </p:nvPr>
+        </p:nvSpPr>
+        <p:spPr/>
+      </p:sp>
+      <p:sp>
+        <p:nvSpPr>
+          <p:cNvPr id="3" name="Notes Placeholder 2"/>
+          <p:cNvSpPr>
+            <a:spLocks noGrp="1"/>
+          </p:cNvSpPr>
+          <p:nvPr>
+            <p:ph type="body" idx="1"/>
+          </p:nvPr>
+        </p:nvSpPr>
+        <p:spPr/>
+        <p:txBody>
+          <a:bodyPr/>
+          <a:lstStyle/>
+          <a:p>
+            <a:pPr marL="0" marR="0" lvl="0" indent="0" algn="l" defTabSz="914400" rtl="0" eaLnBrk="1" fontAlgn="auto" latinLnBrk="0" hangingPunct="1">
+              <a:lnSpc>
+                <a:spcPct val="100000"/>
+              </a:lnSpc>
+              <a:spcBef>
+                <a:spcPts val="0"/>
+              </a:spcBef>
+              <a:spcAft>
+                <a:spcPts val="0"/>
+              </a:spcAft>
+              <a:buClrTx/>
+              <a:buSzTx/>
+              <a:buFontTx/>
+              <a:buNone/>
+              <a:tabLst/>
+              <a:defRPr/>
+            </a:pPr>
+            <a:r>
+              <a:rPr lang="en-GB" dirty="0" smtClean="0"/>
+              <a:t>Targeting PCs and laptops</a:t>
+            </a:r>
+          </a:p>
+          <a:p>
+            <a:pPr marL="0" marR="0" lvl="0" indent="0" algn="l" defTabSz="914400" rtl="0" eaLnBrk="1" fontAlgn="auto" latinLnBrk="0" hangingPunct="1">
+              <a:lnSpc>
+                <a:spcPct val="100000"/>
+              </a:lnSpc>
+              <a:spcBef>
+                <a:spcPts val="0"/>
+              </a:spcBef>
+              <a:spcAft>
+                <a:spcPts val="0"/>
+              </a:spcAft>
+              <a:buClrTx/>
+              <a:buSzTx/>
+              <a:buFontTx/>
+              <a:buNone/>
+              <a:tabLst/>
+              <a:defRPr/>
+            </a:pPr>
+            <a:endParaRPr lang="en-GB" dirty="0" smtClean="0"/>
+          </a:p>
+          <a:p>
+            <a:pPr marL="0" marR="0" lvl="0" indent="0" algn="l" defTabSz="914400" rtl="0" eaLnBrk="1" fontAlgn="auto" latinLnBrk="0" hangingPunct="1">
+              <a:lnSpc>
+                <a:spcPct val="100000"/>
+              </a:lnSpc>
+              <a:spcBef>
+                <a:spcPts val="0"/>
+              </a:spcBef>
+              <a:spcAft>
+                <a:spcPts val="0"/>
+              </a:spcAft>
+              <a:buClrTx/>
+              <a:buSzTx/>
+              <a:buFontTx/>
+              <a:buNone/>
+              <a:tabLst/>
+              <a:defRPr/>
+            </a:pPr>
+            <a:r>
+              <a:rPr lang="en-GB" dirty="0" smtClean="0"/>
+              <a:t>Requires GPS telemetry data from vehicles and streaming camera</a:t>
+            </a:r>
+          </a:p>
+          <a:p>
+            <a:endParaRPr lang="en-GB" dirty="0" smtClean="0"/>
+          </a:p>
+          <a:p>
+            <a:r>
+              <a:rPr lang="en-GB" dirty="0" smtClean="0"/>
+              <a:t>360</a:t>
+            </a:r>
+            <a:r>
+              <a:rPr lang="en-GB" baseline="0" dirty="0" smtClean="0"/>
+              <a:t> livestreaming is expensive, use it well or not at all</a:t>
+            </a:r>
+          </a:p>
+          <a:p>
+            <a:endParaRPr lang="en-GB" baseline="0" dirty="0" smtClean="0"/>
+          </a:p>
+          <a:p>
+            <a:r>
+              <a:rPr lang="en-GB" baseline="0" dirty="0" smtClean="0"/>
+              <a:t>If in last presentation</a:t>
+            </a:r>
+          </a:p>
+          <a:p>
+            <a:r>
+              <a:rPr lang="en-GB" baseline="0" dirty="0" smtClean="0"/>
+              <a:t>Journey to </a:t>
+            </a:r>
+            <a:r>
+              <a:rPr lang="en-GB" baseline="0" dirty="0" err="1" smtClean="0"/>
+              <a:t>paris</a:t>
+            </a:r>
+            <a:r>
+              <a:rPr lang="en-GB" baseline="0" dirty="0" smtClean="0"/>
+              <a:t> last time, no journeys this time</a:t>
+            </a:r>
+          </a:p>
+          <a:p>
+            <a:r>
+              <a:rPr lang="en-GB" baseline="0" dirty="0" smtClean="0"/>
+              <a:t>With 360 streams, you don’t have to go anywhere</a:t>
+            </a:r>
+            <a:endParaRPr lang="en-GB" dirty="0"/>
+          </a:p>
+        </p:txBody>
+      </p:sp>
+      <p:sp>
+        <p:nvSpPr>
+          <p:cNvPr id="4" name="Slide Number Placeholder 3"/>
+          <p:cNvSpPr>
+            <a:spLocks noGrp="1"/>
+          </p:cNvSpPr>
+          <p:nvPr>
+            <p:ph type="sldNum" sz="quarter" idx="10"/>
+          </p:nvPr>
+        </p:nvSpPr>
+        <p:spPr/>
+        <p:txBody>
+          <a:bodyPr/>
+          <a:lstStyle/>
+          <a:p>
+            <a:fld id="{AC83A07D-4A19-42D7-AD8A-9DB996103959}" type="slidenum">
+              <a:rPr lang="en-GB" smtClean="0"/>
+              <a:t>3</a:t>
+            </a:fld>
+            <a:endParaRPr lang="en-GB"/>
+          </a:p>
+        </p:txBody>
+      </p:sp>
+    </p:spTree>
+    <p:extLst>
+      <p:ext uri="{BB962C8B-B14F-4D97-AF65-F5344CB8AC3E}">
+        <p14:creationId xmlns:p14="http://schemas.microsoft.com/office/powerpoint/2010/main" val="180590643"/>
+      </p:ext>
+    </p:extLst>
+  </p:cSld>
+  <p:clrMapOvr>
+    <a:masterClrMapping/>
+  </p:clrMapOvr>
+</p:notes>
+</file>
+
+<file path=ppt/notesSlides/notesSlide3.xml><?xml version="1.0" encoding="utf-8"?>
+<p:notes xmlns:a="http://schemas.openxmlformats.org/drawingml/2006/main" xmlns:r="http://schemas.openxmlformats.org/officeDocument/2006/relationships" xmlns:p="http://schemas.openxmlformats.org/presentationml/2006/main">
+  <p:cSld>
+    <p:spTree>
+      <p:nvGrpSpPr>
+        <p:cNvPr id="1" name=""/>
+        <p:cNvGrpSpPr/>
+        <p:nvPr/>
+      </p:nvGrpSpPr>
+      <p:grpSpPr>
+        <a:xfrm>
+          <a:off x="0" y="0"/>
+          <a:ext cx="0" cy="0"/>
+          <a:chOff x="0" y="0"/>
+          <a:chExt cx="0" cy="0"/>
+        </a:xfrm>
+      </p:grpSpPr>
+      <p:sp>
+        <p:nvSpPr>
+          <p:cNvPr id="2" name="Slide Image Placeholder 1"/>
+          <p:cNvSpPr>
+            <a:spLocks noGrp="1" noRot="1" noChangeAspect="1"/>
+          </p:cNvSpPr>
+          <p:nvPr>
+            <p:ph type="sldImg"/>
+          </p:nvPr>
+        </p:nvSpPr>
+        <p:spPr/>
+      </p:sp>
+      <p:sp>
+        <p:nvSpPr>
+          <p:cNvPr id="3" name="Notes Placeholder 2"/>
+          <p:cNvSpPr>
+            <a:spLocks noGrp="1"/>
+          </p:cNvSpPr>
+          <p:nvPr>
+            <p:ph type="body" idx="1"/>
+          </p:nvPr>
+        </p:nvSpPr>
+        <p:spPr/>
+        <p:txBody>
+          <a:bodyPr/>
+          <a:lstStyle/>
+          <a:p>
+            <a:r>
+              <a:rPr lang="en-GB" dirty="0" smtClean="0"/>
+              <a:t>3 main components</a:t>
+            </a:r>
+            <a:endParaRPr lang="en-GB" dirty="0"/>
+          </a:p>
+        </p:txBody>
+      </p:sp>
+      <p:sp>
+        <p:nvSpPr>
+          <p:cNvPr id="4" name="Slide Number Placeholder 3"/>
+          <p:cNvSpPr>
+            <a:spLocks noGrp="1"/>
+          </p:cNvSpPr>
+          <p:nvPr>
+            <p:ph type="sldNum" sz="quarter" idx="10"/>
+          </p:nvPr>
+        </p:nvSpPr>
+        <p:spPr/>
+        <p:txBody>
+          <a:bodyPr/>
+          <a:lstStyle/>
+          <a:p>
+            <a:fld id="{AC83A07D-4A19-42D7-AD8A-9DB996103959}" type="slidenum">
+              <a:rPr lang="en-GB" smtClean="0"/>
+              <a:t>4</a:t>
+            </a:fld>
+            <a:endParaRPr lang="en-GB"/>
+          </a:p>
+        </p:txBody>
+      </p:sp>
+    </p:spTree>
+    <p:extLst>
+      <p:ext uri="{BB962C8B-B14F-4D97-AF65-F5344CB8AC3E}">
+        <p14:creationId xmlns:p14="http://schemas.microsoft.com/office/powerpoint/2010/main" val="631669394"/>
+      </p:ext>
+    </p:extLst>
+  </p:cSld>
+  <p:clrMapOvr>
+    <a:masterClrMapping/>
+  </p:clrMapOvr>
+</p:notes>
+</file>
+
+<file path=ppt/notesSlides/notesSlide4.xml><?xml version="1.0" encoding="utf-8"?>
+<p:notes xmlns:a="http://schemas.openxmlformats.org/drawingml/2006/main" xmlns:r="http://schemas.openxmlformats.org/officeDocument/2006/relationships" xmlns:p="http://schemas.openxmlformats.org/presentationml/2006/main">
+  <p:cSld>
+    <p:spTree>
+      <p:nvGrpSpPr>
+        <p:cNvPr id="1" name=""/>
+        <p:cNvGrpSpPr/>
+        <p:nvPr/>
+      </p:nvGrpSpPr>
+      <p:grpSpPr>
+        <a:xfrm>
+          <a:off x="0" y="0"/>
+          <a:ext cx="0" cy="0"/>
+          <a:chOff x="0" y="0"/>
+          <a:chExt cx="0" cy="0"/>
+        </a:xfrm>
+      </p:grpSpPr>
+      <p:sp>
+        <p:nvSpPr>
+          <p:cNvPr id="2" name="Slide Image Placeholder 1"/>
+          <p:cNvSpPr>
+            <a:spLocks noGrp="1" noRot="1" noChangeAspect="1"/>
+          </p:cNvSpPr>
+          <p:nvPr>
+            <p:ph type="sldImg"/>
+          </p:nvPr>
+        </p:nvSpPr>
+        <p:spPr/>
+      </p:sp>
+      <p:sp>
+        <p:nvSpPr>
+          <p:cNvPr id="3" name="Notes Placeholder 2"/>
+          <p:cNvSpPr>
+            <a:spLocks noGrp="1"/>
+          </p:cNvSpPr>
+          <p:nvPr>
+            <p:ph type="body" idx="1"/>
+          </p:nvPr>
+        </p:nvSpPr>
+        <p:spPr/>
+        <p:txBody>
+          <a:bodyPr/>
+          <a:lstStyle/>
+          <a:p>
+            <a:r>
+              <a:rPr lang="en-GB" baseline="0" dirty="0" smtClean="0"/>
+              <a:t>‘Trusted user’ view shown </a:t>
+            </a:r>
+            <a:r>
+              <a:rPr lang="en-GB" baseline="0" dirty="0" err="1" smtClean="0"/>
+              <a:t>overlayed</a:t>
+            </a:r>
+            <a:r>
+              <a:rPr lang="en-GB" baseline="0" dirty="0" smtClean="0"/>
+              <a:t> on all clients views</a:t>
+            </a:r>
+          </a:p>
+          <a:p>
+            <a:endParaRPr lang="en-GB" baseline="0" dirty="0" smtClean="0"/>
+          </a:p>
+          <a:p>
+            <a:r>
+              <a:rPr lang="en-GB" baseline="0" dirty="0" smtClean="0"/>
+              <a:t>Keep track of the conversation without losing control of the camera</a:t>
+            </a:r>
+            <a:endParaRPr lang="en-GB" dirty="0"/>
+          </a:p>
+        </p:txBody>
+      </p:sp>
+      <p:sp>
+        <p:nvSpPr>
+          <p:cNvPr id="4" name="Slide Number Placeholder 3"/>
+          <p:cNvSpPr>
+            <a:spLocks noGrp="1"/>
+          </p:cNvSpPr>
+          <p:nvPr>
+            <p:ph type="sldNum" sz="quarter" idx="10"/>
+          </p:nvPr>
+        </p:nvSpPr>
+        <p:spPr/>
+        <p:txBody>
+          <a:bodyPr/>
+          <a:lstStyle/>
+          <a:p>
+            <a:fld id="{AC83A07D-4A19-42D7-AD8A-9DB996103959}" type="slidenum">
+              <a:rPr lang="en-GB" smtClean="0"/>
+              <a:t>5</a:t>
+            </a:fld>
+            <a:endParaRPr lang="en-GB"/>
+          </a:p>
+        </p:txBody>
+      </p:sp>
+    </p:spTree>
+    <p:extLst>
+      <p:ext uri="{BB962C8B-B14F-4D97-AF65-F5344CB8AC3E}">
+        <p14:creationId xmlns:p14="http://schemas.microsoft.com/office/powerpoint/2010/main" val="3839009830"/>
+      </p:ext>
+    </p:extLst>
+  </p:cSld>
+  <p:clrMapOvr>
+    <a:masterClrMapping/>
+  </p:clrMapOvr>
+</p:notes>
+</file>
+
+<file path=ppt/notesSlides/notesSlide5.xml><?xml version="1.0" encoding="utf-8"?>
+<p:notes xmlns:a="http://schemas.openxmlformats.org/drawingml/2006/main" xmlns:r="http://schemas.openxmlformats.org/officeDocument/2006/relationships" xmlns:p="http://schemas.openxmlformats.org/presentationml/2006/main">
+  <p:cSld>
+    <p:spTree>
+      <p:nvGrpSpPr>
+        <p:cNvPr id="1" name=""/>
+        <p:cNvGrpSpPr/>
+        <p:nvPr/>
+      </p:nvGrpSpPr>
+      <p:grpSpPr>
+        <a:xfrm>
+          <a:off x="0" y="0"/>
+          <a:ext cx="0" cy="0"/>
+          <a:chOff x="0" y="0"/>
+          <a:chExt cx="0" cy="0"/>
+        </a:xfrm>
+      </p:grpSpPr>
+      <p:sp>
+        <p:nvSpPr>
+          <p:cNvPr id="2" name="Slide Image Placeholder 1"/>
+          <p:cNvSpPr>
+            <a:spLocks noGrp="1" noRot="1" noChangeAspect="1"/>
+          </p:cNvSpPr>
+          <p:nvPr>
+            <p:ph type="sldImg"/>
+          </p:nvPr>
+        </p:nvSpPr>
+        <p:spPr/>
+      </p:sp>
+      <p:sp>
+        <p:nvSpPr>
+          <p:cNvPr id="3" name="Notes Placeholder 2"/>
+          <p:cNvSpPr>
+            <a:spLocks noGrp="1"/>
+          </p:cNvSpPr>
+          <p:nvPr>
+            <p:ph type="body" idx="1"/>
+          </p:nvPr>
+        </p:nvSpPr>
+        <p:spPr/>
+        <p:txBody>
+          <a:bodyPr/>
+          <a:lstStyle/>
+          <a:p>
+            <a:r>
+              <a:rPr lang="en-GB" dirty="0" smtClean="0"/>
+              <a:t>Stored</a:t>
+            </a:r>
+            <a:r>
+              <a:rPr lang="en-GB" baseline="0" dirty="0" smtClean="0"/>
+              <a:t> telemetry from incident</a:t>
+            </a:r>
+          </a:p>
+          <a:p>
+            <a:endParaRPr lang="en-GB" dirty="0" smtClean="0"/>
+          </a:p>
+          <a:p>
+            <a:r>
+              <a:rPr lang="en-GB" dirty="0" smtClean="0"/>
+              <a:t>GPS coordinates</a:t>
+            </a:r>
+            <a:r>
+              <a:rPr lang="en-GB" baseline="0" dirty="0" smtClean="0"/>
+              <a:t> and camera coordinates used to calculate the relative positions</a:t>
+            </a:r>
+          </a:p>
+          <a:p>
+            <a:endParaRPr lang="en-GB" baseline="0" dirty="0" smtClean="0"/>
+          </a:p>
+          <a:p>
+            <a:r>
+              <a:rPr lang="en-GB" baseline="0" dirty="0" smtClean="0"/>
+              <a:t>Show virtual representation of vehicles inside the stream view</a:t>
+            </a:r>
+          </a:p>
+          <a:p>
+            <a:endParaRPr lang="en-GB" baseline="0" dirty="0" smtClean="0"/>
+          </a:p>
+          <a:p>
+            <a:r>
+              <a:rPr lang="en-GB" baseline="0" dirty="0" smtClean="0"/>
+              <a:t>Move the camera, replay incident from new perspective</a:t>
+            </a:r>
+          </a:p>
+        </p:txBody>
+      </p:sp>
+      <p:sp>
+        <p:nvSpPr>
+          <p:cNvPr id="4" name="Slide Number Placeholder 3"/>
+          <p:cNvSpPr>
+            <a:spLocks noGrp="1"/>
+          </p:cNvSpPr>
+          <p:nvPr>
+            <p:ph type="sldNum" sz="quarter" idx="10"/>
+          </p:nvPr>
+        </p:nvSpPr>
+        <p:spPr/>
+        <p:txBody>
+          <a:bodyPr/>
+          <a:lstStyle/>
+          <a:p>
+            <a:fld id="{AC83A07D-4A19-42D7-AD8A-9DB996103959}" type="slidenum">
+              <a:rPr lang="en-GB" smtClean="0"/>
+              <a:t>6</a:t>
+            </a:fld>
+            <a:endParaRPr lang="en-GB"/>
+          </a:p>
+        </p:txBody>
+      </p:sp>
+    </p:spTree>
+    <p:extLst>
+      <p:ext uri="{BB962C8B-B14F-4D97-AF65-F5344CB8AC3E}">
+        <p14:creationId xmlns:p14="http://schemas.microsoft.com/office/powerpoint/2010/main" val="2941366233"/>
+      </p:ext>
+    </p:extLst>
+  </p:cSld>
+  <p:clrMapOvr>
+    <a:masterClrMapping/>
+  </p:clrMapOvr>
+</p:notes>
+</file>
+
+<file path=ppt/notesSlides/notesSlide6.xml><?xml version="1.0" encoding="utf-8"?>
+<p:notes xmlns:a="http://schemas.openxmlformats.org/drawingml/2006/main" xmlns:r="http://schemas.openxmlformats.org/officeDocument/2006/relationships" xmlns:p="http://schemas.openxmlformats.org/presentationml/2006/main">
+  <p:cSld>
+    <p:spTree>
+      <p:nvGrpSpPr>
+        <p:cNvPr id="1" name=""/>
+        <p:cNvGrpSpPr/>
+        <p:nvPr/>
+      </p:nvGrpSpPr>
+      <p:grpSpPr>
+        <a:xfrm>
+          <a:off x="0" y="0"/>
+          <a:ext cx="0" cy="0"/>
+          <a:chOff x="0" y="0"/>
+          <a:chExt cx="0" cy="0"/>
+        </a:xfrm>
+      </p:grpSpPr>
+      <p:sp>
+        <p:nvSpPr>
+          <p:cNvPr id="2" name="Slide Image Placeholder 1"/>
+          <p:cNvSpPr>
+            <a:spLocks noGrp="1" noRot="1" noChangeAspect="1"/>
+          </p:cNvSpPr>
+          <p:nvPr>
+            <p:ph type="sldImg"/>
+          </p:nvPr>
+        </p:nvSpPr>
+        <p:spPr/>
+      </p:sp>
+      <p:sp>
+        <p:nvSpPr>
+          <p:cNvPr id="3" name="Notes Placeholder 2"/>
+          <p:cNvSpPr>
+            <a:spLocks noGrp="1"/>
+          </p:cNvSpPr>
+          <p:nvPr>
+            <p:ph type="body" idx="1"/>
+          </p:nvPr>
+        </p:nvSpPr>
+        <p:spPr/>
+        <p:txBody>
+          <a:bodyPr/>
+          <a:lstStyle/>
+          <a:p>
+            <a:r>
+              <a:rPr lang="en-GB" dirty="0" smtClean="0"/>
+              <a:t>Text</a:t>
+            </a:r>
+            <a:r>
+              <a:rPr lang="en-GB" baseline="0" dirty="0" smtClean="0"/>
+              <a:t> c</a:t>
+            </a:r>
+            <a:r>
+              <a:rPr lang="en-GB" dirty="0" smtClean="0"/>
+              <a:t>hat system</a:t>
+            </a:r>
+          </a:p>
+          <a:p>
+            <a:r>
+              <a:rPr lang="en-GB" dirty="0" smtClean="0"/>
+              <a:t>Functionality to add in-view</a:t>
+            </a:r>
+            <a:r>
+              <a:rPr lang="en-GB" baseline="0" dirty="0" smtClean="0"/>
+              <a:t> markers (points of interest)</a:t>
+            </a:r>
+          </a:p>
+          <a:p>
+            <a:r>
+              <a:rPr lang="en-GB" baseline="0" dirty="0" smtClean="0"/>
+              <a:t>Each marker has a reference</a:t>
+            </a:r>
+          </a:p>
+          <a:p>
+            <a:r>
+              <a:rPr lang="en-GB" baseline="0" dirty="0" smtClean="0"/>
+              <a:t>Link chat to refs</a:t>
+            </a:r>
+          </a:p>
+          <a:p>
+            <a:r>
+              <a:rPr lang="en-GB" baseline="0" dirty="0" smtClean="0"/>
+              <a:t>Capture view when marker created</a:t>
+            </a:r>
+          </a:p>
+          <a:p>
+            <a:r>
+              <a:rPr lang="en-GB" baseline="0" dirty="0" smtClean="0"/>
+              <a:t>Stored in </a:t>
+            </a:r>
+            <a:r>
+              <a:rPr lang="en-GB" baseline="0" dirty="0" err="1" smtClean="0"/>
+              <a:t>db</a:t>
+            </a:r>
+            <a:endParaRPr lang="en-GB" baseline="0" dirty="0" smtClean="0"/>
+          </a:p>
+          <a:p>
+            <a:r>
+              <a:rPr lang="en-GB" baseline="0" dirty="0" smtClean="0"/>
+              <a:t>Generate report to display comments in context</a:t>
+            </a:r>
+            <a:endParaRPr lang="en-GB" dirty="0"/>
+          </a:p>
+        </p:txBody>
+      </p:sp>
+      <p:sp>
+        <p:nvSpPr>
+          <p:cNvPr id="4" name="Slide Number Placeholder 3"/>
+          <p:cNvSpPr>
+            <a:spLocks noGrp="1"/>
+          </p:cNvSpPr>
+          <p:nvPr>
+            <p:ph type="sldNum" sz="quarter" idx="10"/>
+          </p:nvPr>
+        </p:nvSpPr>
+        <p:spPr/>
+        <p:txBody>
+          <a:bodyPr/>
+          <a:lstStyle/>
+          <a:p>
+            <a:fld id="{AC83A07D-4A19-42D7-AD8A-9DB996103959}" type="slidenum">
+              <a:rPr lang="en-GB" smtClean="0"/>
+              <a:t>7</a:t>
+            </a:fld>
+            <a:endParaRPr lang="en-GB"/>
+          </a:p>
+        </p:txBody>
+      </p:sp>
+    </p:spTree>
+    <p:extLst>
+      <p:ext uri="{BB962C8B-B14F-4D97-AF65-F5344CB8AC3E}">
+        <p14:creationId xmlns:p14="http://schemas.microsoft.com/office/powerpoint/2010/main" val="3914357705"/>
+      </p:ext>
+    </p:extLst>
+  </p:cSld>
+  <p:clrMapOvr>
+    <a:masterClrMapping/>
+  </p:clrMapOvr>
+</p:notes>
+</file>
+
+<file path=ppt/notesSlides/notesSlide7.xml><?xml version="1.0" encoding="utf-8"?>
+<p:notes xmlns:a="http://schemas.openxmlformats.org/drawingml/2006/main" xmlns:r="http://schemas.openxmlformats.org/officeDocument/2006/relationships" xmlns:p="http://schemas.openxmlformats.org/presentationml/2006/main">
+  <p:cSld>
+    <p:spTree>
+      <p:nvGrpSpPr>
+        <p:cNvPr id="1" name=""/>
+        <p:cNvGrpSpPr/>
+        <p:nvPr/>
+      </p:nvGrpSpPr>
+      <p:grpSpPr>
+        <a:xfrm>
+          <a:off x="0" y="0"/>
+          <a:ext cx="0" cy="0"/>
+          <a:chOff x="0" y="0"/>
+          <a:chExt cx="0" cy="0"/>
+        </a:xfrm>
+      </p:grpSpPr>
+      <p:sp>
+        <p:nvSpPr>
+          <p:cNvPr id="2" name="Slide Image Placeholder 1"/>
+          <p:cNvSpPr>
+            <a:spLocks noGrp="1" noRot="1" noChangeAspect="1"/>
+          </p:cNvSpPr>
+          <p:nvPr>
+            <p:ph type="sldImg"/>
+          </p:nvPr>
+        </p:nvSpPr>
+        <p:spPr/>
+      </p:sp>
+      <p:sp>
+        <p:nvSpPr>
+          <p:cNvPr id="3" name="Notes Placeholder 2"/>
+          <p:cNvSpPr>
+            <a:spLocks noGrp="1"/>
+          </p:cNvSpPr>
+          <p:nvPr>
+            <p:ph type="body" idx="1"/>
+          </p:nvPr>
+        </p:nvSpPr>
+        <p:spPr/>
+        <p:txBody>
+          <a:bodyPr/>
+          <a:lstStyle/>
+          <a:p>
+            <a:r>
+              <a:rPr lang="en-GB" dirty="0" smtClean="0"/>
+              <a:t>Little use of Laravel,</a:t>
+            </a:r>
+          </a:p>
+          <a:p>
+            <a:r>
+              <a:rPr lang="en-GB" dirty="0" smtClean="0"/>
+              <a:t>didn’t get far enough to make use of the web service</a:t>
+            </a:r>
+          </a:p>
+          <a:p>
+            <a:r>
+              <a:rPr lang="en-GB" dirty="0" smtClean="0"/>
+              <a:t>Three.js</a:t>
+            </a:r>
+            <a:r>
+              <a:rPr lang="en-GB" baseline="0" dirty="0" smtClean="0"/>
+              <a:t> </a:t>
+            </a:r>
+            <a:r>
+              <a:rPr lang="en-GB" baseline="0" dirty="0" err="1" smtClean="0"/>
+              <a:t>javascript</a:t>
+            </a:r>
+            <a:r>
+              <a:rPr lang="en-GB" baseline="0" dirty="0" smtClean="0"/>
+              <a:t> 3d </a:t>
+            </a:r>
+            <a:r>
+              <a:rPr lang="en-GB" baseline="0" dirty="0" err="1" smtClean="0"/>
+              <a:t>openGL</a:t>
+            </a:r>
+            <a:r>
+              <a:rPr lang="en-GB" baseline="0" dirty="0" smtClean="0"/>
+              <a:t> graphics library</a:t>
+            </a:r>
+            <a:endParaRPr lang="en-GB" dirty="0" smtClean="0"/>
+          </a:p>
+          <a:p>
+            <a:endParaRPr lang="en-GB" dirty="0"/>
+          </a:p>
+        </p:txBody>
+      </p:sp>
+      <p:sp>
+        <p:nvSpPr>
+          <p:cNvPr id="4" name="Slide Number Placeholder 3"/>
+          <p:cNvSpPr>
+            <a:spLocks noGrp="1"/>
+          </p:cNvSpPr>
+          <p:nvPr>
+            <p:ph type="sldNum" sz="quarter" idx="10"/>
+          </p:nvPr>
+        </p:nvSpPr>
+        <p:spPr/>
+        <p:txBody>
+          <a:bodyPr/>
+          <a:lstStyle/>
+          <a:p>
+            <a:fld id="{AC83A07D-4A19-42D7-AD8A-9DB996103959}" type="slidenum">
+              <a:rPr lang="en-GB" smtClean="0"/>
+              <a:t>9</a:t>
+            </a:fld>
+            <a:endParaRPr lang="en-GB"/>
+          </a:p>
+        </p:txBody>
+      </p:sp>
+    </p:spTree>
+    <p:extLst>
+      <p:ext uri="{BB962C8B-B14F-4D97-AF65-F5344CB8AC3E}">
+        <p14:creationId xmlns:p14="http://schemas.microsoft.com/office/powerpoint/2010/main" val="1930615111"/>
+      </p:ext>
+    </p:extLst>
+  </p:cSld>
+  <p:clrMapOvr>
+    <a:masterClrMapping/>
+  </p:clrMapOvr>
+</p:notes>
+</file>
+
+<file path=ppt/notesSlides/notesSlide8.xml><?xml version="1.0" encoding="utf-8"?>
+<p:notes xmlns:a="http://schemas.openxmlformats.org/drawingml/2006/main" xmlns:r="http://schemas.openxmlformats.org/officeDocument/2006/relationships" xmlns:p="http://schemas.openxmlformats.org/presentationml/2006/main">
+  <p:cSld>
+    <p:spTree>
+      <p:nvGrpSpPr>
+        <p:cNvPr id="1" name=""/>
+        <p:cNvGrpSpPr/>
+        <p:nvPr/>
+      </p:nvGrpSpPr>
+      <p:grpSpPr>
+        <a:xfrm>
+          <a:off x="0" y="0"/>
+          <a:ext cx="0" cy="0"/>
+          <a:chOff x="0" y="0"/>
+          <a:chExt cx="0" cy="0"/>
+        </a:xfrm>
+      </p:grpSpPr>
+      <p:sp>
+        <p:nvSpPr>
+          <p:cNvPr id="2" name="Slide Image Placeholder 1"/>
+          <p:cNvSpPr>
+            <a:spLocks noGrp="1" noRot="1" noChangeAspect="1"/>
+          </p:cNvSpPr>
+          <p:nvPr>
+            <p:ph type="sldImg"/>
+          </p:nvPr>
+        </p:nvSpPr>
+        <p:spPr/>
+      </p:sp>
+      <p:sp>
+        <p:nvSpPr>
+          <p:cNvPr id="3" name="Notes Placeholder 2"/>
+          <p:cNvSpPr>
+            <a:spLocks noGrp="1"/>
+          </p:cNvSpPr>
+          <p:nvPr>
+            <p:ph type="body" idx="1"/>
+          </p:nvPr>
+        </p:nvSpPr>
+        <p:spPr/>
+        <p:txBody>
+          <a:bodyPr/>
+          <a:lstStyle/>
+          <a:p>
+            <a:r>
+              <a:rPr lang="en-GB" dirty="0" smtClean="0"/>
+              <a:t>Current</a:t>
+            </a:r>
+            <a:r>
+              <a:rPr lang="en-GB" baseline="0" dirty="0" smtClean="0"/>
+              <a:t>ly the project is not in a state where support is a concern.</a:t>
+            </a:r>
+          </a:p>
+          <a:p>
+            <a:r>
+              <a:rPr lang="en-GB" baseline="0" dirty="0" smtClean="0"/>
+              <a:t>Would need a better hosting solution.</a:t>
+            </a:r>
+          </a:p>
+          <a:p>
+            <a:r>
+              <a:rPr lang="en-GB" baseline="0" dirty="0" smtClean="0"/>
+              <a:t>Might continue development anyway.</a:t>
+            </a:r>
+          </a:p>
+        </p:txBody>
+      </p:sp>
+      <p:sp>
+        <p:nvSpPr>
+          <p:cNvPr id="4" name="Slide Number Placeholder 3"/>
+          <p:cNvSpPr>
+            <a:spLocks noGrp="1"/>
+          </p:cNvSpPr>
+          <p:nvPr>
+            <p:ph type="sldNum" sz="quarter" idx="10"/>
+          </p:nvPr>
+        </p:nvSpPr>
+        <p:spPr/>
+        <p:txBody>
+          <a:bodyPr/>
+          <a:lstStyle/>
+          <a:p>
+            <a:fld id="{AC83A07D-4A19-42D7-AD8A-9DB996103959}" type="slidenum">
+              <a:rPr lang="en-GB" smtClean="0"/>
+              <a:t>10</a:t>
+            </a:fld>
+            <a:endParaRPr lang="en-GB"/>
+          </a:p>
+        </p:txBody>
+      </p:sp>
+    </p:spTree>
+    <p:extLst>
+      <p:ext uri="{BB962C8B-B14F-4D97-AF65-F5344CB8AC3E}">
+        <p14:creationId xmlns:p14="http://schemas.microsoft.com/office/powerpoint/2010/main" val="2832106182"/>
+      </p:ext>
+    </p:extLst>
+  </p:cSld>
+  <p:clrMapOvr>
+    <a:masterClrMapping/>
+  </p:clrMapOvr>
+</p:notes>
+</file>
+
+<file path=ppt/notesSlides/notesSlide9.xml><?xml version="1.0" encoding="utf-8"?>
+<p:notes xmlns:a="http://schemas.openxmlformats.org/drawingml/2006/main" xmlns:r="http://schemas.openxmlformats.org/officeDocument/2006/relationships" xmlns:p="http://schemas.openxmlformats.org/presentationml/2006/main">
+  <p:cSld>
+    <p:spTree>
+      <p:nvGrpSpPr>
+        <p:cNvPr id="1" name=""/>
+        <p:cNvGrpSpPr/>
+        <p:nvPr/>
+      </p:nvGrpSpPr>
+      <p:grpSpPr>
+        <a:xfrm>
+          <a:off x="0" y="0"/>
+          <a:ext cx="0" cy="0"/>
+          <a:chOff x="0" y="0"/>
+          <a:chExt cx="0" cy="0"/>
+        </a:xfrm>
+      </p:grpSpPr>
+      <p:sp>
+        <p:nvSpPr>
+          <p:cNvPr id="2" name="Slide Image Placeholder 1"/>
+          <p:cNvSpPr>
+            <a:spLocks noGrp="1" noRot="1" noChangeAspect="1"/>
+          </p:cNvSpPr>
+          <p:nvPr>
+            <p:ph type="sldImg"/>
+          </p:nvPr>
+        </p:nvSpPr>
+        <p:spPr/>
+      </p:sp>
+      <p:sp>
+        <p:nvSpPr>
+          <p:cNvPr id="3" name="Notes Placeholder 2"/>
+          <p:cNvSpPr>
+            <a:spLocks noGrp="1"/>
+          </p:cNvSpPr>
+          <p:nvPr>
+            <p:ph type="body" idx="1"/>
+          </p:nvPr>
+        </p:nvSpPr>
+        <p:spPr/>
+        <p:txBody>
+          <a:bodyPr/>
+          <a:lstStyle/>
+          <a:p>
+            <a:r>
+              <a:rPr lang="en-GB" dirty="0" smtClean="0"/>
+              <a:t>What went right? Believe</a:t>
+            </a:r>
+            <a:r>
+              <a:rPr lang="en-GB" baseline="0" dirty="0" smtClean="0"/>
+              <a:t> </a:t>
+            </a:r>
+            <a:r>
+              <a:rPr lang="en-GB" dirty="0" smtClean="0"/>
+              <a:t>we have an</a:t>
+            </a:r>
+            <a:r>
+              <a:rPr lang="en-GB" baseline="0" dirty="0" smtClean="0"/>
+              <a:t> interesting </a:t>
+            </a:r>
+            <a:r>
+              <a:rPr lang="en-GB" dirty="0" smtClean="0"/>
+              <a:t>solution, if completed</a:t>
+            </a:r>
+          </a:p>
+          <a:p>
+            <a:r>
+              <a:rPr lang="en-GB" dirty="0" smtClean="0"/>
+              <a:t>What went wrong? Solution</a:t>
+            </a:r>
+            <a:r>
+              <a:rPr lang="en-GB" baseline="0" dirty="0" smtClean="0"/>
+              <a:t> too ambitious for the timeframe; needed to research possible solutions</a:t>
+            </a:r>
+            <a:endParaRPr lang="en-GB" dirty="0" smtClean="0"/>
+          </a:p>
+          <a:p>
+            <a:r>
+              <a:rPr lang="en-GB" dirty="0" smtClean="0"/>
+              <a:t>What would we do</a:t>
+            </a:r>
+            <a:r>
+              <a:rPr lang="en-GB" baseline="0" dirty="0" smtClean="0"/>
+              <a:t> differently? More pushback on timeframe, simplify the concept</a:t>
+            </a:r>
+            <a:endParaRPr lang="en-GB" dirty="0"/>
+          </a:p>
+        </p:txBody>
+      </p:sp>
+      <p:sp>
+        <p:nvSpPr>
+          <p:cNvPr id="4" name="Slide Number Placeholder 3"/>
+          <p:cNvSpPr>
+            <a:spLocks noGrp="1"/>
+          </p:cNvSpPr>
+          <p:nvPr>
+            <p:ph type="sldNum" sz="quarter" idx="10"/>
+          </p:nvPr>
+        </p:nvSpPr>
+        <p:spPr/>
+        <p:txBody>
+          <a:bodyPr/>
+          <a:lstStyle/>
+          <a:p>
+            <a:fld id="{AC83A07D-4A19-42D7-AD8A-9DB996103959}" type="slidenum">
+              <a:rPr lang="en-GB" smtClean="0"/>
+              <a:t>11</a:t>
+            </a:fld>
+            <a:endParaRPr lang="en-GB"/>
+          </a:p>
+        </p:txBody>
+      </p:sp>
+    </p:spTree>
+    <p:extLst>
+      <p:ext uri="{BB962C8B-B14F-4D97-AF65-F5344CB8AC3E}">
+        <p14:creationId xmlns:p14="http://schemas.microsoft.com/office/powerpoint/2010/main" val="2527143969"/>
+      </p:ext>
+    </p:extLst>
+  </p:cSld>
+  <p:clrMapOvr>
+    <a:masterClrMapping/>
+  </p:clrMapOvr>
+</p:notes>
 </file>
 
 <file path=ppt/slideLayouts/slideLayout1.xml><?xml version="1.0" encoding="utf-8"?>
@@ -126,13 +1592,7 @@
       </p:grpSpPr>
       <p:sp>
         <p:nvSpPr>
-          <p:cNvPr id="2" name="Title 1">
-            <a:extLst>
-              <a:ext uri="{FF2B5EF4-FFF2-40B4-BE49-F238E27FC236}">
-                <a16:creationId xmlns:a16="http://schemas.microsoft.com/office/drawing/2014/main" id="{EC045419-64FC-4936-B680-9F882916AC47}"/>
-              </a:ext>
-            </a:extLst>
-          </p:cNvPr>
+          <p:cNvPr id="2" name="Title 1"/>
           <p:cNvSpPr>
             <a:spLocks noGrp="1"/>
           </p:cNvSpPr>
@@ -142,35 +1602,29 @@
         </p:nvSpPr>
         <p:spPr>
           <a:xfrm>
-            <a:off x="1524000" y="1122363"/>
-            <a:ext cx="9144000" cy="2387600"/>
+            <a:off x="1154955" y="1447800"/>
+            <a:ext cx="8825658" cy="3329581"/>
           </a:xfrm>
         </p:spPr>
         <p:txBody>
           <a:bodyPr anchor="b"/>
           <a:lstStyle>
-            <a:lvl1pPr algn="ctr">
-              <a:defRPr sz="6000"/>
+            <a:lvl1pPr>
+              <a:defRPr sz="7200"/>
             </a:lvl1pPr>
           </a:lstStyle>
           <a:p>
             <a:r>
-              <a:rPr lang="en-US"/>
+              <a:rPr lang="en-US" smtClean="0"/>
               <a:t>Click to edit Master title style</a:t>
             </a:r>
-            <a:endParaRPr lang="en-GB"/>
-          </a:p>
-        </p:txBody>
-      </p:sp>
-      <p:sp>
-        <p:nvSpPr>
-          <p:cNvPr id="3" name="Subtitle 2">
-            <a:extLst>
-              <a:ext uri="{FF2B5EF4-FFF2-40B4-BE49-F238E27FC236}">
-                <a16:creationId xmlns:a16="http://schemas.microsoft.com/office/drawing/2014/main" id="{305330D3-627E-4A8C-90DD-D4742899ED78}"/>
-              </a:ext>
-            </a:extLst>
-          </p:cNvPr>
+            <a:endParaRPr lang="en-US" dirty="0"/>
+          </a:p>
+        </p:txBody>
+      </p:sp>
+      <p:sp>
+        <p:nvSpPr>
+          <p:cNvPr id="3" name="Subtitle 2"/>
           <p:cNvSpPr>
             <a:spLocks noGrp="1"/>
           </p:cNvSpPr>
@@ -180,68 +1634,117 @@
         </p:nvSpPr>
         <p:spPr>
           <a:xfrm>
-            <a:off x="1524000" y="3602038"/>
-            <a:ext cx="9144000" cy="1655762"/>
+            <a:off x="1154955" y="4777380"/>
+            <a:ext cx="8825658" cy="861420"/>
           </a:xfrm>
         </p:spPr>
         <p:txBody>
-          <a:bodyPr/>
+          <a:bodyPr anchor="t"/>
           <a:lstStyle>
-            <a:lvl1pPr marL="0" indent="0" algn="ctr">
-              <a:buNone/>
-              <a:defRPr sz="2400"/>
+            <a:lvl1pPr marL="0" indent="0" algn="l">
+              <a:buNone/>
+              <a:defRPr cap="all">
+                <a:solidFill>
+                  <a:schemeClr val="bg2">
+                    <a:lumMod val="40000"/>
+                    <a:lumOff val="60000"/>
+                  </a:schemeClr>
+                </a:solidFill>
+              </a:defRPr>
             </a:lvl1pPr>
             <a:lvl2pPr marL="457200" indent="0" algn="ctr">
               <a:buNone/>
-              <a:defRPr sz="2000"/>
+              <a:defRPr>
+                <a:solidFill>
+                  <a:schemeClr val="tx1">
+                    <a:tint val="75000"/>
+                  </a:schemeClr>
+                </a:solidFill>
+              </a:defRPr>
             </a:lvl2pPr>
             <a:lvl3pPr marL="914400" indent="0" algn="ctr">
               <a:buNone/>
-              <a:defRPr sz="1800"/>
+              <a:defRPr>
+                <a:solidFill>
+                  <a:schemeClr val="tx1">
+                    <a:tint val="75000"/>
+                  </a:schemeClr>
+                </a:solidFill>
+              </a:defRPr>
             </a:lvl3pPr>
             <a:lvl4pPr marL="1371600" indent="0" algn="ctr">
               <a:buNone/>
-              <a:defRPr sz="1600"/>
+              <a:defRPr>
+                <a:solidFill>
+                  <a:schemeClr val="tx1">
+                    <a:tint val="75000"/>
+                  </a:schemeClr>
+                </a:solidFill>
+              </a:defRPr>
             </a:lvl4pPr>
             <a:lvl5pPr marL="1828800" indent="0" algn="ctr">
               <a:buNone/>
-              <a:defRPr sz="1600"/>
+              <a:defRPr>
+                <a:solidFill>
+                  <a:schemeClr val="tx1">
+                    <a:tint val="75000"/>
+                  </a:schemeClr>
+                </a:solidFill>
+              </a:defRPr>
             </a:lvl5pPr>
             <a:lvl6pPr marL="2286000" indent="0" algn="ctr">
               <a:buNone/>
-              <a:defRPr sz="1600"/>
+              <a:defRPr>
+                <a:solidFill>
+                  <a:schemeClr val="tx1">
+                    <a:tint val="75000"/>
+                  </a:schemeClr>
+                </a:solidFill>
+              </a:defRPr>
             </a:lvl6pPr>
             <a:lvl7pPr marL="2743200" indent="0" algn="ctr">
               <a:buNone/>
-              <a:defRPr sz="1600"/>
+              <a:defRPr>
+                <a:solidFill>
+                  <a:schemeClr val="tx1">
+                    <a:tint val="75000"/>
+                  </a:schemeClr>
+                </a:solidFill>
+              </a:defRPr>
             </a:lvl7pPr>
             <a:lvl8pPr marL="3200400" indent="0" algn="ctr">
               <a:buNone/>
-              <a:defRPr sz="1600"/>
+              <a:defRPr>
+                <a:solidFill>
+                  <a:schemeClr val="tx1">
+                    <a:tint val="75000"/>
+                  </a:schemeClr>
+                </a:solidFill>
+              </a:defRPr>
             </a:lvl8pPr>
             <a:lvl9pPr marL="3657600" indent="0" algn="ctr">
               <a:buNone/>
-              <a:defRPr sz="1600"/>
+              <a:defRPr>
+                <a:solidFill>
+                  <a:schemeClr val="tx1">
+                    <a:tint val="75000"/>
+                  </a:schemeClr>
+                </a:solidFill>
+              </a:defRPr>
             </a:lvl9pPr>
           </a:lstStyle>
           <a:p>
             <a:r>
-              <a:rPr lang="en-US"/>
+              <a:rPr lang="en-US" smtClean="0"/>
               <a:t>Click to edit Master subtitle style</a:t>
             </a:r>
-            <a:endParaRPr lang="en-GB"/>
-          </a:p>
-        </p:txBody>
-      </p:sp>
-      <p:sp>
-        <p:nvSpPr>
-          <p:cNvPr id="4" name="Date Placeholder 3">
-            <a:extLst>
-              <a:ext uri="{FF2B5EF4-FFF2-40B4-BE49-F238E27FC236}">
-                <a16:creationId xmlns:a16="http://schemas.microsoft.com/office/drawing/2014/main" id="{C40AB587-164F-4E34-85CD-94CE2FA99C89}"/>
-              </a:ext>
-            </a:extLst>
-          </p:cNvPr>
+            <a:endParaRPr lang="en-US" dirty="0"/>
+          </a:p>
+        </p:txBody>
+      </p:sp>
+      <p:sp>
+        <p:nvSpPr>
+          <p:cNvPr id="4" name="Date Placeholder 3"/>
           <p:cNvSpPr>
             <a:spLocks noGrp="1"/>
           </p:cNvSpPr>
@@ -256,7 +1759,7 @@
           <a:p>
             <a:fld id="{9B224A76-EB01-42F6-9BEE-495C4C895051}" type="datetimeFigureOut">
               <a:rPr lang="en-GB" smtClean="0"/>
-              <a:t>16/05/2019</a:t>
+              <a:t>17/05/2019</a:t>
             </a:fld>
             <a:endParaRPr lang="en-GB"/>
           </a:p>
@@ -264,13 +1767,7 @@
       </p:sp>
       <p:sp>
         <p:nvSpPr>
-          <p:cNvPr id="5" name="Footer Placeholder 4">
-            <a:extLst>
-              <a:ext uri="{FF2B5EF4-FFF2-40B4-BE49-F238E27FC236}">
-                <a16:creationId xmlns:a16="http://schemas.microsoft.com/office/drawing/2014/main" id="{49561000-4E3B-4164-81AB-20A61C021E8E}"/>
-              </a:ext>
-            </a:extLst>
-          </p:cNvPr>
+          <p:cNvPr id="5" name="Footer Placeholder 4"/>
           <p:cNvSpPr>
             <a:spLocks noGrp="1"/>
           </p:cNvSpPr>
@@ -289,13 +1786,7 @@
       </p:sp>
       <p:sp>
         <p:nvSpPr>
-          <p:cNvPr id="6" name="Slide Number Placeholder 5">
-            <a:extLst>
-              <a:ext uri="{FF2B5EF4-FFF2-40B4-BE49-F238E27FC236}">
-                <a16:creationId xmlns:a16="http://schemas.microsoft.com/office/drawing/2014/main" id="{413E6E92-D846-4BDF-A869-F00340DFAE61}"/>
-              </a:ext>
-            </a:extLst>
-          </p:cNvPr>
+          <p:cNvPr id="6" name="Slide Number Placeholder 5"/>
           <p:cNvSpPr>
             <a:spLocks noGrp="1"/>
           </p:cNvSpPr>
@@ -319,7 +1810,7 @@
     </p:spTree>
     <p:extLst>
       <p:ext uri="{BB962C8B-B14F-4D97-AF65-F5344CB8AC3E}">
-        <p14:creationId xmlns:p14="http://schemas.microsoft.com/office/powerpoint/2010/main" val="1999464869"/>
+        <p14:creationId xmlns:p14="http://schemas.microsoft.com/office/powerpoint/2010/main" val="1333407781"/>
       </p:ext>
     </p:extLst>
   </p:cSld>
@@ -330,6 +1821,2572 @@
 </file>
 
 <file path=ppt/slideLayouts/slideLayout10.xml><?xml version="1.0" encoding="utf-8"?>
+<p:sldLayout xmlns:a="http://schemas.openxmlformats.org/drawingml/2006/main" xmlns:r="http://schemas.openxmlformats.org/officeDocument/2006/relationships" xmlns:p="http://schemas.openxmlformats.org/presentationml/2006/main" preserve="1">
+  <p:cSld name="Panoramic Picture with Caption">
+    <p:spTree>
+      <p:nvGrpSpPr>
+        <p:cNvPr id="1" name=""/>
+        <p:cNvGrpSpPr/>
+        <p:nvPr/>
+      </p:nvGrpSpPr>
+      <p:grpSpPr>
+        <a:xfrm>
+          <a:off x="0" y="0"/>
+          <a:ext cx="0" cy="0"/>
+          <a:chOff x="0" y="0"/>
+          <a:chExt cx="0" cy="0"/>
+        </a:xfrm>
+      </p:grpSpPr>
+      <p:sp>
+        <p:nvSpPr>
+          <p:cNvPr id="2" name="Title 1"/>
+          <p:cNvSpPr>
+            <a:spLocks noGrp="1"/>
+          </p:cNvSpPr>
+          <p:nvPr>
+            <p:ph type="title"/>
+          </p:nvPr>
+        </p:nvSpPr>
+        <p:spPr>
+          <a:xfrm>
+            <a:off x="1154956" y="4800587"/>
+            <a:ext cx="8825657" cy="566738"/>
+          </a:xfrm>
+        </p:spPr>
+        <p:txBody>
+          <a:bodyPr anchor="b">
+            <a:normAutofit/>
+          </a:bodyPr>
+          <a:lstStyle>
+            <a:lvl1pPr algn="l">
+              <a:defRPr sz="2400" b="0"/>
+            </a:lvl1pPr>
+          </a:lstStyle>
+          <a:p>
+            <a:r>
+              <a:rPr lang="en-US" smtClean="0"/>
+              <a:t>Click to edit Master title style</a:t>
+            </a:r>
+            <a:endParaRPr lang="en-US" dirty="0"/>
+          </a:p>
+        </p:txBody>
+      </p:sp>
+      <p:sp>
+        <p:nvSpPr>
+          <p:cNvPr id="3" name="Picture Placeholder 2"/>
+          <p:cNvSpPr>
+            <a:spLocks noGrp="1" noChangeAspect="1"/>
+          </p:cNvSpPr>
+          <p:nvPr>
+            <p:ph type="pic" idx="1"/>
+          </p:nvPr>
+        </p:nvSpPr>
+        <p:spPr>
+          <a:xfrm>
+            <a:off x="1154955" y="685800"/>
+            <a:ext cx="8825658" cy="3640666"/>
+          </a:xfrm>
+          <a:prstGeom prst="roundRect">
+            <a:avLst>
+              <a:gd name="adj" fmla="val 1858"/>
+            </a:avLst>
+          </a:prstGeom>
+          <a:effectLst>
+            <a:outerShdw blurRad="50800" dist="50800" dir="5400000" algn="tl" rotWithShape="0">
+              <a:srgbClr val="000000">
+                <a:alpha val="43000"/>
+              </a:srgbClr>
+            </a:outerShdw>
+          </a:effectLst>
+        </p:spPr>
+        <p:txBody>
+          <a:bodyPr anchor="t">
+            <a:normAutofit/>
+          </a:bodyPr>
+          <a:lstStyle>
+            <a:lvl1pPr marL="0" indent="0" algn="ctr">
+              <a:buNone/>
+              <a:defRPr sz="1600"/>
+            </a:lvl1pPr>
+            <a:lvl2pPr marL="457200" indent="0">
+              <a:buNone/>
+              <a:defRPr sz="1600"/>
+            </a:lvl2pPr>
+            <a:lvl3pPr marL="914400" indent="0">
+              <a:buNone/>
+              <a:defRPr sz="1600"/>
+            </a:lvl3pPr>
+            <a:lvl4pPr marL="1371600" indent="0">
+              <a:buNone/>
+              <a:defRPr sz="1600"/>
+            </a:lvl4pPr>
+            <a:lvl5pPr marL="1828800" indent="0">
+              <a:buNone/>
+              <a:defRPr sz="1600"/>
+            </a:lvl5pPr>
+            <a:lvl6pPr marL="2286000" indent="0">
+              <a:buNone/>
+              <a:defRPr sz="1600"/>
+            </a:lvl6pPr>
+            <a:lvl7pPr marL="2743200" indent="0">
+              <a:buNone/>
+              <a:defRPr sz="1600"/>
+            </a:lvl7pPr>
+            <a:lvl8pPr marL="3200400" indent="0">
+              <a:buNone/>
+              <a:defRPr sz="1600"/>
+            </a:lvl8pPr>
+            <a:lvl9pPr marL="3657600" indent="0">
+              <a:buNone/>
+              <a:defRPr sz="1600"/>
+            </a:lvl9pPr>
+          </a:lstStyle>
+          <a:p>
+            <a:r>
+              <a:rPr lang="en-US" smtClean="0"/>
+              <a:t>Click icon to add picture</a:t>
+            </a:r>
+            <a:endParaRPr lang="en-US" dirty="0"/>
+          </a:p>
+        </p:txBody>
+      </p:sp>
+      <p:sp>
+        <p:nvSpPr>
+          <p:cNvPr id="4" name="Text Placeholder 3"/>
+          <p:cNvSpPr>
+            <a:spLocks noGrp="1"/>
+          </p:cNvSpPr>
+          <p:nvPr>
+            <p:ph type="body" sz="half" idx="2"/>
+          </p:nvPr>
+        </p:nvSpPr>
+        <p:spPr>
+          <a:xfrm>
+            <a:off x="1154956" y="5367325"/>
+            <a:ext cx="8825656" cy="493712"/>
+          </a:xfrm>
+        </p:spPr>
+        <p:txBody>
+          <a:bodyPr>
+            <a:normAutofit/>
+          </a:bodyPr>
+          <a:lstStyle>
+            <a:lvl1pPr marL="0" indent="0">
+              <a:buNone/>
+              <a:defRPr sz="1200"/>
+            </a:lvl1pPr>
+            <a:lvl2pPr marL="457200" indent="0">
+              <a:buNone/>
+              <a:defRPr sz="1200"/>
+            </a:lvl2pPr>
+            <a:lvl3pPr marL="914400" indent="0">
+              <a:buNone/>
+              <a:defRPr sz="1000"/>
+            </a:lvl3pPr>
+            <a:lvl4pPr marL="1371600" indent="0">
+              <a:buNone/>
+              <a:defRPr sz="900"/>
+            </a:lvl4pPr>
+            <a:lvl5pPr marL="1828800" indent="0">
+              <a:buNone/>
+              <a:defRPr sz="900"/>
+            </a:lvl5pPr>
+            <a:lvl6pPr marL="2286000" indent="0">
+              <a:buNone/>
+              <a:defRPr sz="900"/>
+            </a:lvl6pPr>
+            <a:lvl7pPr marL="2743200" indent="0">
+              <a:buNone/>
+              <a:defRPr sz="900"/>
+            </a:lvl7pPr>
+            <a:lvl8pPr marL="3200400" indent="0">
+              <a:buNone/>
+              <a:defRPr sz="900"/>
+            </a:lvl8pPr>
+            <a:lvl9pPr marL="3657600" indent="0">
+              <a:buNone/>
+              <a:defRPr sz="900"/>
+            </a:lvl9pPr>
+          </a:lstStyle>
+          <a:p>
+            <a:pPr lvl="0"/>
+            <a:r>
+              <a:rPr lang="en-US" smtClean="0"/>
+              <a:t>Edit Master text styles</a:t>
+            </a:r>
+          </a:p>
+        </p:txBody>
+      </p:sp>
+      <p:sp>
+        <p:nvSpPr>
+          <p:cNvPr id="5" name="Date Placeholder 4"/>
+          <p:cNvSpPr>
+            <a:spLocks noGrp="1"/>
+          </p:cNvSpPr>
+          <p:nvPr>
+            <p:ph type="dt" sz="half" idx="10"/>
+          </p:nvPr>
+        </p:nvSpPr>
+        <p:spPr/>
+        <p:txBody>
+          <a:bodyPr/>
+          <a:lstStyle/>
+          <a:p>
+            <a:fld id="{9B224A76-EB01-42F6-9BEE-495C4C895051}" type="datetimeFigureOut">
+              <a:rPr lang="en-GB" smtClean="0"/>
+              <a:t>17/05/2019</a:t>
+            </a:fld>
+            <a:endParaRPr lang="en-GB"/>
+          </a:p>
+        </p:txBody>
+      </p:sp>
+      <p:sp>
+        <p:nvSpPr>
+          <p:cNvPr id="6" name="Footer Placeholder 5"/>
+          <p:cNvSpPr>
+            <a:spLocks noGrp="1"/>
+          </p:cNvSpPr>
+          <p:nvPr>
+            <p:ph type="ftr" sz="quarter" idx="11"/>
+          </p:nvPr>
+        </p:nvSpPr>
+        <p:spPr/>
+        <p:txBody>
+          <a:bodyPr/>
+          <a:lstStyle/>
+          <a:p>
+            <a:endParaRPr lang="en-GB"/>
+          </a:p>
+        </p:txBody>
+      </p:sp>
+      <p:sp>
+        <p:nvSpPr>
+          <p:cNvPr id="7" name="Slide Number Placeholder 6"/>
+          <p:cNvSpPr>
+            <a:spLocks noGrp="1"/>
+          </p:cNvSpPr>
+          <p:nvPr>
+            <p:ph type="sldNum" sz="quarter" idx="12"/>
+          </p:nvPr>
+        </p:nvSpPr>
+        <p:spPr/>
+        <p:txBody>
+          <a:bodyPr/>
+          <a:lstStyle/>
+          <a:p>
+            <a:fld id="{BB5FEBF0-D89A-4E68-8286-39F5B72375EF}" type="slidenum">
+              <a:rPr lang="en-GB" smtClean="0"/>
+              <a:t>‹#›</a:t>
+            </a:fld>
+            <a:endParaRPr lang="en-GB"/>
+          </a:p>
+        </p:txBody>
+      </p:sp>
+    </p:spTree>
+    <p:extLst>
+      <p:ext uri="{BB962C8B-B14F-4D97-AF65-F5344CB8AC3E}">
+        <p14:creationId xmlns:p14="http://schemas.microsoft.com/office/powerpoint/2010/main" val="827224294"/>
+      </p:ext>
+    </p:extLst>
+  </p:cSld>
+  <p:clrMapOvr>
+    <a:masterClrMapping/>
+  </p:clrMapOvr>
+</p:sldLayout>
+</file>
+
+<file path=ppt/slideLayouts/slideLayout11.xml><?xml version="1.0" encoding="utf-8"?>
+<p:sldLayout xmlns:a="http://schemas.openxmlformats.org/drawingml/2006/main" xmlns:r="http://schemas.openxmlformats.org/officeDocument/2006/relationships" xmlns:p="http://schemas.openxmlformats.org/presentationml/2006/main" preserve="1">
+  <p:cSld name="Title and Caption">
+    <p:spTree>
+      <p:nvGrpSpPr>
+        <p:cNvPr id="1" name=""/>
+        <p:cNvGrpSpPr/>
+        <p:nvPr/>
+      </p:nvGrpSpPr>
+      <p:grpSpPr>
+        <a:xfrm>
+          <a:off x="0" y="0"/>
+          <a:ext cx="0" cy="0"/>
+          <a:chOff x="0" y="0"/>
+          <a:chExt cx="0" cy="0"/>
+        </a:xfrm>
+      </p:grpSpPr>
+      <p:sp>
+        <p:nvSpPr>
+          <p:cNvPr id="2" name="Title 1"/>
+          <p:cNvSpPr>
+            <a:spLocks noGrp="1"/>
+          </p:cNvSpPr>
+          <p:nvPr>
+            <p:ph type="title"/>
+          </p:nvPr>
+        </p:nvSpPr>
+        <p:spPr>
+          <a:xfrm>
+            <a:off x="1154954" y="1447800"/>
+            <a:ext cx="8825659" cy="1981200"/>
+          </a:xfrm>
+        </p:spPr>
+        <p:txBody>
+          <a:bodyPr/>
+          <a:lstStyle>
+            <a:lvl1pPr>
+              <a:defRPr sz="4800"/>
+            </a:lvl1pPr>
+          </a:lstStyle>
+          <a:p>
+            <a:r>
+              <a:rPr lang="en-US" smtClean="0"/>
+              <a:t>Click to edit Master title style</a:t>
+            </a:r>
+            <a:endParaRPr lang="en-US" dirty="0"/>
+          </a:p>
+        </p:txBody>
+      </p:sp>
+      <p:sp>
+        <p:nvSpPr>
+          <p:cNvPr id="8" name="Text Placeholder 3"/>
+          <p:cNvSpPr>
+            <a:spLocks noGrp="1"/>
+          </p:cNvSpPr>
+          <p:nvPr>
+            <p:ph type="body" sz="half" idx="2"/>
+          </p:nvPr>
+        </p:nvSpPr>
+        <p:spPr>
+          <a:xfrm>
+            <a:off x="1154954" y="3657600"/>
+            <a:ext cx="8825659" cy="2362200"/>
+          </a:xfrm>
+        </p:spPr>
+        <p:txBody>
+          <a:bodyPr anchor="ctr">
+            <a:normAutofit/>
+          </a:bodyPr>
+          <a:lstStyle>
+            <a:lvl1pPr marL="0" indent="0">
+              <a:buNone/>
+              <a:defRPr sz="1800"/>
+            </a:lvl1pPr>
+            <a:lvl2pPr marL="457200" indent="0">
+              <a:buNone/>
+              <a:defRPr sz="1200"/>
+            </a:lvl2pPr>
+            <a:lvl3pPr marL="914400" indent="0">
+              <a:buNone/>
+              <a:defRPr sz="1000"/>
+            </a:lvl3pPr>
+            <a:lvl4pPr marL="1371600" indent="0">
+              <a:buNone/>
+              <a:defRPr sz="900"/>
+            </a:lvl4pPr>
+            <a:lvl5pPr marL="1828800" indent="0">
+              <a:buNone/>
+              <a:defRPr sz="900"/>
+            </a:lvl5pPr>
+            <a:lvl6pPr marL="2286000" indent="0">
+              <a:buNone/>
+              <a:defRPr sz="900"/>
+            </a:lvl6pPr>
+            <a:lvl7pPr marL="2743200" indent="0">
+              <a:buNone/>
+              <a:defRPr sz="900"/>
+            </a:lvl7pPr>
+            <a:lvl8pPr marL="3200400" indent="0">
+              <a:buNone/>
+              <a:defRPr sz="900"/>
+            </a:lvl8pPr>
+            <a:lvl9pPr marL="3657600" indent="0">
+              <a:buNone/>
+              <a:defRPr sz="900"/>
+            </a:lvl9pPr>
+          </a:lstStyle>
+          <a:p>
+            <a:pPr lvl="0"/>
+            <a:r>
+              <a:rPr lang="en-US" smtClean="0"/>
+              <a:t>Edit Master text styles</a:t>
+            </a:r>
+          </a:p>
+        </p:txBody>
+      </p:sp>
+      <p:sp>
+        <p:nvSpPr>
+          <p:cNvPr id="4" name="Date Placeholder 3"/>
+          <p:cNvSpPr>
+            <a:spLocks noGrp="1"/>
+          </p:cNvSpPr>
+          <p:nvPr>
+            <p:ph type="dt" sz="half" idx="10"/>
+          </p:nvPr>
+        </p:nvSpPr>
+        <p:spPr/>
+        <p:txBody>
+          <a:bodyPr/>
+          <a:lstStyle/>
+          <a:p>
+            <a:fld id="{9B224A76-EB01-42F6-9BEE-495C4C895051}" type="datetimeFigureOut">
+              <a:rPr lang="en-GB" smtClean="0"/>
+              <a:t>17/05/2019</a:t>
+            </a:fld>
+            <a:endParaRPr lang="en-GB"/>
+          </a:p>
+        </p:txBody>
+      </p:sp>
+      <p:sp>
+        <p:nvSpPr>
+          <p:cNvPr id="5" name="Footer Placeholder 4"/>
+          <p:cNvSpPr>
+            <a:spLocks noGrp="1"/>
+          </p:cNvSpPr>
+          <p:nvPr>
+            <p:ph type="ftr" sz="quarter" idx="11"/>
+          </p:nvPr>
+        </p:nvSpPr>
+        <p:spPr/>
+        <p:txBody>
+          <a:bodyPr/>
+          <a:lstStyle/>
+          <a:p>
+            <a:endParaRPr lang="en-GB"/>
+          </a:p>
+        </p:txBody>
+      </p:sp>
+      <p:sp>
+        <p:nvSpPr>
+          <p:cNvPr id="6" name="Slide Number Placeholder 5"/>
+          <p:cNvSpPr>
+            <a:spLocks noGrp="1"/>
+          </p:cNvSpPr>
+          <p:nvPr>
+            <p:ph type="sldNum" sz="quarter" idx="12"/>
+          </p:nvPr>
+        </p:nvSpPr>
+        <p:spPr/>
+        <p:txBody>
+          <a:bodyPr/>
+          <a:lstStyle/>
+          <a:p>
+            <a:fld id="{BB5FEBF0-D89A-4E68-8286-39F5B72375EF}" type="slidenum">
+              <a:rPr lang="en-GB" smtClean="0"/>
+              <a:t>‹#›</a:t>
+            </a:fld>
+            <a:endParaRPr lang="en-GB"/>
+          </a:p>
+        </p:txBody>
+      </p:sp>
+    </p:spTree>
+    <p:extLst>
+      <p:ext uri="{BB962C8B-B14F-4D97-AF65-F5344CB8AC3E}">
+        <p14:creationId xmlns:p14="http://schemas.microsoft.com/office/powerpoint/2010/main" val="282764970"/>
+      </p:ext>
+    </p:extLst>
+  </p:cSld>
+  <p:clrMapOvr>
+    <a:masterClrMapping/>
+  </p:clrMapOvr>
+</p:sldLayout>
+</file>
+
+<file path=ppt/slideLayouts/slideLayout12.xml><?xml version="1.0" encoding="utf-8"?>
+<p:sldLayout xmlns:a="http://schemas.openxmlformats.org/drawingml/2006/main" xmlns:r="http://schemas.openxmlformats.org/officeDocument/2006/relationships" xmlns:p="http://schemas.openxmlformats.org/presentationml/2006/main" preserve="1">
+  <p:cSld name="Quote with Caption">
+    <p:spTree>
+      <p:nvGrpSpPr>
+        <p:cNvPr id="1" name=""/>
+        <p:cNvGrpSpPr/>
+        <p:nvPr/>
+      </p:nvGrpSpPr>
+      <p:grpSpPr>
+        <a:xfrm>
+          <a:off x="0" y="0"/>
+          <a:ext cx="0" cy="0"/>
+          <a:chOff x="0" y="0"/>
+          <a:chExt cx="0" cy="0"/>
+        </a:xfrm>
+      </p:grpSpPr>
+      <p:sp>
+        <p:nvSpPr>
+          <p:cNvPr id="2" name="Title 1"/>
+          <p:cNvSpPr>
+            <a:spLocks noGrp="1"/>
+          </p:cNvSpPr>
+          <p:nvPr>
+            <p:ph type="title"/>
+          </p:nvPr>
+        </p:nvSpPr>
+        <p:spPr>
+          <a:xfrm>
+            <a:off x="1574801" y="1447800"/>
+            <a:ext cx="7999315" cy="2323374"/>
+          </a:xfrm>
+        </p:spPr>
+        <p:txBody>
+          <a:bodyPr/>
+          <a:lstStyle>
+            <a:lvl1pPr>
+              <a:defRPr sz="4800"/>
+            </a:lvl1pPr>
+          </a:lstStyle>
+          <a:p>
+            <a:r>
+              <a:rPr lang="en-US" smtClean="0"/>
+              <a:t>Click to edit Master title style</a:t>
+            </a:r>
+            <a:endParaRPr lang="en-US" dirty="0"/>
+          </a:p>
+        </p:txBody>
+      </p:sp>
+      <p:sp>
+        <p:nvSpPr>
+          <p:cNvPr id="11" name="Text Placeholder 3"/>
+          <p:cNvSpPr>
+            <a:spLocks noGrp="1"/>
+          </p:cNvSpPr>
+          <p:nvPr>
+            <p:ph type="body" sz="half" idx="14"/>
+          </p:nvPr>
+        </p:nvSpPr>
+        <p:spPr>
+          <a:xfrm>
+            <a:off x="1930400" y="3771174"/>
+            <a:ext cx="7279649" cy="342174"/>
+          </a:xfrm>
+        </p:spPr>
+        <p:txBody>
+          <a:bodyPr vert="horz" lIns="91440" tIns="45720" rIns="91440" bIns="45720" rtlCol="0" anchor="t">
+            <a:normAutofit/>
+          </a:bodyPr>
+          <a:lstStyle>
+            <a:lvl1pPr marL="0" indent="0">
+              <a:buNone/>
+              <a:defRPr lang="en-US" sz="1400" b="0" i="0" kern="1200" cap="small" dirty="0">
+                <a:solidFill>
+                  <a:schemeClr val="bg2">
+                    <a:lumMod val="40000"/>
+                    <a:lumOff val="60000"/>
+                  </a:schemeClr>
+                </a:solidFill>
+                <a:latin typeface="+mj-lt"/>
+                <a:ea typeface="+mj-ea"/>
+                <a:cs typeface="+mj-cs"/>
+              </a:defRPr>
+            </a:lvl1pPr>
+            <a:lvl2pPr marL="457200" indent="0">
+              <a:buNone/>
+              <a:defRPr sz="1200"/>
+            </a:lvl2pPr>
+            <a:lvl3pPr marL="914400" indent="0">
+              <a:buNone/>
+              <a:defRPr sz="1000"/>
+            </a:lvl3pPr>
+            <a:lvl4pPr marL="1371600" indent="0">
+              <a:buNone/>
+              <a:defRPr sz="900"/>
+            </a:lvl4pPr>
+            <a:lvl5pPr marL="1828800" indent="0">
+              <a:buNone/>
+              <a:defRPr sz="900"/>
+            </a:lvl5pPr>
+            <a:lvl6pPr marL="2286000" indent="0">
+              <a:buNone/>
+              <a:defRPr sz="900"/>
+            </a:lvl6pPr>
+            <a:lvl7pPr marL="2743200" indent="0">
+              <a:buNone/>
+              <a:defRPr sz="900"/>
+            </a:lvl7pPr>
+            <a:lvl8pPr marL="3200400" indent="0">
+              <a:buNone/>
+              <a:defRPr sz="900"/>
+            </a:lvl8pPr>
+            <a:lvl9pPr marL="3657600" indent="0">
+              <a:buNone/>
+              <a:defRPr sz="900"/>
+            </a:lvl9pPr>
+          </a:lstStyle>
+          <a:p>
+            <a:pPr marL="0" lvl="0" indent="0">
+              <a:buNone/>
+            </a:pPr>
+            <a:r>
+              <a:rPr lang="en-US" smtClean="0"/>
+              <a:t>Edit Master text styles</a:t>
+            </a:r>
+          </a:p>
+        </p:txBody>
+      </p:sp>
+      <p:sp>
+        <p:nvSpPr>
+          <p:cNvPr id="10" name="Text Placeholder 3"/>
+          <p:cNvSpPr>
+            <a:spLocks noGrp="1"/>
+          </p:cNvSpPr>
+          <p:nvPr>
+            <p:ph type="body" sz="half" idx="2"/>
+          </p:nvPr>
+        </p:nvSpPr>
+        <p:spPr>
+          <a:xfrm>
+            <a:off x="1154954" y="4350657"/>
+            <a:ext cx="8825659" cy="1676400"/>
+          </a:xfrm>
+        </p:spPr>
+        <p:txBody>
+          <a:bodyPr anchor="ctr">
+            <a:normAutofit/>
+          </a:bodyPr>
+          <a:lstStyle>
+            <a:lvl1pPr marL="0" indent="0">
+              <a:buNone/>
+              <a:defRPr sz="1800"/>
+            </a:lvl1pPr>
+            <a:lvl2pPr marL="457200" indent="0">
+              <a:buNone/>
+              <a:defRPr sz="1200"/>
+            </a:lvl2pPr>
+            <a:lvl3pPr marL="914400" indent="0">
+              <a:buNone/>
+              <a:defRPr sz="1000"/>
+            </a:lvl3pPr>
+            <a:lvl4pPr marL="1371600" indent="0">
+              <a:buNone/>
+              <a:defRPr sz="900"/>
+            </a:lvl4pPr>
+            <a:lvl5pPr marL="1828800" indent="0">
+              <a:buNone/>
+              <a:defRPr sz="900"/>
+            </a:lvl5pPr>
+            <a:lvl6pPr marL="2286000" indent="0">
+              <a:buNone/>
+              <a:defRPr sz="900"/>
+            </a:lvl6pPr>
+            <a:lvl7pPr marL="2743200" indent="0">
+              <a:buNone/>
+              <a:defRPr sz="900"/>
+            </a:lvl7pPr>
+            <a:lvl8pPr marL="3200400" indent="0">
+              <a:buNone/>
+              <a:defRPr sz="900"/>
+            </a:lvl8pPr>
+            <a:lvl9pPr marL="3657600" indent="0">
+              <a:buNone/>
+              <a:defRPr sz="900"/>
+            </a:lvl9pPr>
+          </a:lstStyle>
+          <a:p>
+            <a:pPr lvl="0"/>
+            <a:r>
+              <a:rPr lang="en-US" smtClean="0"/>
+              <a:t>Edit Master text styles</a:t>
+            </a:r>
+          </a:p>
+        </p:txBody>
+      </p:sp>
+      <p:sp>
+        <p:nvSpPr>
+          <p:cNvPr id="4" name="Date Placeholder 3"/>
+          <p:cNvSpPr>
+            <a:spLocks noGrp="1"/>
+          </p:cNvSpPr>
+          <p:nvPr>
+            <p:ph type="dt" sz="half" idx="10"/>
+          </p:nvPr>
+        </p:nvSpPr>
+        <p:spPr/>
+        <p:txBody>
+          <a:bodyPr/>
+          <a:lstStyle/>
+          <a:p>
+            <a:fld id="{9B224A76-EB01-42F6-9BEE-495C4C895051}" type="datetimeFigureOut">
+              <a:rPr lang="en-GB" smtClean="0"/>
+              <a:t>17/05/2019</a:t>
+            </a:fld>
+            <a:endParaRPr lang="en-GB"/>
+          </a:p>
+        </p:txBody>
+      </p:sp>
+      <p:sp>
+        <p:nvSpPr>
+          <p:cNvPr id="5" name="Footer Placeholder 4"/>
+          <p:cNvSpPr>
+            <a:spLocks noGrp="1"/>
+          </p:cNvSpPr>
+          <p:nvPr>
+            <p:ph type="ftr" sz="quarter" idx="11"/>
+          </p:nvPr>
+        </p:nvSpPr>
+        <p:spPr/>
+        <p:txBody>
+          <a:bodyPr/>
+          <a:lstStyle/>
+          <a:p>
+            <a:endParaRPr lang="en-GB"/>
+          </a:p>
+        </p:txBody>
+      </p:sp>
+      <p:sp>
+        <p:nvSpPr>
+          <p:cNvPr id="6" name="Slide Number Placeholder 5"/>
+          <p:cNvSpPr>
+            <a:spLocks noGrp="1"/>
+          </p:cNvSpPr>
+          <p:nvPr>
+            <p:ph type="sldNum" sz="quarter" idx="12"/>
+          </p:nvPr>
+        </p:nvSpPr>
+        <p:spPr/>
+        <p:txBody>
+          <a:bodyPr/>
+          <a:lstStyle/>
+          <a:p>
+            <a:fld id="{BB5FEBF0-D89A-4E68-8286-39F5B72375EF}" type="slidenum">
+              <a:rPr lang="en-GB" smtClean="0"/>
+              <a:t>‹#›</a:t>
+            </a:fld>
+            <a:endParaRPr lang="en-GB"/>
+          </a:p>
+        </p:txBody>
+      </p:sp>
+      <p:sp>
+        <p:nvSpPr>
+          <p:cNvPr id="12" name="TextBox 11"/>
+          <p:cNvSpPr txBox="1"/>
+          <p:nvPr/>
+        </p:nvSpPr>
+        <p:spPr>
+          <a:xfrm>
+            <a:off x="898295" y="971253"/>
+            <a:ext cx="801912" cy="1969770"/>
+          </a:xfrm>
+          <a:prstGeom prst="rect">
+            <a:avLst/>
+          </a:prstGeom>
+          <a:noFill/>
+        </p:spPr>
+        <p:txBody>
+          <a:bodyPr wrap="square" rtlCol="0">
+            <a:spAutoFit/>
+          </a:bodyPr>
+          <a:lstStyle>
+            <a:defPPr>
+              <a:defRPr lang="en-US"/>
+            </a:defPPr>
+            <a:lvl1pPr algn="r">
+              <a:defRPr sz="12200" b="0" i="0">
+                <a:solidFill>
+                  <a:schemeClr val="bg2">
+                    <a:lumMod val="40000"/>
+                    <a:lumOff val="60000"/>
+                  </a:schemeClr>
+                </a:solidFill>
+                <a:latin typeface="Arial"/>
+                <a:ea typeface="+mj-ea"/>
+                <a:cs typeface="+mj-cs"/>
+              </a:defRPr>
+            </a:lvl1pPr>
+          </a:lstStyle>
+          <a:p>
+            <a:pPr lvl="0"/>
+            <a:r>
+              <a:rPr lang="en-US" dirty="0"/>
+              <a:t>“</a:t>
+            </a:r>
+          </a:p>
+        </p:txBody>
+      </p:sp>
+      <p:sp>
+        <p:nvSpPr>
+          <p:cNvPr id="15" name="TextBox 14"/>
+          <p:cNvSpPr txBox="1"/>
+          <p:nvPr/>
+        </p:nvSpPr>
+        <p:spPr>
+          <a:xfrm>
+            <a:off x="9330490" y="2613787"/>
+            <a:ext cx="801912" cy="1969770"/>
+          </a:xfrm>
+          <a:prstGeom prst="rect">
+            <a:avLst/>
+          </a:prstGeom>
+          <a:noFill/>
+        </p:spPr>
+        <p:txBody>
+          <a:bodyPr wrap="square" rtlCol="0">
+            <a:spAutoFit/>
+          </a:bodyPr>
+          <a:lstStyle>
+            <a:defPPr>
+              <a:defRPr lang="en-US"/>
+            </a:defPPr>
+            <a:lvl1pPr algn="r">
+              <a:defRPr sz="12200" b="0" i="0">
+                <a:solidFill>
+                  <a:schemeClr val="bg2">
+                    <a:lumMod val="40000"/>
+                    <a:lumOff val="60000"/>
+                  </a:schemeClr>
+                </a:solidFill>
+                <a:latin typeface="Arial"/>
+                <a:ea typeface="+mj-ea"/>
+                <a:cs typeface="+mj-cs"/>
+              </a:defRPr>
+            </a:lvl1pPr>
+          </a:lstStyle>
+          <a:p>
+            <a:pPr lvl="0"/>
+            <a:r>
+              <a:rPr lang="en-US" dirty="0"/>
+              <a:t>”</a:t>
+            </a:r>
+          </a:p>
+        </p:txBody>
+      </p:sp>
+    </p:spTree>
+    <p:extLst>
+      <p:ext uri="{BB962C8B-B14F-4D97-AF65-F5344CB8AC3E}">
+        <p14:creationId xmlns:p14="http://schemas.microsoft.com/office/powerpoint/2010/main" val="777316013"/>
+      </p:ext>
+    </p:extLst>
+  </p:cSld>
+  <p:clrMapOvr>
+    <a:masterClrMapping/>
+  </p:clrMapOvr>
+</p:sldLayout>
+</file>
+
+<file path=ppt/slideLayouts/slideLayout13.xml><?xml version="1.0" encoding="utf-8"?>
+<p:sldLayout xmlns:a="http://schemas.openxmlformats.org/drawingml/2006/main" xmlns:r="http://schemas.openxmlformats.org/officeDocument/2006/relationships" xmlns:p="http://schemas.openxmlformats.org/presentationml/2006/main" preserve="1">
+  <p:cSld name="Name Card">
+    <p:spTree>
+      <p:nvGrpSpPr>
+        <p:cNvPr id="1" name=""/>
+        <p:cNvGrpSpPr/>
+        <p:nvPr/>
+      </p:nvGrpSpPr>
+      <p:grpSpPr>
+        <a:xfrm>
+          <a:off x="0" y="0"/>
+          <a:ext cx="0" cy="0"/>
+          <a:chOff x="0" y="0"/>
+          <a:chExt cx="0" cy="0"/>
+        </a:xfrm>
+      </p:grpSpPr>
+      <p:sp>
+        <p:nvSpPr>
+          <p:cNvPr id="2" name="Title 1"/>
+          <p:cNvSpPr>
+            <a:spLocks noGrp="1"/>
+          </p:cNvSpPr>
+          <p:nvPr>
+            <p:ph type="title"/>
+          </p:nvPr>
+        </p:nvSpPr>
+        <p:spPr>
+          <a:xfrm>
+            <a:off x="1154954" y="3124201"/>
+            <a:ext cx="8825660" cy="1653180"/>
+          </a:xfrm>
+        </p:spPr>
+        <p:txBody>
+          <a:bodyPr anchor="b"/>
+          <a:lstStyle>
+            <a:lvl1pPr algn="l">
+              <a:defRPr sz="4000" b="0" cap="none"/>
+            </a:lvl1pPr>
+          </a:lstStyle>
+          <a:p>
+            <a:r>
+              <a:rPr lang="en-US" smtClean="0"/>
+              <a:t>Click to edit Master title style</a:t>
+            </a:r>
+            <a:endParaRPr lang="en-US" dirty="0"/>
+          </a:p>
+        </p:txBody>
+      </p:sp>
+      <p:sp>
+        <p:nvSpPr>
+          <p:cNvPr id="3" name="Text Placeholder 2"/>
+          <p:cNvSpPr>
+            <a:spLocks noGrp="1"/>
+          </p:cNvSpPr>
+          <p:nvPr>
+            <p:ph type="body" idx="1"/>
+          </p:nvPr>
+        </p:nvSpPr>
+        <p:spPr>
+          <a:xfrm>
+            <a:off x="1154954" y="4777381"/>
+            <a:ext cx="8825659" cy="860400"/>
+          </a:xfrm>
+        </p:spPr>
+        <p:txBody>
+          <a:bodyPr anchor="t"/>
+          <a:lstStyle>
+            <a:lvl1pPr marL="0" indent="0" algn="l">
+              <a:buNone/>
+              <a:defRPr sz="2000" cap="none">
+                <a:solidFill>
+                  <a:schemeClr val="bg2">
+                    <a:lumMod val="40000"/>
+                    <a:lumOff val="60000"/>
+                  </a:schemeClr>
+                </a:solidFill>
+              </a:defRPr>
+            </a:lvl1pPr>
+            <a:lvl2pPr marL="457200" indent="0">
+              <a:buNone/>
+              <a:defRPr sz="1800">
+                <a:solidFill>
+                  <a:schemeClr val="tx1">
+                    <a:tint val="75000"/>
+                  </a:schemeClr>
+                </a:solidFill>
+              </a:defRPr>
+            </a:lvl2pPr>
+            <a:lvl3pPr marL="914400" indent="0">
+              <a:buNone/>
+              <a:defRPr sz="1600">
+                <a:solidFill>
+                  <a:schemeClr val="tx1">
+                    <a:tint val="75000"/>
+                  </a:schemeClr>
+                </a:solidFill>
+              </a:defRPr>
+            </a:lvl3pPr>
+            <a:lvl4pPr marL="1371600" indent="0">
+              <a:buNone/>
+              <a:defRPr sz="1400">
+                <a:solidFill>
+                  <a:schemeClr val="tx1">
+                    <a:tint val="75000"/>
+                  </a:schemeClr>
+                </a:solidFill>
+              </a:defRPr>
+            </a:lvl4pPr>
+            <a:lvl5pPr marL="1828800" indent="0">
+              <a:buNone/>
+              <a:defRPr sz="1400">
+                <a:solidFill>
+                  <a:schemeClr val="tx1">
+                    <a:tint val="75000"/>
+                  </a:schemeClr>
+                </a:solidFill>
+              </a:defRPr>
+            </a:lvl5pPr>
+            <a:lvl6pPr marL="2286000" indent="0">
+              <a:buNone/>
+              <a:defRPr sz="1400">
+                <a:solidFill>
+                  <a:schemeClr val="tx1">
+                    <a:tint val="75000"/>
+                  </a:schemeClr>
+                </a:solidFill>
+              </a:defRPr>
+            </a:lvl6pPr>
+            <a:lvl7pPr marL="2743200" indent="0">
+              <a:buNone/>
+              <a:defRPr sz="1400">
+                <a:solidFill>
+                  <a:schemeClr val="tx1">
+                    <a:tint val="75000"/>
+                  </a:schemeClr>
+                </a:solidFill>
+              </a:defRPr>
+            </a:lvl7pPr>
+            <a:lvl8pPr marL="3200400" indent="0">
+              <a:buNone/>
+              <a:defRPr sz="1400">
+                <a:solidFill>
+                  <a:schemeClr val="tx1">
+                    <a:tint val="75000"/>
+                  </a:schemeClr>
+                </a:solidFill>
+              </a:defRPr>
+            </a:lvl8pPr>
+            <a:lvl9pPr marL="3657600" indent="0">
+              <a:buNone/>
+              <a:defRPr sz="1400">
+                <a:solidFill>
+                  <a:schemeClr val="tx1">
+                    <a:tint val="75000"/>
+                  </a:schemeClr>
+                </a:solidFill>
+              </a:defRPr>
+            </a:lvl9pPr>
+          </a:lstStyle>
+          <a:p>
+            <a:pPr lvl="0"/>
+            <a:r>
+              <a:rPr lang="en-US" smtClean="0"/>
+              <a:t>Edit Master text styles</a:t>
+            </a:r>
+          </a:p>
+        </p:txBody>
+      </p:sp>
+      <p:sp>
+        <p:nvSpPr>
+          <p:cNvPr id="4" name="Date Placeholder 3"/>
+          <p:cNvSpPr>
+            <a:spLocks noGrp="1"/>
+          </p:cNvSpPr>
+          <p:nvPr>
+            <p:ph type="dt" sz="half" idx="10"/>
+          </p:nvPr>
+        </p:nvSpPr>
+        <p:spPr/>
+        <p:txBody>
+          <a:bodyPr/>
+          <a:lstStyle/>
+          <a:p>
+            <a:fld id="{9B224A76-EB01-42F6-9BEE-495C4C895051}" type="datetimeFigureOut">
+              <a:rPr lang="en-GB" smtClean="0"/>
+              <a:t>17/05/2019</a:t>
+            </a:fld>
+            <a:endParaRPr lang="en-GB"/>
+          </a:p>
+        </p:txBody>
+      </p:sp>
+      <p:sp>
+        <p:nvSpPr>
+          <p:cNvPr id="5" name="Footer Placeholder 4"/>
+          <p:cNvSpPr>
+            <a:spLocks noGrp="1"/>
+          </p:cNvSpPr>
+          <p:nvPr>
+            <p:ph type="ftr" sz="quarter" idx="11"/>
+          </p:nvPr>
+        </p:nvSpPr>
+        <p:spPr/>
+        <p:txBody>
+          <a:bodyPr/>
+          <a:lstStyle/>
+          <a:p>
+            <a:endParaRPr lang="en-GB"/>
+          </a:p>
+        </p:txBody>
+      </p:sp>
+      <p:sp>
+        <p:nvSpPr>
+          <p:cNvPr id="6" name="Slide Number Placeholder 5"/>
+          <p:cNvSpPr>
+            <a:spLocks noGrp="1"/>
+          </p:cNvSpPr>
+          <p:nvPr>
+            <p:ph type="sldNum" sz="quarter" idx="12"/>
+          </p:nvPr>
+        </p:nvSpPr>
+        <p:spPr/>
+        <p:txBody>
+          <a:bodyPr/>
+          <a:lstStyle/>
+          <a:p>
+            <a:fld id="{BB5FEBF0-D89A-4E68-8286-39F5B72375EF}" type="slidenum">
+              <a:rPr lang="en-GB" smtClean="0"/>
+              <a:t>‹#›</a:t>
+            </a:fld>
+            <a:endParaRPr lang="en-GB"/>
+          </a:p>
+        </p:txBody>
+      </p:sp>
+    </p:spTree>
+    <p:extLst>
+      <p:ext uri="{BB962C8B-B14F-4D97-AF65-F5344CB8AC3E}">
+        <p14:creationId xmlns:p14="http://schemas.microsoft.com/office/powerpoint/2010/main" val="1945918406"/>
+      </p:ext>
+    </p:extLst>
+  </p:cSld>
+  <p:clrMapOvr>
+    <a:masterClrMapping/>
+  </p:clrMapOvr>
+</p:sldLayout>
+</file>
+
+<file path=ppt/slideLayouts/slideLayout14.xml><?xml version="1.0" encoding="utf-8"?>
+<p:sldLayout xmlns:a="http://schemas.openxmlformats.org/drawingml/2006/main" xmlns:r="http://schemas.openxmlformats.org/officeDocument/2006/relationships" xmlns:p="http://schemas.openxmlformats.org/presentationml/2006/main" preserve="1">
+  <p:cSld name="3 Column">
+    <p:spTree>
+      <p:nvGrpSpPr>
+        <p:cNvPr id="1" name=""/>
+        <p:cNvGrpSpPr/>
+        <p:nvPr/>
+      </p:nvGrpSpPr>
+      <p:grpSpPr>
+        <a:xfrm>
+          <a:off x="0" y="0"/>
+          <a:ext cx="0" cy="0"/>
+          <a:chOff x="0" y="0"/>
+          <a:chExt cx="0" cy="0"/>
+        </a:xfrm>
+      </p:grpSpPr>
+      <p:sp>
+        <p:nvSpPr>
+          <p:cNvPr id="2" name="Title 1"/>
+          <p:cNvSpPr>
+            <a:spLocks noGrp="1"/>
+          </p:cNvSpPr>
+          <p:nvPr>
+            <p:ph type="title"/>
+          </p:nvPr>
+        </p:nvSpPr>
+        <p:spPr/>
+        <p:txBody>
+          <a:bodyPr/>
+          <a:lstStyle>
+            <a:lvl1pPr>
+              <a:defRPr sz="4200"/>
+            </a:lvl1pPr>
+          </a:lstStyle>
+          <a:p>
+            <a:r>
+              <a:rPr lang="en-US" smtClean="0"/>
+              <a:t>Click to edit Master title style</a:t>
+            </a:r>
+            <a:endParaRPr lang="en-US" dirty="0"/>
+          </a:p>
+        </p:txBody>
+      </p:sp>
+      <p:sp>
+        <p:nvSpPr>
+          <p:cNvPr id="3" name="Text Placeholder 2"/>
+          <p:cNvSpPr>
+            <a:spLocks noGrp="1"/>
+          </p:cNvSpPr>
+          <p:nvPr>
+            <p:ph type="body" idx="1"/>
+          </p:nvPr>
+        </p:nvSpPr>
+        <p:spPr>
+          <a:xfrm>
+            <a:off x="632947" y="1981200"/>
+            <a:ext cx="2946866" cy="576262"/>
+          </a:xfrm>
+        </p:spPr>
+        <p:txBody>
+          <a:bodyPr anchor="b">
+            <a:noAutofit/>
+          </a:bodyPr>
+          <a:lstStyle>
+            <a:lvl1pPr marL="0" indent="0">
+              <a:buNone/>
+              <a:defRPr sz="2400" b="0">
+                <a:solidFill>
+                  <a:schemeClr val="bg2">
+                    <a:lumMod val="40000"/>
+                    <a:lumOff val="60000"/>
+                  </a:schemeClr>
+                </a:solidFill>
+              </a:defRPr>
+            </a:lvl1pPr>
+            <a:lvl2pPr marL="457200" indent="0">
+              <a:buNone/>
+              <a:defRPr sz="2000" b="1"/>
+            </a:lvl2pPr>
+            <a:lvl3pPr marL="914400" indent="0">
+              <a:buNone/>
+              <a:defRPr sz="1800" b="1"/>
+            </a:lvl3pPr>
+            <a:lvl4pPr marL="1371600" indent="0">
+              <a:buNone/>
+              <a:defRPr sz="1600" b="1"/>
+            </a:lvl4pPr>
+            <a:lvl5pPr marL="1828800" indent="0">
+              <a:buNone/>
+              <a:defRPr sz="1600" b="1"/>
+            </a:lvl5pPr>
+            <a:lvl6pPr marL="2286000" indent="0">
+              <a:buNone/>
+              <a:defRPr sz="1600" b="1"/>
+            </a:lvl6pPr>
+            <a:lvl7pPr marL="2743200" indent="0">
+              <a:buNone/>
+              <a:defRPr sz="1600" b="1"/>
+            </a:lvl7pPr>
+            <a:lvl8pPr marL="3200400" indent="0">
+              <a:buNone/>
+              <a:defRPr sz="1600" b="1"/>
+            </a:lvl8pPr>
+            <a:lvl9pPr marL="3657600" indent="0">
+              <a:buNone/>
+              <a:defRPr sz="1600" b="1"/>
+            </a:lvl9pPr>
+          </a:lstStyle>
+          <a:p>
+            <a:pPr lvl="0"/>
+            <a:r>
+              <a:rPr lang="en-US" smtClean="0"/>
+              <a:t>Edit Master text styles</a:t>
+            </a:r>
+          </a:p>
+        </p:txBody>
+      </p:sp>
+      <p:sp>
+        <p:nvSpPr>
+          <p:cNvPr id="16" name="Text Placeholder 3"/>
+          <p:cNvSpPr>
+            <a:spLocks noGrp="1"/>
+          </p:cNvSpPr>
+          <p:nvPr>
+            <p:ph type="body" sz="half" idx="15"/>
+          </p:nvPr>
+        </p:nvSpPr>
+        <p:spPr>
+          <a:xfrm>
+            <a:off x="652463" y="2667000"/>
+            <a:ext cx="2927350" cy="3589338"/>
+          </a:xfrm>
+        </p:spPr>
+        <p:txBody>
+          <a:bodyPr anchor="t">
+            <a:normAutofit/>
+          </a:bodyPr>
+          <a:lstStyle>
+            <a:lvl1pPr marL="0" indent="0">
+              <a:buNone/>
+              <a:defRPr sz="1400"/>
+            </a:lvl1pPr>
+            <a:lvl2pPr marL="457200" indent="0">
+              <a:buNone/>
+              <a:defRPr sz="1200"/>
+            </a:lvl2pPr>
+            <a:lvl3pPr marL="914400" indent="0">
+              <a:buNone/>
+              <a:defRPr sz="1000"/>
+            </a:lvl3pPr>
+            <a:lvl4pPr marL="1371600" indent="0">
+              <a:buNone/>
+              <a:defRPr sz="900"/>
+            </a:lvl4pPr>
+            <a:lvl5pPr marL="1828800" indent="0">
+              <a:buNone/>
+              <a:defRPr sz="900"/>
+            </a:lvl5pPr>
+            <a:lvl6pPr marL="2286000" indent="0">
+              <a:buNone/>
+              <a:defRPr sz="900"/>
+            </a:lvl6pPr>
+            <a:lvl7pPr marL="2743200" indent="0">
+              <a:buNone/>
+              <a:defRPr sz="900"/>
+            </a:lvl7pPr>
+            <a:lvl8pPr marL="3200400" indent="0">
+              <a:buNone/>
+              <a:defRPr sz="900"/>
+            </a:lvl8pPr>
+            <a:lvl9pPr marL="3657600" indent="0">
+              <a:buNone/>
+              <a:defRPr sz="900"/>
+            </a:lvl9pPr>
+          </a:lstStyle>
+          <a:p>
+            <a:pPr lvl="0"/>
+            <a:r>
+              <a:rPr lang="en-US" smtClean="0"/>
+              <a:t>Edit Master text styles</a:t>
+            </a:r>
+          </a:p>
+        </p:txBody>
+      </p:sp>
+      <p:sp>
+        <p:nvSpPr>
+          <p:cNvPr id="5" name="Text Placeholder 4"/>
+          <p:cNvSpPr>
+            <a:spLocks noGrp="1"/>
+          </p:cNvSpPr>
+          <p:nvPr>
+            <p:ph type="body" sz="quarter" idx="3"/>
+          </p:nvPr>
+        </p:nvSpPr>
+        <p:spPr>
+          <a:xfrm>
+            <a:off x="3883659" y="1981200"/>
+            <a:ext cx="2936241" cy="576262"/>
+          </a:xfrm>
+        </p:spPr>
+        <p:txBody>
+          <a:bodyPr anchor="b">
+            <a:noAutofit/>
+          </a:bodyPr>
+          <a:lstStyle>
+            <a:lvl1pPr marL="0" indent="0">
+              <a:buNone/>
+              <a:defRPr sz="2400" b="0">
+                <a:solidFill>
+                  <a:schemeClr val="bg2">
+                    <a:lumMod val="40000"/>
+                    <a:lumOff val="60000"/>
+                  </a:schemeClr>
+                </a:solidFill>
+              </a:defRPr>
+            </a:lvl1pPr>
+            <a:lvl2pPr marL="457200" indent="0">
+              <a:buNone/>
+              <a:defRPr sz="2000" b="1"/>
+            </a:lvl2pPr>
+            <a:lvl3pPr marL="914400" indent="0">
+              <a:buNone/>
+              <a:defRPr sz="1800" b="1"/>
+            </a:lvl3pPr>
+            <a:lvl4pPr marL="1371600" indent="0">
+              <a:buNone/>
+              <a:defRPr sz="1600" b="1"/>
+            </a:lvl4pPr>
+            <a:lvl5pPr marL="1828800" indent="0">
+              <a:buNone/>
+              <a:defRPr sz="1600" b="1"/>
+            </a:lvl5pPr>
+            <a:lvl6pPr marL="2286000" indent="0">
+              <a:buNone/>
+              <a:defRPr sz="1600" b="1"/>
+            </a:lvl6pPr>
+            <a:lvl7pPr marL="2743200" indent="0">
+              <a:buNone/>
+              <a:defRPr sz="1600" b="1"/>
+            </a:lvl7pPr>
+            <a:lvl8pPr marL="3200400" indent="0">
+              <a:buNone/>
+              <a:defRPr sz="1600" b="1"/>
+            </a:lvl8pPr>
+            <a:lvl9pPr marL="3657600" indent="0">
+              <a:buNone/>
+              <a:defRPr sz="1600" b="1"/>
+            </a:lvl9pPr>
+          </a:lstStyle>
+          <a:p>
+            <a:pPr lvl="0"/>
+            <a:r>
+              <a:rPr lang="en-US" smtClean="0"/>
+              <a:t>Edit Master text styles</a:t>
+            </a:r>
+          </a:p>
+        </p:txBody>
+      </p:sp>
+      <p:sp>
+        <p:nvSpPr>
+          <p:cNvPr id="19" name="Text Placeholder 3"/>
+          <p:cNvSpPr>
+            <a:spLocks noGrp="1"/>
+          </p:cNvSpPr>
+          <p:nvPr>
+            <p:ph type="body" sz="half" idx="16"/>
+          </p:nvPr>
+        </p:nvSpPr>
+        <p:spPr>
+          <a:xfrm>
+            <a:off x="3873106" y="2667000"/>
+            <a:ext cx="2946794" cy="3589338"/>
+          </a:xfrm>
+        </p:spPr>
+        <p:txBody>
+          <a:bodyPr anchor="t">
+            <a:normAutofit/>
+          </a:bodyPr>
+          <a:lstStyle>
+            <a:lvl1pPr marL="0" indent="0">
+              <a:buNone/>
+              <a:defRPr sz="1400"/>
+            </a:lvl1pPr>
+            <a:lvl2pPr marL="457200" indent="0">
+              <a:buNone/>
+              <a:defRPr sz="1200"/>
+            </a:lvl2pPr>
+            <a:lvl3pPr marL="914400" indent="0">
+              <a:buNone/>
+              <a:defRPr sz="1000"/>
+            </a:lvl3pPr>
+            <a:lvl4pPr marL="1371600" indent="0">
+              <a:buNone/>
+              <a:defRPr sz="900"/>
+            </a:lvl4pPr>
+            <a:lvl5pPr marL="1828800" indent="0">
+              <a:buNone/>
+              <a:defRPr sz="900"/>
+            </a:lvl5pPr>
+            <a:lvl6pPr marL="2286000" indent="0">
+              <a:buNone/>
+              <a:defRPr sz="900"/>
+            </a:lvl6pPr>
+            <a:lvl7pPr marL="2743200" indent="0">
+              <a:buNone/>
+              <a:defRPr sz="900"/>
+            </a:lvl7pPr>
+            <a:lvl8pPr marL="3200400" indent="0">
+              <a:buNone/>
+              <a:defRPr sz="900"/>
+            </a:lvl8pPr>
+            <a:lvl9pPr marL="3657600" indent="0">
+              <a:buNone/>
+              <a:defRPr sz="900"/>
+            </a:lvl9pPr>
+          </a:lstStyle>
+          <a:p>
+            <a:pPr lvl="0"/>
+            <a:r>
+              <a:rPr lang="en-US" smtClean="0"/>
+              <a:t>Edit Master text styles</a:t>
+            </a:r>
+          </a:p>
+        </p:txBody>
+      </p:sp>
+      <p:sp>
+        <p:nvSpPr>
+          <p:cNvPr id="14" name="Text Placeholder 4"/>
+          <p:cNvSpPr>
+            <a:spLocks noGrp="1"/>
+          </p:cNvSpPr>
+          <p:nvPr>
+            <p:ph type="body" sz="quarter" idx="13"/>
+          </p:nvPr>
+        </p:nvSpPr>
+        <p:spPr>
+          <a:xfrm>
+            <a:off x="7124700" y="1981200"/>
+            <a:ext cx="2932113" cy="576262"/>
+          </a:xfrm>
+        </p:spPr>
+        <p:txBody>
+          <a:bodyPr anchor="b">
+            <a:noAutofit/>
+          </a:bodyPr>
+          <a:lstStyle>
+            <a:lvl1pPr marL="0" indent="0">
+              <a:buNone/>
+              <a:defRPr sz="2400" b="0">
+                <a:solidFill>
+                  <a:schemeClr val="bg2">
+                    <a:lumMod val="40000"/>
+                    <a:lumOff val="60000"/>
+                  </a:schemeClr>
+                </a:solidFill>
+              </a:defRPr>
+            </a:lvl1pPr>
+            <a:lvl2pPr marL="457200" indent="0">
+              <a:buNone/>
+              <a:defRPr sz="2000" b="1"/>
+            </a:lvl2pPr>
+            <a:lvl3pPr marL="914400" indent="0">
+              <a:buNone/>
+              <a:defRPr sz="1800" b="1"/>
+            </a:lvl3pPr>
+            <a:lvl4pPr marL="1371600" indent="0">
+              <a:buNone/>
+              <a:defRPr sz="1600" b="1"/>
+            </a:lvl4pPr>
+            <a:lvl5pPr marL="1828800" indent="0">
+              <a:buNone/>
+              <a:defRPr sz="1600" b="1"/>
+            </a:lvl5pPr>
+            <a:lvl6pPr marL="2286000" indent="0">
+              <a:buNone/>
+              <a:defRPr sz="1600" b="1"/>
+            </a:lvl6pPr>
+            <a:lvl7pPr marL="2743200" indent="0">
+              <a:buNone/>
+              <a:defRPr sz="1600" b="1"/>
+            </a:lvl7pPr>
+            <a:lvl8pPr marL="3200400" indent="0">
+              <a:buNone/>
+              <a:defRPr sz="1600" b="1"/>
+            </a:lvl8pPr>
+            <a:lvl9pPr marL="3657600" indent="0">
+              <a:buNone/>
+              <a:defRPr sz="1600" b="1"/>
+            </a:lvl9pPr>
+          </a:lstStyle>
+          <a:p>
+            <a:pPr lvl="0"/>
+            <a:r>
+              <a:rPr lang="en-US" smtClean="0"/>
+              <a:t>Edit Master text styles</a:t>
+            </a:r>
+          </a:p>
+        </p:txBody>
+      </p:sp>
+      <p:sp>
+        <p:nvSpPr>
+          <p:cNvPr id="20" name="Text Placeholder 3"/>
+          <p:cNvSpPr>
+            <a:spLocks noGrp="1"/>
+          </p:cNvSpPr>
+          <p:nvPr>
+            <p:ph type="body" sz="half" idx="17"/>
+          </p:nvPr>
+        </p:nvSpPr>
+        <p:spPr>
+          <a:xfrm>
+            <a:off x="7124700" y="2667000"/>
+            <a:ext cx="2932113" cy="3589338"/>
+          </a:xfrm>
+        </p:spPr>
+        <p:txBody>
+          <a:bodyPr anchor="t">
+            <a:normAutofit/>
+          </a:bodyPr>
+          <a:lstStyle>
+            <a:lvl1pPr marL="0" indent="0">
+              <a:buNone/>
+              <a:defRPr sz="1400"/>
+            </a:lvl1pPr>
+            <a:lvl2pPr marL="457200" indent="0">
+              <a:buNone/>
+              <a:defRPr sz="1200"/>
+            </a:lvl2pPr>
+            <a:lvl3pPr marL="914400" indent="0">
+              <a:buNone/>
+              <a:defRPr sz="1000"/>
+            </a:lvl3pPr>
+            <a:lvl4pPr marL="1371600" indent="0">
+              <a:buNone/>
+              <a:defRPr sz="900"/>
+            </a:lvl4pPr>
+            <a:lvl5pPr marL="1828800" indent="0">
+              <a:buNone/>
+              <a:defRPr sz="900"/>
+            </a:lvl5pPr>
+            <a:lvl6pPr marL="2286000" indent="0">
+              <a:buNone/>
+              <a:defRPr sz="900"/>
+            </a:lvl6pPr>
+            <a:lvl7pPr marL="2743200" indent="0">
+              <a:buNone/>
+              <a:defRPr sz="900"/>
+            </a:lvl7pPr>
+            <a:lvl8pPr marL="3200400" indent="0">
+              <a:buNone/>
+              <a:defRPr sz="900"/>
+            </a:lvl8pPr>
+            <a:lvl9pPr marL="3657600" indent="0">
+              <a:buNone/>
+              <a:defRPr sz="900"/>
+            </a:lvl9pPr>
+          </a:lstStyle>
+          <a:p>
+            <a:pPr lvl="0"/>
+            <a:r>
+              <a:rPr lang="en-US" smtClean="0"/>
+              <a:t>Edit Master text styles</a:t>
+            </a:r>
+          </a:p>
+        </p:txBody>
+      </p:sp>
+      <p:cxnSp>
+        <p:nvCxnSpPr>
+          <p:cNvPr id="17" name="Straight Connector 16"/>
+          <p:cNvCxnSpPr/>
+          <p:nvPr/>
+        </p:nvCxnSpPr>
+        <p:spPr>
+          <a:xfrm>
+            <a:off x="3726142" y="2133600"/>
+            <a:ext cx="0" cy="3962400"/>
+          </a:xfrm>
+          <a:prstGeom prst="line">
+            <a:avLst/>
+          </a:prstGeom>
+          <a:ln w="12700" cmpd="sng">
+            <a:solidFill>
+              <a:schemeClr val="bg2">
+                <a:lumMod val="40000"/>
+                <a:lumOff val="60000"/>
+                <a:alpha val="40000"/>
+              </a:schemeClr>
+            </a:solidFill>
+          </a:ln>
+        </p:spPr>
+        <p:style>
+          <a:lnRef idx="2">
+            <a:schemeClr val="accent1"/>
+          </a:lnRef>
+          <a:fillRef idx="0">
+            <a:schemeClr val="accent1"/>
+          </a:fillRef>
+          <a:effectRef idx="1">
+            <a:schemeClr val="accent1"/>
+          </a:effectRef>
+          <a:fontRef idx="minor">
+            <a:schemeClr val="tx1"/>
+          </a:fontRef>
+        </p:style>
+      </p:cxnSp>
+      <p:cxnSp>
+        <p:nvCxnSpPr>
+          <p:cNvPr id="18" name="Straight Connector 17"/>
+          <p:cNvCxnSpPr/>
+          <p:nvPr/>
+        </p:nvCxnSpPr>
+        <p:spPr>
+          <a:xfrm>
+            <a:off x="6962227" y="2133600"/>
+            <a:ext cx="0" cy="3966882"/>
+          </a:xfrm>
+          <a:prstGeom prst="line">
+            <a:avLst/>
+          </a:prstGeom>
+          <a:ln w="12700" cmpd="sng">
+            <a:solidFill>
+              <a:schemeClr val="bg2">
+                <a:lumMod val="40000"/>
+                <a:lumOff val="60000"/>
+                <a:alpha val="40000"/>
+              </a:schemeClr>
+            </a:solidFill>
+          </a:ln>
+        </p:spPr>
+        <p:style>
+          <a:lnRef idx="2">
+            <a:schemeClr val="accent1"/>
+          </a:lnRef>
+          <a:fillRef idx="0">
+            <a:schemeClr val="accent1"/>
+          </a:fillRef>
+          <a:effectRef idx="1">
+            <a:schemeClr val="accent1"/>
+          </a:effectRef>
+          <a:fontRef idx="minor">
+            <a:schemeClr val="tx1"/>
+          </a:fontRef>
+        </p:style>
+      </p:cxnSp>
+      <p:sp>
+        <p:nvSpPr>
+          <p:cNvPr id="7" name="Date Placeholder 3"/>
+          <p:cNvSpPr>
+            <a:spLocks noGrp="1"/>
+          </p:cNvSpPr>
+          <p:nvPr>
+            <p:ph type="dt" sz="half" idx="10"/>
+          </p:nvPr>
+        </p:nvSpPr>
+        <p:spPr/>
+        <p:txBody>
+          <a:bodyPr/>
+          <a:lstStyle/>
+          <a:p>
+            <a:fld id="{9B224A76-EB01-42F6-9BEE-495C4C895051}" type="datetimeFigureOut">
+              <a:rPr lang="en-GB" smtClean="0"/>
+              <a:t>17/05/2019</a:t>
+            </a:fld>
+            <a:endParaRPr lang="en-GB"/>
+          </a:p>
+        </p:txBody>
+      </p:sp>
+      <p:sp>
+        <p:nvSpPr>
+          <p:cNvPr id="4" name="Footer Placeholder 4"/>
+          <p:cNvSpPr>
+            <a:spLocks noGrp="1"/>
+          </p:cNvSpPr>
+          <p:nvPr>
+            <p:ph type="ftr" sz="quarter" idx="11"/>
+          </p:nvPr>
+        </p:nvSpPr>
+        <p:spPr/>
+        <p:txBody>
+          <a:bodyPr/>
+          <a:lstStyle/>
+          <a:p>
+            <a:endParaRPr lang="en-GB"/>
+          </a:p>
+        </p:txBody>
+      </p:sp>
+      <p:sp>
+        <p:nvSpPr>
+          <p:cNvPr id="6" name="Slide Number Placeholder 5"/>
+          <p:cNvSpPr>
+            <a:spLocks noGrp="1"/>
+          </p:cNvSpPr>
+          <p:nvPr>
+            <p:ph type="sldNum" sz="quarter" idx="12"/>
+          </p:nvPr>
+        </p:nvSpPr>
+        <p:spPr/>
+        <p:txBody>
+          <a:bodyPr/>
+          <a:lstStyle/>
+          <a:p>
+            <a:fld id="{BB5FEBF0-D89A-4E68-8286-39F5B72375EF}" type="slidenum">
+              <a:rPr lang="en-GB" smtClean="0"/>
+              <a:t>‹#›</a:t>
+            </a:fld>
+            <a:endParaRPr lang="en-GB"/>
+          </a:p>
+        </p:txBody>
+      </p:sp>
+    </p:spTree>
+    <p:extLst>
+      <p:ext uri="{BB962C8B-B14F-4D97-AF65-F5344CB8AC3E}">
+        <p14:creationId xmlns:p14="http://schemas.microsoft.com/office/powerpoint/2010/main" val="1248234757"/>
+      </p:ext>
+    </p:extLst>
+  </p:cSld>
+  <p:clrMapOvr>
+    <a:masterClrMapping/>
+  </p:clrMapOvr>
+</p:sldLayout>
+</file>
+
+<file path=ppt/slideLayouts/slideLayout15.xml><?xml version="1.0" encoding="utf-8"?>
+<p:sldLayout xmlns:a="http://schemas.openxmlformats.org/drawingml/2006/main" xmlns:r="http://schemas.openxmlformats.org/officeDocument/2006/relationships" xmlns:p="http://schemas.openxmlformats.org/presentationml/2006/main" preserve="1">
+  <p:cSld name="3 Picture Column">
+    <p:spTree>
+      <p:nvGrpSpPr>
+        <p:cNvPr id="1" name=""/>
+        <p:cNvGrpSpPr/>
+        <p:nvPr/>
+      </p:nvGrpSpPr>
+      <p:grpSpPr>
+        <a:xfrm>
+          <a:off x="0" y="0"/>
+          <a:ext cx="0" cy="0"/>
+          <a:chOff x="0" y="0"/>
+          <a:chExt cx="0" cy="0"/>
+        </a:xfrm>
+      </p:grpSpPr>
+      <p:sp>
+        <p:nvSpPr>
+          <p:cNvPr id="2" name="Title 1"/>
+          <p:cNvSpPr>
+            <a:spLocks noGrp="1"/>
+          </p:cNvSpPr>
+          <p:nvPr>
+            <p:ph type="title"/>
+          </p:nvPr>
+        </p:nvSpPr>
+        <p:spPr/>
+        <p:txBody>
+          <a:bodyPr/>
+          <a:lstStyle>
+            <a:lvl1pPr>
+              <a:defRPr sz="4200"/>
+            </a:lvl1pPr>
+          </a:lstStyle>
+          <a:p>
+            <a:r>
+              <a:rPr lang="en-US" smtClean="0"/>
+              <a:t>Click to edit Master title style</a:t>
+            </a:r>
+            <a:endParaRPr lang="en-US" dirty="0"/>
+          </a:p>
+        </p:txBody>
+      </p:sp>
+      <p:sp>
+        <p:nvSpPr>
+          <p:cNvPr id="3" name="Text Placeholder 2"/>
+          <p:cNvSpPr>
+            <a:spLocks noGrp="1"/>
+          </p:cNvSpPr>
+          <p:nvPr>
+            <p:ph type="body" idx="1"/>
+          </p:nvPr>
+        </p:nvSpPr>
+        <p:spPr>
+          <a:xfrm>
+            <a:off x="652463" y="4250949"/>
+            <a:ext cx="2940050" cy="576262"/>
+          </a:xfrm>
+        </p:spPr>
+        <p:txBody>
+          <a:bodyPr anchor="b">
+            <a:noAutofit/>
+          </a:bodyPr>
+          <a:lstStyle>
+            <a:lvl1pPr marL="0" indent="0">
+              <a:buNone/>
+              <a:defRPr sz="2400" b="0">
+                <a:solidFill>
+                  <a:schemeClr val="bg2">
+                    <a:lumMod val="40000"/>
+                    <a:lumOff val="60000"/>
+                  </a:schemeClr>
+                </a:solidFill>
+              </a:defRPr>
+            </a:lvl1pPr>
+            <a:lvl2pPr marL="457200" indent="0">
+              <a:buNone/>
+              <a:defRPr sz="2000" b="1"/>
+            </a:lvl2pPr>
+            <a:lvl3pPr marL="914400" indent="0">
+              <a:buNone/>
+              <a:defRPr sz="1800" b="1"/>
+            </a:lvl3pPr>
+            <a:lvl4pPr marL="1371600" indent="0">
+              <a:buNone/>
+              <a:defRPr sz="1600" b="1"/>
+            </a:lvl4pPr>
+            <a:lvl5pPr marL="1828800" indent="0">
+              <a:buNone/>
+              <a:defRPr sz="1600" b="1"/>
+            </a:lvl5pPr>
+            <a:lvl6pPr marL="2286000" indent="0">
+              <a:buNone/>
+              <a:defRPr sz="1600" b="1"/>
+            </a:lvl6pPr>
+            <a:lvl7pPr marL="2743200" indent="0">
+              <a:buNone/>
+              <a:defRPr sz="1600" b="1"/>
+            </a:lvl7pPr>
+            <a:lvl8pPr marL="3200400" indent="0">
+              <a:buNone/>
+              <a:defRPr sz="1600" b="1"/>
+            </a:lvl8pPr>
+            <a:lvl9pPr marL="3657600" indent="0">
+              <a:buNone/>
+              <a:defRPr sz="1600" b="1"/>
+            </a:lvl9pPr>
+          </a:lstStyle>
+          <a:p>
+            <a:pPr lvl="0"/>
+            <a:r>
+              <a:rPr lang="en-US" smtClean="0"/>
+              <a:t>Edit Master text styles</a:t>
+            </a:r>
+          </a:p>
+        </p:txBody>
+      </p:sp>
+      <p:sp>
+        <p:nvSpPr>
+          <p:cNvPr id="29" name="Picture Placeholder 2"/>
+          <p:cNvSpPr>
+            <a:spLocks noGrp="1" noChangeAspect="1"/>
+          </p:cNvSpPr>
+          <p:nvPr>
+            <p:ph type="pic" idx="15"/>
+          </p:nvPr>
+        </p:nvSpPr>
+        <p:spPr>
+          <a:xfrm>
+            <a:off x="652463" y="2209800"/>
+            <a:ext cx="2940050" cy="1524000"/>
+          </a:xfrm>
+          <a:prstGeom prst="roundRect">
+            <a:avLst>
+              <a:gd name="adj" fmla="val 1858"/>
+            </a:avLst>
+          </a:prstGeom>
+          <a:effectLst>
+            <a:outerShdw blurRad="50800" dist="50800" dir="5400000" algn="tl" rotWithShape="0">
+              <a:srgbClr val="000000">
+                <a:alpha val="43000"/>
+              </a:srgbClr>
+            </a:outerShdw>
+          </a:effectLst>
+        </p:spPr>
+        <p:txBody>
+          <a:bodyPr anchor="t">
+            <a:normAutofit/>
+          </a:bodyPr>
+          <a:lstStyle>
+            <a:lvl1pPr marL="0" indent="0" algn="ctr">
+              <a:buNone/>
+              <a:defRPr sz="1600"/>
+            </a:lvl1pPr>
+            <a:lvl2pPr marL="457200" indent="0">
+              <a:buNone/>
+              <a:defRPr sz="1600"/>
+            </a:lvl2pPr>
+            <a:lvl3pPr marL="914400" indent="0">
+              <a:buNone/>
+              <a:defRPr sz="1600"/>
+            </a:lvl3pPr>
+            <a:lvl4pPr marL="1371600" indent="0">
+              <a:buNone/>
+              <a:defRPr sz="1600"/>
+            </a:lvl4pPr>
+            <a:lvl5pPr marL="1828800" indent="0">
+              <a:buNone/>
+              <a:defRPr sz="1600"/>
+            </a:lvl5pPr>
+            <a:lvl6pPr marL="2286000" indent="0">
+              <a:buNone/>
+              <a:defRPr sz="1600"/>
+            </a:lvl6pPr>
+            <a:lvl7pPr marL="2743200" indent="0">
+              <a:buNone/>
+              <a:defRPr sz="1600"/>
+            </a:lvl7pPr>
+            <a:lvl8pPr marL="3200400" indent="0">
+              <a:buNone/>
+              <a:defRPr sz="1600"/>
+            </a:lvl8pPr>
+            <a:lvl9pPr marL="3657600" indent="0">
+              <a:buNone/>
+              <a:defRPr sz="1600"/>
+            </a:lvl9pPr>
+          </a:lstStyle>
+          <a:p>
+            <a:r>
+              <a:rPr lang="en-US" smtClean="0"/>
+              <a:t>Click icon to add picture</a:t>
+            </a:r>
+            <a:endParaRPr lang="en-US" dirty="0"/>
+          </a:p>
+        </p:txBody>
+      </p:sp>
+      <p:sp>
+        <p:nvSpPr>
+          <p:cNvPr id="22" name="Text Placeholder 3"/>
+          <p:cNvSpPr>
+            <a:spLocks noGrp="1"/>
+          </p:cNvSpPr>
+          <p:nvPr>
+            <p:ph type="body" sz="half" idx="18"/>
+          </p:nvPr>
+        </p:nvSpPr>
+        <p:spPr>
+          <a:xfrm>
+            <a:off x="652463" y="4827211"/>
+            <a:ext cx="2940050" cy="659189"/>
+          </a:xfrm>
+        </p:spPr>
+        <p:txBody>
+          <a:bodyPr anchor="t">
+            <a:normAutofit/>
+          </a:bodyPr>
+          <a:lstStyle>
+            <a:lvl1pPr marL="0" indent="0">
+              <a:buNone/>
+              <a:defRPr sz="1400"/>
+            </a:lvl1pPr>
+            <a:lvl2pPr marL="457200" indent="0">
+              <a:buNone/>
+              <a:defRPr sz="1200"/>
+            </a:lvl2pPr>
+            <a:lvl3pPr marL="914400" indent="0">
+              <a:buNone/>
+              <a:defRPr sz="1000"/>
+            </a:lvl3pPr>
+            <a:lvl4pPr marL="1371600" indent="0">
+              <a:buNone/>
+              <a:defRPr sz="900"/>
+            </a:lvl4pPr>
+            <a:lvl5pPr marL="1828800" indent="0">
+              <a:buNone/>
+              <a:defRPr sz="900"/>
+            </a:lvl5pPr>
+            <a:lvl6pPr marL="2286000" indent="0">
+              <a:buNone/>
+              <a:defRPr sz="900"/>
+            </a:lvl6pPr>
+            <a:lvl7pPr marL="2743200" indent="0">
+              <a:buNone/>
+              <a:defRPr sz="900"/>
+            </a:lvl7pPr>
+            <a:lvl8pPr marL="3200400" indent="0">
+              <a:buNone/>
+              <a:defRPr sz="900"/>
+            </a:lvl8pPr>
+            <a:lvl9pPr marL="3657600" indent="0">
+              <a:buNone/>
+              <a:defRPr sz="900"/>
+            </a:lvl9pPr>
+          </a:lstStyle>
+          <a:p>
+            <a:pPr lvl="0"/>
+            <a:r>
+              <a:rPr lang="en-US" smtClean="0"/>
+              <a:t>Edit Master text styles</a:t>
+            </a:r>
+          </a:p>
+        </p:txBody>
+      </p:sp>
+      <p:sp>
+        <p:nvSpPr>
+          <p:cNvPr id="5" name="Text Placeholder 4"/>
+          <p:cNvSpPr>
+            <a:spLocks noGrp="1"/>
+          </p:cNvSpPr>
+          <p:nvPr>
+            <p:ph type="body" sz="quarter" idx="3"/>
+          </p:nvPr>
+        </p:nvSpPr>
+        <p:spPr>
+          <a:xfrm>
+            <a:off x="3889375" y="4250949"/>
+            <a:ext cx="2930525" cy="576262"/>
+          </a:xfrm>
+        </p:spPr>
+        <p:txBody>
+          <a:bodyPr anchor="b">
+            <a:noAutofit/>
+          </a:bodyPr>
+          <a:lstStyle>
+            <a:lvl1pPr marL="0" indent="0">
+              <a:buNone/>
+              <a:defRPr sz="2400" b="0">
+                <a:solidFill>
+                  <a:schemeClr val="bg2">
+                    <a:lumMod val="40000"/>
+                    <a:lumOff val="60000"/>
+                  </a:schemeClr>
+                </a:solidFill>
+              </a:defRPr>
+            </a:lvl1pPr>
+            <a:lvl2pPr marL="457200" indent="0">
+              <a:buNone/>
+              <a:defRPr sz="2000" b="1"/>
+            </a:lvl2pPr>
+            <a:lvl3pPr marL="914400" indent="0">
+              <a:buNone/>
+              <a:defRPr sz="1800" b="1"/>
+            </a:lvl3pPr>
+            <a:lvl4pPr marL="1371600" indent="0">
+              <a:buNone/>
+              <a:defRPr sz="1600" b="1"/>
+            </a:lvl4pPr>
+            <a:lvl5pPr marL="1828800" indent="0">
+              <a:buNone/>
+              <a:defRPr sz="1600" b="1"/>
+            </a:lvl5pPr>
+            <a:lvl6pPr marL="2286000" indent="0">
+              <a:buNone/>
+              <a:defRPr sz="1600" b="1"/>
+            </a:lvl6pPr>
+            <a:lvl7pPr marL="2743200" indent="0">
+              <a:buNone/>
+              <a:defRPr sz="1600" b="1"/>
+            </a:lvl7pPr>
+            <a:lvl8pPr marL="3200400" indent="0">
+              <a:buNone/>
+              <a:defRPr sz="1600" b="1"/>
+            </a:lvl8pPr>
+            <a:lvl9pPr marL="3657600" indent="0">
+              <a:buNone/>
+              <a:defRPr sz="1600" b="1"/>
+            </a:lvl9pPr>
+          </a:lstStyle>
+          <a:p>
+            <a:pPr lvl="0"/>
+            <a:r>
+              <a:rPr lang="en-US" smtClean="0"/>
+              <a:t>Edit Master text styles</a:t>
+            </a:r>
+          </a:p>
+        </p:txBody>
+      </p:sp>
+      <p:sp>
+        <p:nvSpPr>
+          <p:cNvPr id="30" name="Picture Placeholder 2"/>
+          <p:cNvSpPr>
+            <a:spLocks noGrp="1" noChangeAspect="1"/>
+          </p:cNvSpPr>
+          <p:nvPr>
+            <p:ph type="pic" idx="21"/>
+          </p:nvPr>
+        </p:nvSpPr>
+        <p:spPr>
+          <a:xfrm>
+            <a:off x="3889374" y="2209800"/>
+            <a:ext cx="2930525" cy="1524000"/>
+          </a:xfrm>
+          <a:prstGeom prst="roundRect">
+            <a:avLst>
+              <a:gd name="adj" fmla="val 1858"/>
+            </a:avLst>
+          </a:prstGeom>
+          <a:effectLst>
+            <a:outerShdw blurRad="50800" dist="50800" dir="5400000" algn="tl" rotWithShape="0">
+              <a:srgbClr val="000000">
+                <a:alpha val="43000"/>
+              </a:srgbClr>
+            </a:outerShdw>
+          </a:effectLst>
+        </p:spPr>
+        <p:txBody>
+          <a:bodyPr anchor="t">
+            <a:normAutofit/>
+          </a:bodyPr>
+          <a:lstStyle>
+            <a:lvl1pPr marL="0" indent="0" algn="ctr">
+              <a:buNone/>
+              <a:defRPr sz="1600"/>
+            </a:lvl1pPr>
+            <a:lvl2pPr marL="457200" indent="0">
+              <a:buNone/>
+              <a:defRPr sz="1600"/>
+            </a:lvl2pPr>
+            <a:lvl3pPr marL="914400" indent="0">
+              <a:buNone/>
+              <a:defRPr sz="1600"/>
+            </a:lvl3pPr>
+            <a:lvl4pPr marL="1371600" indent="0">
+              <a:buNone/>
+              <a:defRPr sz="1600"/>
+            </a:lvl4pPr>
+            <a:lvl5pPr marL="1828800" indent="0">
+              <a:buNone/>
+              <a:defRPr sz="1600"/>
+            </a:lvl5pPr>
+            <a:lvl6pPr marL="2286000" indent="0">
+              <a:buNone/>
+              <a:defRPr sz="1600"/>
+            </a:lvl6pPr>
+            <a:lvl7pPr marL="2743200" indent="0">
+              <a:buNone/>
+              <a:defRPr sz="1600"/>
+            </a:lvl7pPr>
+            <a:lvl8pPr marL="3200400" indent="0">
+              <a:buNone/>
+              <a:defRPr sz="1600"/>
+            </a:lvl8pPr>
+            <a:lvl9pPr marL="3657600" indent="0">
+              <a:buNone/>
+              <a:defRPr sz="1600"/>
+            </a:lvl9pPr>
+          </a:lstStyle>
+          <a:p>
+            <a:r>
+              <a:rPr lang="en-US" smtClean="0"/>
+              <a:t>Click icon to add picture</a:t>
+            </a:r>
+            <a:endParaRPr lang="en-US" dirty="0"/>
+          </a:p>
+        </p:txBody>
+      </p:sp>
+      <p:sp>
+        <p:nvSpPr>
+          <p:cNvPr id="23" name="Text Placeholder 3"/>
+          <p:cNvSpPr>
+            <a:spLocks noGrp="1"/>
+          </p:cNvSpPr>
+          <p:nvPr>
+            <p:ph type="body" sz="half" idx="19"/>
+          </p:nvPr>
+        </p:nvSpPr>
+        <p:spPr>
+          <a:xfrm>
+            <a:off x="3888022" y="4827210"/>
+            <a:ext cx="2934406" cy="659189"/>
+          </a:xfrm>
+        </p:spPr>
+        <p:txBody>
+          <a:bodyPr anchor="t">
+            <a:normAutofit/>
+          </a:bodyPr>
+          <a:lstStyle>
+            <a:lvl1pPr marL="0" indent="0">
+              <a:buNone/>
+              <a:defRPr sz="1400"/>
+            </a:lvl1pPr>
+            <a:lvl2pPr marL="457200" indent="0">
+              <a:buNone/>
+              <a:defRPr sz="1200"/>
+            </a:lvl2pPr>
+            <a:lvl3pPr marL="914400" indent="0">
+              <a:buNone/>
+              <a:defRPr sz="1000"/>
+            </a:lvl3pPr>
+            <a:lvl4pPr marL="1371600" indent="0">
+              <a:buNone/>
+              <a:defRPr sz="900"/>
+            </a:lvl4pPr>
+            <a:lvl5pPr marL="1828800" indent="0">
+              <a:buNone/>
+              <a:defRPr sz="900"/>
+            </a:lvl5pPr>
+            <a:lvl6pPr marL="2286000" indent="0">
+              <a:buNone/>
+              <a:defRPr sz="900"/>
+            </a:lvl6pPr>
+            <a:lvl7pPr marL="2743200" indent="0">
+              <a:buNone/>
+              <a:defRPr sz="900"/>
+            </a:lvl7pPr>
+            <a:lvl8pPr marL="3200400" indent="0">
+              <a:buNone/>
+              <a:defRPr sz="900"/>
+            </a:lvl8pPr>
+            <a:lvl9pPr marL="3657600" indent="0">
+              <a:buNone/>
+              <a:defRPr sz="900"/>
+            </a:lvl9pPr>
+          </a:lstStyle>
+          <a:p>
+            <a:pPr lvl="0"/>
+            <a:r>
+              <a:rPr lang="en-US" smtClean="0"/>
+              <a:t>Edit Master text styles</a:t>
+            </a:r>
+          </a:p>
+        </p:txBody>
+      </p:sp>
+      <p:sp>
+        <p:nvSpPr>
+          <p:cNvPr id="14" name="Text Placeholder 4"/>
+          <p:cNvSpPr>
+            <a:spLocks noGrp="1"/>
+          </p:cNvSpPr>
+          <p:nvPr>
+            <p:ph type="body" sz="quarter" idx="13"/>
+          </p:nvPr>
+        </p:nvSpPr>
+        <p:spPr>
+          <a:xfrm>
+            <a:off x="7124700" y="4250949"/>
+            <a:ext cx="2932113" cy="576262"/>
+          </a:xfrm>
+        </p:spPr>
+        <p:txBody>
+          <a:bodyPr anchor="b">
+            <a:noAutofit/>
+          </a:bodyPr>
+          <a:lstStyle>
+            <a:lvl1pPr marL="0" indent="0">
+              <a:buNone/>
+              <a:defRPr sz="2400" b="0">
+                <a:solidFill>
+                  <a:schemeClr val="bg2">
+                    <a:lumMod val="40000"/>
+                    <a:lumOff val="60000"/>
+                  </a:schemeClr>
+                </a:solidFill>
+              </a:defRPr>
+            </a:lvl1pPr>
+            <a:lvl2pPr marL="457200" indent="0">
+              <a:buNone/>
+              <a:defRPr sz="2000" b="1"/>
+            </a:lvl2pPr>
+            <a:lvl3pPr marL="914400" indent="0">
+              <a:buNone/>
+              <a:defRPr sz="1800" b="1"/>
+            </a:lvl3pPr>
+            <a:lvl4pPr marL="1371600" indent="0">
+              <a:buNone/>
+              <a:defRPr sz="1600" b="1"/>
+            </a:lvl4pPr>
+            <a:lvl5pPr marL="1828800" indent="0">
+              <a:buNone/>
+              <a:defRPr sz="1600" b="1"/>
+            </a:lvl5pPr>
+            <a:lvl6pPr marL="2286000" indent="0">
+              <a:buNone/>
+              <a:defRPr sz="1600" b="1"/>
+            </a:lvl6pPr>
+            <a:lvl7pPr marL="2743200" indent="0">
+              <a:buNone/>
+              <a:defRPr sz="1600" b="1"/>
+            </a:lvl7pPr>
+            <a:lvl8pPr marL="3200400" indent="0">
+              <a:buNone/>
+              <a:defRPr sz="1600" b="1"/>
+            </a:lvl8pPr>
+            <a:lvl9pPr marL="3657600" indent="0">
+              <a:buNone/>
+              <a:defRPr sz="1600" b="1"/>
+            </a:lvl9pPr>
+          </a:lstStyle>
+          <a:p>
+            <a:pPr lvl="0"/>
+            <a:r>
+              <a:rPr lang="en-US" smtClean="0"/>
+              <a:t>Edit Master text styles</a:t>
+            </a:r>
+          </a:p>
+        </p:txBody>
+      </p:sp>
+      <p:sp>
+        <p:nvSpPr>
+          <p:cNvPr id="31" name="Picture Placeholder 2"/>
+          <p:cNvSpPr>
+            <a:spLocks noGrp="1" noChangeAspect="1"/>
+          </p:cNvSpPr>
+          <p:nvPr>
+            <p:ph type="pic" idx="22"/>
+          </p:nvPr>
+        </p:nvSpPr>
+        <p:spPr>
+          <a:xfrm>
+            <a:off x="7124699" y="2209800"/>
+            <a:ext cx="2932113" cy="1524000"/>
+          </a:xfrm>
+          <a:prstGeom prst="roundRect">
+            <a:avLst>
+              <a:gd name="adj" fmla="val 1858"/>
+            </a:avLst>
+          </a:prstGeom>
+          <a:effectLst>
+            <a:outerShdw blurRad="50800" dist="50800" dir="5400000" algn="tl" rotWithShape="0">
+              <a:srgbClr val="000000">
+                <a:alpha val="43000"/>
+              </a:srgbClr>
+            </a:outerShdw>
+          </a:effectLst>
+        </p:spPr>
+        <p:txBody>
+          <a:bodyPr anchor="t">
+            <a:normAutofit/>
+          </a:bodyPr>
+          <a:lstStyle>
+            <a:lvl1pPr marL="0" indent="0" algn="ctr">
+              <a:buNone/>
+              <a:defRPr sz="1600"/>
+            </a:lvl1pPr>
+            <a:lvl2pPr marL="457200" indent="0">
+              <a:buNone/>
+              <a:defRPr sz="1600"/>
+            </a:lvl2pPr>
+            <a:lvl3pPr marL="914400" indent="0">
+              <a:buNone/>
+              <a:defRPr sz="1600"/>
+            </a:lvl3pPr>
+            <a:lvl4pPr marL="1371600" indent="0">
+              <a:buNone/>
+              <a:defRPr sz="1600"/>
+            </a:lvl4pPr>
+            <a:lvl5pPr marL="1828800" indent="0">
+              <a:buNone/>
+              <a:defRPr sz="1600"/>
+            </a:lvl5pPr>
+            <a:lvl6pPr marL="2286000" indent="0">
+              <a:buNone/>
+              <a:defRPr sz="1600"/>
+            </a:lvl6pPr>
+            <a:lvl7pPr marL="2743200" indent="0">
+              <a:buNone/>
+              <a:defRPr sz="1600"/>
+            </a:lvl7pPr>
+            <a:lvl8pPr marL="3200400" indent="0">
+              <a:buNone/>
+              <a:defRPr sz="1600"/>
+            </a:lvl8pPr>
+            <a:lvl9pPr marL="3657600" indent="0">
+              <a:buNone/>
+              <a:defRPr sz="1600"/>
+            </a:lvl9pPr>
+          </a:lstStyle>
+          <a:p>
+            <a:r>
+              <a:rPr lang="en-US" smtClean="0"/>
+              <a:t>Click icon to add picture</a:t>
+            </a:r>
+            <a:endParaRPr lang="en-US" dirty="0"/>
+          </a:p>
+        </p:txBody>
+      </p:sp>
+      <p:sp>
+        <p:nvSpPr>
+          <p:cNvPr id="24" name="Text Placeholder 3"/>
+          <p:cNvSpPr>
+            <a:spLocks noGrp="1"/>
+          </p:cNvSpPr>
+          <p:nvPr>
+            <p:ph type="body" sz="half" idx="20"/>
+          </p:nvPr>
+        </p:nvSpPr>
+        <p:spPr>
+          <a:xfrm>
+            <a:off x="7124575" y="4827208"/>
+            <a:ext cx="2935997" cy="659189"/>
+          </a:xfrm>
+        </p:spPr>
+        <p:txBody>
+          <a:bodyPr anchor="t">
+            <a:normAutofit/>
+          </a:bodyPr>
+          <a:lstStyle>
+            <a:lvl1pPr marL="0" indent="0">
+              <a:buNone/>
+              <a:defRPr sz="1400"/>
+            </a:lvl1pPr>
+            <a:lvl2pPr marL="457200" indent="0">
+              <a:buNone/>
+              <a:defRPr sz="1200"/>
+            </a:lvl2pPr>
+            <a:lvl3pPr marL="914400" indent="0">
+              <a:buNone/>
+              <a:defRPr sz="1000"/>
+            </a:lvl3pPr>
+            <a:lvl4pPr marL="1371600" indent="0">
+              <a:buNone/>
+              <a:defRPr sz="900"/>
+            </a:lvl4pPr>
+            <a:lvl5pPr marL="1828800" indent="0">
+              <a:buNone/>
+              <a:defRPr sz="900"/>
+            </a:lvl5pPr>
+            <a:lvl6pPr marL="2286000" indent="0">
+              <a:buNone/>
+              <a:defRPr sz="900"/>
+            </a:lvl6pPr>
+            <a:lvl7pPr marL="2743200" indent="0">
+              <a:buNone/>
+              <a:defRPr sz="900"/>
+            </a:lvl7pPr>
+            <a:lvl8pPr marL="3200400" indent="0">
+              <a:buNone/>
+              <a:defRPr sz="900"/>
+            </a:lvl8pPr>
+            <a:lvl9pPr marL="3657600" indent="0">
+              <a:buNone/>
+              <a:defRPr sz="900"/>
+            </a:lvl9pPr>
+          </a:lstStyle>
+          <a:p>
+            <a:pPr lvl="0"/>
+            <a:r>
+              <a:rPr lang="en-US" smtClean="0"/>
+              <a:t>Edit Master text styles</a:t>
+            </a:r>
+          </a:p>
+        </p:txBody>
+      </p:sp>
+      <p:cxnSp>
+        <p:nvCxnSpPr>
+          <p:cNvPr id="19" name="Straight Connector 18"/>
+          <p:cNvCxnSpPr/>
+          <p:nvPr/>
+        </p:nvCxnSpPr>
+        <p:spPr>
+          <a:xfrm>
+            <a:off x="3726142" y="2133600"/>
+            <a:ext cx="0" cy="3962400"/>
+          </a:xfrm>
+          <a:prstGeom prst="line">
+            <a:avLst/>
+          </a:prstGeom>
+          <a:ln w="12700" cmpd="sng">
+            <a:solidFill>
+              <a:schemeClr val="bg2">
+                <a:lumMod val="40000"/>
+                <a:lumOff val="60000"/>
+                <a:alpha val="40000"/>
+              </a:schemeClr>
+            </a:solidFill>
+          </a:ln>
+        </p:spPr>
+        <p:style>
+          <a:lnRef idx="2">
+            <a:schemeClr val="accent1"/>
+          </a:lnRef>
+          <a:fillRef idx="0">
+            <a:schemeClr val="accent1"/>
+          </a:fillRef>
+          <a:effectRef idx="1">
+            <a:schemeClr val="accent1"/>
+          </a:effectRef>
+          <a:fontRef idx="minor">
+            <a:schemeClr val="tx1"/>
+          </a:fontRef>
+        </p:style>
+      </p:cxnSp>
+      <p:cxnSp>
+        <p:nvCxnSpPr>
+          <p:cNvPr id="20" name="Straight Connector 19"/>
+          <p:cNvCxnSpPr/>
+          <p:nvPr/>
+        </p:nvCxnSpPr>
+        <p:spPr>
+          <a:xfrm>
+            <a:off x="6962227" y="2133600"/>
+            <a:ext cx="0" cy="3966882"/>
+          </a:xfrm>
+          <a:prstGeom prst="line">
+            <a:avLst/>
+          </a:prstGeom>
+          <a:ln w="12700" cmpd="sng">
+            <a:solidFill>
+              <a:schemeClr val="bg2">
+                <a:lumMod val="40000"/>
+                <a:lumOff val="60000"/>
+                <a:alpha val="40000"/>
+              </a:schemeClr>
+            </a:solidFill>
+          </a:ln>
+        </p:spPr>
+        <p:style>
+          <a:lnRef idx="2">
+            <a:schemeClr val="accent1"/>
+          </a:lnRef>
+          <a:fillRef idx="0">
+            <a:schemeClr val="accent1"/>
+          </a:fillRef>
+          <a:effectRef idx="1">
+            <a:schemeClr val="accent1"/>
+          </a:effectRef>
+          <a:fontRef idx="minor">
+            <a:schemeClr val="tx1"/>
+          </a:fontRef>
+        </p:style>
+      </p:cxnSp>
+      <p:sp>
+        <p:nvSpPr>
+          <p:cNvPr id="7" name="Date Placeholder 3"/>
+          <p:cNvSpPr>
+            <a:spLocks noGrp="1"/>
+          </p:cNvSpPr>
+          <p:nvPr>
+            <p:ph type="dt" sz="half" idx="10"/>
+          </p:nvPr>
+        </p:nvSpPr>
+        <p:spPr/>
+        <p:txBody>
+          <a:bodyPr/>
+          <a:lstStyle/>
+          <a:p>
+            <a:fld id="{9B224A76-EB01-42F6-9BEE-495C4C895051}" type="datetimeFigureOut">
+              <a:rPr lang="en-GB" smtClean="0"/>
+              <a:t>17/05/2019</a:t>
+            </a:fld>
+            <a:endParaRPr lang="en-GB"/>
+          </a:p>
+        </p:txBody>
+      </p:sp>
+      <p:sp>
+        <p:nvSpPr>
+          <p:cNvPr id="4" name="Footer Placeholder 4"/>
+          <p:cNvSpPr>
+            <a:spLocks noGrp="1"/>
+          </p:cNvSpPr>
+          <p:nvPr>
+            <p:ph type="ftr" sz="quarter" idx="11"/>
+          </p:nvPr>
+        </p:nvSpPr>
+        <p:spPr/>
+        <p:txBody>
+          <a:bodyPr/>
+          <a:lstStyle/>
+          <a:p>
+            <a:endParaRPr lang="en-GB"/>
+          </a:p>
+        </p:txBody>
+      </p:sp>
+      <p:sp>
+        <p:nvSpPr>
+          <p:cNvPr id="6" name="Slide Number Placeholder 5"/>
+          <p:cNvSpPr>
+            <a:spLocks noGrp="1"/>
+          </p:cNvSpPr>
+          <p:nvPr>
+            <p:ph type="sldNum" sz="quarter" idx="12"/>
+          </p:nvPr>
+        </p:nvSpPr>
+        <p:spPr/>
+        <p:txBody>
+          <a:bodyPr/>
+          <a:lstStyle/>
+          <a:p>
+            <a:fld id="{BB5FEBF0-D89A-4E68-8286-39F5B72375EF}" type="slidenum">
+              <a:rPr lang="en-GB" smtClean="0"/>
+              <a:t>‹#›</a:t>
+            </a:fld>
+            <a:endParaRPr lang="en-GB"/>
+          </a:p>
+        </p:txBody>
+      </p:sp>
+    </p:spTree>
+    <p:extLst>
+      <p:ext uri="{BB962C8B-B14F-4D97-AF65-F5344CB8AC3E}">
+        <p14:creationId xmlns:p14="http://schemas.microsoft.com/office/powerpoint/2010/main" val="1813725210"/>
+      </p:ext>
+    </p:extLst>
+  </p:cSld>
+  <p:clrMapOvr>
+    <a:masterClrMapping/>
+  </p:clrMapOvr>
+</p:sldLayout>
+</file>
+
+<file path=ppt/slideLayouts/slideLayout16.xml><?xml version="1.0" encoding="utf-8"?>
 <p:sldLayout xmlns:a="http://schemas.openxmlformats.org/drawingml/2006/main" xmlns:r="http://schemas.openxmlformats.org/officeDocument/2006/relationships" xmlns:p="http://schemas.openxmlformats.org/presentationml/2006/main" type="vertTx" preserve="1">
   <p:cSld name="Title and Vertical Text">
     <p:spTree>
@@ -348,13 +4405,7 @@
       </p:grpSpPr>
       <p:sp>
         <p:nvSpPr>
-          <p:cNvPr id="2" name="Title 1">
-            <a:extLst>
-              <a:ext uri="{FF2B5EF4-FFF2-40B4-BE49-F238E27FC236}">
-                <a16:creationId xmlns:a16="http://schemas.microsoft.com/office/drawing/2014/main" id="{7B6CB08C-B0B8-4C3F-954C-DD8F67B7D870}"/>
-              </a:ext>
-            </a:extLst>
-          </p:cNvPr>
+          <p:cNvPr id="2" name="Title 1"/>
           <p:cNvSpPr>
             <a:spLocks noGrp="1"/>
           </p:cNvSpPr>
@@ -368,22 +4419,16 @@
           <a:lstStyle/>
           <a:p>
             <a:r>
-              <a:rPr lang="en-US"/>
+              <a:rPr lang="en-US" smtClean="0"/>
               <a:t>Click to edit Master title style</a:t>
             </a:r>
-            <a:endParaRPr lang="en-GB"/>
-          </a:p>
-        </p:txBody>
-      </p:sp>
-      <p:sp>
-        <p:nvSpPr>
-          <p:cNvPr id="3" name="Vertical Text Placeholder 2">
-            <a:extLst>
-              <a:ext uri="{FF2B5EF4-FFF2-40B4-BE49-F238E27FC236}">
-                <a16:creationId xmlns:a16="http://schemas.microsoft.com/office/drawing/2014/main" id="{FBCA7CA4-F76B-42CB-92C1-9D72357EF503}"/>
-              </a:ext>
-            </a:extLst>
-          </p:cNvPr>
+            <a:endParaRPr lang="en-US" dirty="0"/>
+          </a:p>
+        </p:txBody>
+      </p:sp>
+      <p:sp>
+        <p:nvSpPr>
+          <p:cNvPr id="3" name="Vertical Text Placeholder 2"/>
           <p:cNvSpPr>
             <a:spLocks noGrp="1"/>
           </p:cNvSpPr>
@@ -393,55 +4438,49 @@
         </p:nvSpPr>
         <p:spPr/>
         <p:txBody>
-          <a:bodyPr vert="eaVert"/>
+          <a:bodyPr vert="eaVert" anchor="t" anchorCtr="0"/>
           <a:lstStyle/>
           <a:p>
             <a:pPr lvl="0"/>
             <a:r>
-              <a:rPr lang="en-US"/>
-              <a:t>Click to edit Master text styles</a:t>
+              <a:rPr lang="en-US" smtClean="0"/>
+              <a:t>Edit Master text styles</a:t>
             </a:r>
           </a:p>
           <a:p>
             <a:pPr lvl="1"/>
             <a:r>
-              <a:rPr lang="en-US"/>
+              <a:rPr lang="en-US" smtClean="0"/>
               <a:t>Second level</a:t>
             </a:r>
           </a:p>
           <a:p>
             <a:pPr lvl="2"/>
             <a:r>
-              <a:rPr lang="en-US"/>
+              <a:rPr lang="en-US" smtClean="0"/>
               <a:t>Third level</a:t>
             </a:r>
           </a:p>
           <a:p>
             <a:pPr lvl="3"/>
             <a:r>
-              <a:rPr lang="en-US"/>
+              <a:rPr lang="en-US" smtClean="0"/>
               <a:t>Fourth level</a:t>
             </a:r>
           </a:p>
           <a:p>
             <a:pPr lvl="4"/>
             <a:r>
-              <a:rPr lang="en-US"/>
+              <a:rPr lang="en-US" smtClean="0"/>
               <a:t>Fifth level</a:t>
             </a:r>
-            <a:endParaRPr lang="en-GB"/>
-          </a:p>
-        </p:txBody>
-      </p:sp>
-      <p:sp>
-        <p:nvSpPr>
-          <p:cNvPr id="4" name="Date Placeholder 3">
-            <a:extLst>
-              <a:ext uri="{FF2B5EF4-FFF2-40B4-BE49-F238E27FC236}">
-                <a16:creationId xmlns:a16="http://schemas.microsoft.com/office/drawing/2014/main" id="{C49DE4E7-3941-4AE9-A302-2482A752246E}"/>
-              </a:ext>
-            </a:extLst>
-          </p:cNvPr>
+            <a:endParaRPr lang="en-US" dirty="0"/>
+          </a:p>
+        </p:txBody>
+      </p:sp>
+      <p:sp>
+        <p:nvSpPr>
+          <p:cNvPr id="4" name="Date Placeholder 3"/>
           <p:cNvSpPr>
             <a:spLocks noGrp="1"/>
           </p:cNvSpPr>
@@ -456,7 +4495,7 @@
           <a:p>
             <a:fld id="{9B224A76-EB01-42F6-9BEE-495C4C895051}" type="datetimeFigureOut">
               <a:rPr lang="en-GB" smtClean="0"/>
-              <a:t>16/05/2019</a:t>
+              <a:t>17/05/2019</a:t>
             </a:fld>
             <a:endParaRPr lang="en-GB"/>
           </a:p>
@@ -464,13 +4503,7 @@
       </p:sp>
       <p:sp>
         <p:nvSpPr>
-          <p:cNvPr id="5" name="Footer Placeholder 4">
-            <a:extLst>
-              <a:ext uri="{FF2B5EF4-FFF2-40B4-BE49-F238E27FC236}">
-                <a16:creationId xmlns:a16="http://schemas.microsoft.com/office/drawing/2014/main" id="{CAC5F43B-6165-431F-84FD-9A5DAFB5B8E4}"/>
-              </a:ext>
-            </a:extLst>
-          </p:cNvPr>
+          <p:cNvPr id="5" name="Footer Placeholder 4"/>
           <p:cNvSpPr>
             <a:spLocks noGrp="1"/>
           </p:cNvSpPr>
@@ -489,13 +4522,7 @@
       </p:sp>
       <p:sp>
         <p:nvSpPr>
-          <p:cNvPr id="6" name="Slide Number Placeholder 5">
-            <a:extLst>
-              <a:ext uri="{FF2B5EF4-FFF2-40B4-BE49-F238E27FC236}">
-                <a16:creationId xmlns:a16="http://schemas.microsoft.com/office/drawing/2014/main" id="{7FECE207-934A-4755-AED1-592226F6D3B4}"/>
-              </a:ext>
-            </a:extLst>
-          </p:cNvPr>
+          <p:cNvPr id="6" name="Slide Number Placeholder 5"/>
           <p:cNvSpPr>
             <a:spLocks noGrp="1"/>
           </p:cNvSpPr>
@@ -519,7 +4546,7 @@
     </p:spTree>
     <p:extLst>
       <p:ext uri="{BB962C8B-B14F-4D97-AF65-F5344CB8AC3E}">
-        <p14:creationId xmlns:p14="http://schemas.microsoft.com/office/powerpoint/2010/main" val="2648046927"/>
+        <p14:creationId xmlns:p14="http://schemas.microsoft.com/office/powerpoint/2010/main" val="579126619"/>
       </p:ext>
     </p:extLst>
   </p:cSld>
@@ -529,7 +4556,7 @@
 </p:sldLayout>
 </file>
 
-<file path=ppt/slideLayouts/slideLayout11.xml><?xml version="1.0" encoding="utf-8"?>
+<file path=ppt/slideLayouts/slideLayout17.xml><?xml version="1.0" encoding="utf-8"?>
 <p:sldLayout xmlns:a="http://schemas.openxmlformats.org/drawingml/2006/main" xmlns:r="http://schemas.openxmlformats.org/officeDocument/2006/relationships" xmlns:p="http://schemas.openxmlformats.org/presentationml/2006/main" type="vertTitleAndTx" preserve="1">
   <p:cSld name="Vertical Title and Text">
     <p:spTree>
@@ -548,13 +4575,7 @@
       </p:grpSpPr>
       <p:sp>
         <p:nvSpPr>
-          <p:cNvPr id="2" name="Vertical Title 1">
-            <a:extLst>
-              <a:ext uri="{FF2B5EF4-FFF2-40B4-BE49-F238E27FC236}">
-                <a16:creationId xmlns:a16="http://schemas.microsoft.com/office/drawing/2014/main" id="{767F81F4-D5AC-4B67-A0D7-FE4848D28EE8}"/>
-              </a:ext>
-            </a:extLst>
-          </p:cNvPr>
+          <p:cNvPr id="2" name="Vertical Title 1"/>
           <p:cNvSpPr>
             <a:spLocks noGrp="1"/>
           </p:cNvSpPr>
@@ -564,31 +4585,25 @@
         </p:nvSpPr>
         <p:spPr>
           <a:xfrm>
-            <a:off x="8724900" y="365125"/>
-            <a:ext cx="2628900" cy="5811838"/>
+            <a:off x="8304212" y="430213"/>
+            <a:ext cx="1752601" cy="5826125"/>
           </a:xfrm>
         </p:spPr>
         <p:txBody>
-          <a:bodyPr vert="eaVert"/>
-          <a:lstStyle/>
-          <a:p>
-            <a:r>
-              <a:rPr lang="en-US"/>
+          <a:bodyPr vert="eaVert" anchor="b" anchorCtr="0"/>
+          <a:lstStyle/>
+          <a:p>
+            <a:r>
+              <a:rPr lang="en-US" smtClean="0"/>
               <a:t>Click to edit Master title style</a:t>
             </a:r>
-            <a:endParaRPr lang="en-GB"/>
-          </a:p>
-        </p:txBody>
-      </p:sp>
-      <p:sp>
-        <p:nvSpPr>
-          <p:cNvPr id="3" name="Vertical Text Placeholder 2">
-            <a:extLst>
-              <a:ext uri="{FF2B5EF4-FFF2-40B4-BE49-F238E27FC236}">
-                <a16:creationId xmlns:a16="http://schemas.microsoft.com/office/drawing/2014/main" id="{EF2AB755-5C4B-41E7-9213-21043913D757}"/>
-              </a:ext>
-            </a:extLst>
-          </p:cNvPr>
+            <a:endParaRPr lang="en-US" dirty="0"/>
+          </a:p>
+        </p:txBody>
+      </p:sp>
+      <p:sp>
+        <p:nvSpPr>
+          <p:cNvPr id="3" name="Vertical Text Placeholder 2"/>
           <p:cNvSpPr>
             <a:spLocks noGrp="1"/>
           </p:cNvSpPr>
@@ -598,8 +4613,8 @@
         </p:nvSpPr>
         <p:spPr>
           <a:xfrm>
-            <a:off x="838200" y="365125"/>
-            <a:ext cx="7734300" cy="5811838"/>
+            <a:off x="652463" y="887414"/>
+            <a:ext cx="7423149" cy="5368924"/>
           </a:xfrm>
         </p:spPr>
         <p:txBody>
@@ -608,50 +4623,44 @@
           <a:p>
             <a:pPr lvl="0"/>
             <a:r>
-              <a:rPr lang="en-US"/>
-              <a:t>Click to edit Master text styles</a:t>
+              <a:rPr lang="en-US" smtClean="0"/>
+              <a:t>Edit Master text styles</a:t>
             </a:r>
           </a:p>
           <a:p>
             <a:pPr lvl="1"/>
             <a:r>
-              <a:rPr lang="en-US"/>
+              <a:rPr lang="en-US" smtClean="0"/>
               <a:t>Second level</a:t>
             </a:r>
           </a:p>
           <a:p>
             <a:pPr lvl="2"/>
             <a:r>
-              <a:rPr lang="en-US"/>
+              <a:rPr lang="en-US" smtClean="0"/>
               <a:t>Third level</a:t>
             </a:r>
           </a:p>
           <a:p>
             <a:pPr lvl="3"/>
             <a:r>
-              <a:rPr lang="en-US"/>
+              <a:rPr lang="en-US" smtClean="0"/>
               <a:t>Fourth level</a:t>
             </a:r>
           </a:p>
           <a:p>
             <a:pPr lvl="4"/>
             <a:r>
-              <a:rPr lang="en-US"/>
+              <a:rPr lang="en-US" smtClean="0"/>
               <a:t>Fifth level</a:t>
             </a:r>
-            <a:endParaRPr lang="en-GB"/>
-          </a:p>
-        </p:txBody>
-      </p:sp>
-      <p:sp>
-        <p:nvSpPr>
-          <p:cNvPr id="4" name="Date Placeholder 3">
-            <a:extLst>
-              <a:ext uri="{FF2B5EF4-FFF2-40B4-BE49-F238E27FC236}">
-                <a16:creationId xmlns:a16="http://schemas.microsoft.com/office/drawing/2014/main" id="{BA5F337D-5620-4CAE-A982-4000BCD37790}"/>
-              </a:ext>
-            </a:extLst>
-          </p:cNvPr>
+            <a:endParaRPr lang="en-US" dirty="0"/>
+          </a:p>
+        </p:txBody>
+      </p:sp>
+      <p:sp>
+        <p:nvSpPr>
+          <p:cNvPr id="4" name="Date Placeholder 3"/>
           <p:cNvSpPr>
             <a:spLocks noGrp="1"/>
           </p:cNvSpPr>
@@ -666,7 +4675,7 @@
           <a:p>
             <a:fld id="{9B224A76-EB01-42F6-9BEE-495C4C895051}" type="datetimeFigureOut">
               <a:rPr lang="en-GB" smtClean="0"/>
-              <a:t>16/05/2019</a:t>
+              <a:t>17/05/2019</a:t>
             </a:fld>
             <a:endParaRPr lang="en-GB"/>
           </a:p>
@@ -674,13 +4683,7 @@
       </p:sp>
       <p:sp>
         <p:nvSpPr>
-          <p:cNvPr id="5" name="Footer Placeholder 4">
-            <a:extLst>
-              <a:ext uri="{FF2B5EF4-FFF2-40B4-BE49-F238E27FC236}">
-                <a16:creationId xmlns:a16="http://schemas.microsoft.com/office/drawing/2014/main" id="{877800E6-C8AA-412B-9315-A5D9922872DC}"/>
-              </a:ext>
-            </a:extLst>
-          </p:cNvPr>
+          <p:cNvPr id="5" name="Footer Placeholder 4"/>
           <p:cNvSpPr>
             <a:spLocks noGrp="1"/>
           </p:cNvSpPr>
@@ -699,13 +4702,7 @@
       </p:sp>
       <p:sp>
         <p:nvSpPr>
-          <p:cNvPr id="6" name="Slide Number Placeholder 5">
-            <a:extLst>
-              <a:ext uri="{FF2B5EF4-FFF2-40B4-BE49-F238E27FC236}">
-                <a16:creationId xmlns:a16="http://schemas.microsoft.com/office/drawing/2014/main" id="{1E8ECC7E-2F0B-4440-9F21-5DA9B32627AB}"/>
-              </a:ext>
-            </a:extLst>
-          </p:cNvPr>
+          <p:cNvPr id="6" name="Slide Number Placeholder 5"/>
           <p:cNvSpPr>
             <a:spLocks noGrp="1"/>
           </p:cNvSpPr>
@@ -729,7 +4726,7 @@
     </p:spTree>
     <p:extLst>
       <p:ext uri="{BB962C8B-B14F-4D97-AF65-F5344CB8AC3E}">
-        <p14:creationId xmlns:p14="http://schemas.microsoft.com/office/powerpoint/2010/main" val="2134935343"/>
+        <p14:creationId xmlns:p14="http://schemas.microsoft.com/office/powerpoint/2010/main" val="1497337"/>
       </p:ext>
     </p:extLst>
   </p:cSld>
@@ -758,13 +4755,7 @@
       </p:grpSpPr>
       <p:sp>
         <p:nvSpPr>
-          <p:cNvPr id="2" name="Title 1">
-            <a:extLst>
-              <a:ext uri="{FF2B5EF4-FFF2-40B4-BE49-F238E27FC236}">
-                <a16:creationId xmlns:a16="http://schemas.microsoft.com/office/drawing/2014/main" id="{55B66EA0-C236-4E50-BA98-FEB46502A824}"/>
-              </a:ext>
-            </a:extLst>
-          </p:cNvPr>
+          <p:cNvPr id="2" name="Title 1"/>
           <p:cNvSpPr>
             <a:spLocks noGrp="1"/>
           </p:cNvSpPr>
@@ -778,22 +4769,16 @@
           <a:lstStyle/>
           <a:p>
             <a:r>
-              <a:rPr lang="en-US"/>
+              <a:rPr lang="en-US" smtClean="0"/>
               <a:t>Click to edit Master title style</a:t>
             </a:r>
-            <a:endParaRPr lang="en-GB"/>
-          </a:p>
-        </p:txBody>
-      </p:sp>
-      <p:sp>
-        <p:nvSpPr>
-          <p:cNvPr id="3" name="Content Placeholder 2">
-            <a:extLst>
-              <a:ext uri="{FF2B5EF4-FFF2-40B4-BE49-F238E27FC236}">
-                <a16:creationId xmlns:a16="http://schemas.microsoft.com/office/drawing/2014/main" id="{1D22CC52-A5FD-4DA6-B7C6-FFFB73CB592D}"/>
-              </a:ext>
-            </a:extLst>
-          </p:cNvPr>
+            <a:endParaRPr lang="en-US" dirty="0"/>
+          </a:p>
+        </p:txBody>
+      </p:sp>
+      <p:sp>
+        <p:nvSpPr>
+          <p:cNvPr id="3" name="Content Placeholder 2"/>
           <p:cNvSpPr>
             <a:spLocks noGrp="1"/>
           </p:cNvSpPr>
@@ -808,50 +4793,44 @@
           <a:p>
             <a:pPr lvl="0"/>
             <a:r>
-              <a:rPr lang="en-US"/>
-              <a:t>Click to edit Master text styles</a:t>
+              <a:rPr lang="en-US" smtClean="0"/>
+              <a:t>Edit Master text styles</a:t>
             </a:r>
           </a:p>
           <a:p>
             <a:pPr lvl="1"/>
             <a:r>
-              <a:rPr lang="en-US"/>
+              <a:rPr lang="en-US" smtClean="0"/>
               <a:t>Second level</a:t>
             </a:r>
           </a:p>
           <a:p>
             <a:pPr lvl="2"/>
             <a:r>
-              <a:rPr lang="en-US"/>
+              <a:rPr lang="en-US" smtClean="0"/>
               <a:t>Third level</a:t>
             </a:r>
           </a:p>
           <a:p>
             <a:pPr lvl="3"/>
             <a:r>
-              <a:rPr lang="en-US"/>
+              <a:rPr lang="en-US" smtClean="0"/>
               <a:t>Fourth level</a:t>
             </a:r>
           </a:p>
           <a:p>
             <a:pPr lvl="4"/>
             <a:r>
-              <a:rPr lang="en-US"/>
+              <a:rPr lang="en-US" smtClean="0"/>
               <a:t>Fifth level</a:t>
             </a:r>
-            <a:endParaRPr lang="en-GB"/>
-          </a:p>
-        </p:txBody>
-      </p:sp>
-      <p:sp>
-        <p:nvSpPr>
-          <p:cNvPr id="4" name="Date Placeholder 3">
-            <a:extLst>
-              <a:ext uri="{FF2B5EF4-FFF2-40B4-BE49-F238E27FC236}">
-                <a16:creationId xmlns:a16="http://schemas.microsoft.com/office/drawing/2014/main" id="{67FC035B-89E5-4CFC-865D-D3C0A8C86A29}"/>
-              </a:ext>
-            </a:extLst>
-          </p:cNvPr>
+            <a:endParaRPr lang="en-US" dirty="0"/>
+          </a:p>
+        </p:txBody>
+      </p:sp>
+      <p:sp>
+        <p:nvSpPr>
+          <p:cNvPr id="7" name="Date Placeholder 3"/>
           <p:cNvSpPr>
             <a:spLocks noGrp="1"/>
           </p:cNvSpPr>
@@ -866,7 +4845,7 @@
           <a:p>
             <a:fld id="{9B224A76-EB01-42F6-9BEE-495C4C895051}" type="datetimeFigureOut">
               <a:rPr lang="en-GB" smtClean="0"/>
-              <a:t>16/05/2019</a:t>
+              <a:t>17/05/2019</a:t>
             </a:fld>
             <a:endParaRPr lang="en-GB"/>
           </a:p>
@@ -874,13 +4853,7 @@
       </p:sp>
       <p:sp>
         <p:nvSpPr>
-          <p:cNvPr id="5" name="Footer Placeholder 4">
-            <a:extLst>
-              <a:ext uri="{FF2B5EF4-FFF2-40B4-BE49-F238E27FC236}">
-                <a16:creationId xmlns:a16="http://schemas.microsoft.com/office/drawing/2014/main" id="{A4D87ECB-7132-4147-B33C-6D63E02B9641}"/>
-              </a:ext>
-            </a:extLst>
-          </p:cNvPr>
+          <p:cNvPr id="5" name="Footer Placeholder 4"/>
           <p:cNvSpPr>
             <a:spLocks noGrp="1"/>
           </p:cNvSpPr>
@@ -899,13 +4872,7 @@
       </p:sp>
       <p:sp>
         <p:nvSpPr>
-          <p:cNvPr id="6" name="Slide Number Placeholder 5">
-            <a:extLst>
-              <a:ext uri="{FF2B5EF4-FFF2-40B4-BE49-F238E27FC236}">
-                <a16:creationId xmlns:a16="http://schemas.microsoft.com/office/drawing/2014/main" id="{2FE88278-3152-4A14-9A7E-D41DC1F2501F}"/>
-              </a:ext>
-            </a:extLst>
-          </p:cNvPr>
+          <p:cNvPr id="6" name="Slide Number Placeholder 5"/>
           <p:cNvSpPr>
             <a:spLocks noGrp="1"/>
           </p:cNvSpPr>
@@ -929,7 +4896,7 @@
     </p:spTree>
     <p:extLst>
       <p:ext uri="{BB962C8B-B14F-4D97-AF65-F5344CB8AC3E}">
-        <p14:creationId xmlns:p14="http://schemas.microsoft.com/office/powerpoint/2010/main" val="3074255442"/>
+        <p14:creationId xmlns:p14="http://schemas.microsoft.com/office/powerpoint/2010/main" val="3927864142"/>
       </p:ext>
     </p:extLst>
   </p:cSld>
@@ -958,13 +4925,7 @@
       </p:grpSpPr>
       <p:sp>
         <p:nvSpPr>
-          <p:cNvPr id="2" name="Title 1">
-            <a:extLst>
-              <a:ext uri="{FF2B5EF4-FFF2-40B4-BE49-F238E27FC236}">
-                <a16:creationId xmlns:a16="http://schemas.microsoft.com/office/drawing/2014/main" id="{4FE38C98-3A73-4A6C-9AFB-D065FACD3EBD}"/>
-              </a:ext>
-            </a:extLst>
-          </p:cNvPr>
+          <p:cNvPr id="2" name="Title 1"/>
           <p:cNvSpPr>
             <a:spLocks noGrp="1"/>
           </p:cNvSpPr>
@@ -974,35 +4935,29 @@
         </p:nvSpPr>
         <p:spPr>
           <a:xfrm>
-            <a:off x="831850" y="1709738"/>
-            <a:ext cx="10515600" cy="2852737"/>
+            <a:off x="1154956" y="2861733"/>
+            <a:ext cx="8825657" cy="1915647"/>
           </a:xfrm>
         </p:spPr>
         <p:txBody>
           <a:bodyPr anchor="b"/>
           <a:lstStyle>
-            <a:lvl1pPr>
-              <a:defRPr sz="6000"/>
+            <a:lvl1pPr algn="l">
+              <a:defRPr sz="4000" b="0" cap="none"/>
             </a:lvl1pPr>
           </a:lstStyle>
           <a:p>
             <a:r>
-              <a:rPr lang="en-US"/>
+              <a:rPr lang="en-US" smtClean="0"/>
               <a:t>Click to edit Master title style</a:t>
             </a:r>
-            <a:endParaRPr lang="en-GB"/>
-          </a:p>
-        </p:txBody>
-      </p:sp>
-      <p:sp>
-        <p:nvSpPr>
-          <p:cNvPr id="3" name="Text Placeholder 2">
-            <a:extLst>
-              <a:ext uri="{FF2B5EF4-FFF2-40B4-BE49-F238E27FC236}">
-                <a16:creationId xmlns:a16="http://schemas.microsoft.com/office/drawing/2014/main" id="{990A4753-435F-474B-8F84-E3FF7E4B75D0}"/>
-              </a:ext>
-            </a:extLst>
-          </p:cNvPr>
+            <a:endParaRPr lang="en-US" dirty="0"/>
+          </a:p>
+        </p:txBody>
+      </p:sp>
+      <p:sp>
+        <p:nvSpPr>
+          <p:cNvPr id="3" name="Text Placeholder 2"/>
           <p:cNvSpPr>
             <a:spLocks noGrp="1"/>
           </p:cNvSpPr>
@@ -1012,26 +4967,27 @@
         </p:nvSpPr>
         <p:spPr>
           <a:xfrm>
-            <a:off x="831850" y="4589463"/>
-            <a:ext cx="10515600" cy="1500187"/>
+            <a:off x="1154955" y="4777381"/>
+            <a:ext cx="8825658" cy="860400"/>
           </a:xfrm>
         </p:spPr>
         <p:txBody>
-          <a:bodyPr/>
+          <a:bodyPr anchor="t"/>
           <a:lstStyle>
-            <a:lvl1pPr marL="0" indent="0">
-              <a:buNone/>
-              <a:defRPr sz="2400">
+            <a:lvl1pPr marL="0" indent="0" algn="l">
+              <a:buNone/>
+              <a:defRPr sz="2000" cap="all">
                 <a:solidFill>
-                  <a:schemeClr val="tx1">
-                    <a:tint val="75000"/>
+                  <a:schemeClr val="bg2">
+                    <a:lumMod val="40000"/>
+                    <a:lumOff val="60000"/>
                   </a:schemeClr>
                 </a:solidFill>
               </a:defRPr>
             </a:lvl1pPr>
             <a:lvl2pPr marL="457200" indent="0">
               <a:buNone/>
-              <a:defRPr sz="2000">
+              <a:defRPr sz="1800">
                 <a:solidFill>
                   <a:schemeClr val="tx1">
                     <a:tint val="75000"/>
@@ -1041,7 +4997,7 @@
             </a:lvl2pPr>
             <a:lvl3pPr marL="914400" indent="0">
               <a:buNone/>
-              <a:defRPr sz="1800">
+              <a:defRPr sz="1600">
                 <a:solidFill>
                   <a:schemeClr val="tx1">
                     <a:tint val="75000"/>
@@ -1051,7 +5007,7 @@
             </a:lvl3pPr>
             <a:lvl4pPr marL="1371600" indent="0">
               <a:buNone/>
-              <a:defRPr sz="1600">
+              <a:defRPr sz="1400">
                 <a:solidFill>
                   <a:schemeClr val="tx1">
                     <a:tint val="75000"/>
@@ -1061,7 +5017,7 @@
             </a:lvl4pPr>
             <a:lvl5pPr marL="1828800" indent="0">
               <a:buNone/>
-              <a:defRPr sz="1600">
+              <a:defRPr sz="1400">
                 <a:solidFill>
                   <a:schemeClr val="tx1">
                     <a:tint val="75000"/>
@@ -1071,7 +5027,7 @@
             </a:lvl5pPr>
             <a:lvl6pPr marL="2286000" indent="0">
               <a:buNone/>
-              <a:defRPr sz="1600">
+              <a:defRPr sz="1400">
                 <a:solidFill>
                   <a:schemeClr val="tx1">
                     <a:tint val="75000"/>
@@ -1081,7 +5037,7 @@
             </a:lvl6pPr>
             <a:lvl7pPr marL="2743200" indent="0">
               <a:buNone/>
-              <a:defRPr sz="1600">
+              <a:defRPr sz="1400">
                 <a:solidFill>
                   <a:schemeClr val="tx1">
                     <a:tint val="75000"/>
@@ -1091,7 +5047,7 @@
             </a:lvl7pPr>
             <a:lvl8pPr marL="3200400" indent="0">
               <a:buNone/>
-              <a:defRPr sz="1600">
+              <a:defRPr sz="1400">
                 <a:solidFill>
                   <a:schemeClr val="tx1">
                     <a:tint val="75000"/>
@@ -1101,7 +5057,7 @@
             </a:lvl8pPr>
             <a:lvl9pPr marL="3657600" indent="0">
               <a:buNone/>
-              <a:defRPr sz="1600">
+              <a:defRPr sz="1400">
                 <a:solidFill>
                   <a:schemeClr val="tx1">
                     <a:tint val="75000"/>
@@ -1113,21 +5069,15 @@
           <a:p>
             <a:pPr lvl="0"/>
             <a:r>
-              <a:rPr lang="en-US"/>
-              <a:t>Click to edit Master text styles</a:t>
-            </a:r>
-          </a:p>
-        </p:txBody>
-      </p:sp>
-      <p:sp>
-        <p:nvSpPr>
-          <p:cNvPr id="4" name="Date Placeholder 3">
-            <a:extLst>
-              <a:ext uri="{FF2B5EF4-FFF2-40B4-BE49-F238E27FC236}">
-                <a16:creationId xmlns:a16="http://schemas.microsoft.com/office/drawing/2014/main" id="{11565428-2474-4B31-9D35-9FC2C019BEC1}"/>
-              </a:ext>
-            </a:extLst>
-          </p:cNvPr>
+              <a:rPr lang="en-US" smtClean="0"/>
+              <a:t>Edit Master text styles</a:t>
+            </a:r>
+          </a:p>
+        </p:txBody>
+      </p:sp>
+      <p:sp>
+        <p:nvSpPr>
+          <p:cNvPr id="4" name="Date Placeholder 3"/>
           <p:cNvSpPr>
             <a:spLocks noGrp="1"/>
           </p:cNvSpPr>
@@ -1142,7 +5092,7 @@
           <a:p>
             <a:fld id="{9B224A76-EB01-42F6-9BEE-495C4C895051}" type="datetimeFigureOut">
               <a:rPr lang="en-GB" smtClean="0"/>
-              <a:t>16/05/2019</a:t>
+              <a:t>17/05/2019</a:t>
             </a:fld>
             <a:endParaRPr lang="en-GB"/>
           </a:p>
@@ -1150,13 +5100,7 @@
       </p:sp>
       <p:sp>
         <p:nvSpPr>
-          <p:cNvPr id="5" name="Footer Placeholder 4">
-            <a:extLst>
-              <a:ext uri="{FF2B5EF4-FFF2-40B4-BE49-F238E27FC236}">
-                <a16:creationId xmlns:a16="http://schemas.microsoft.com/office/drawing/2014/main" id="{04E4E9A5-E6BB-48D3-8A29-A50989BEDD4F}"/>
-              </a:ext>
-            </a:extLst>
-          </p:cNvPr>
+          <p:cNvPr id="5" name="Footer Placeholder 4"/>
           <p:cNvSpPr>
             <a:spLocks noGrp="1"/>
           </p:cNvSpPr>
@@ -1175,13 +5119,7 @@
       </p:sp>
       <p:sp>
         <p:nvSpPr>
-          <p:cNvPr id="6" name="Slide Number Placeholder 5">
-            <a:extLst>
-              <a:ext uri="{FF2B5EF4-FFF2-40B4-BE49-F238E27FC236}">
-                <a16:creationId xmlns:a16="http://schemas.microsoft.com/office/drawing/2014/main" id="{6E6749C9-7875-48C0-B2A6-BF20142FE7E2}"/>
-              </a:ext>
-            </a:extLst>
-          </p:cNvPr>
+          <p:cNvPr id="6" name="Slide Number Placeholder 5"/>
           <p:cNvSpPr>
             <a:spLocks noGrp="1"/>
           </p:cNvSpPr>
@@ -1205,7 +5143,7 @@
     </p:spTree>
     <p:extLst>
       <p:ext uri="{BB962C8B-B14F-4D97-AF65-F5344CB8AC3E}">
-        <p14:creationId xmlns:p14="http://schemas.microsoft.com/office/powerpoint/2010/main" val="1075978472"/>
+        <p14:creationId xmlns:p14="http://schemas.microsoft.com/office/powerpoint/2010/main" val="835469552"/>
       </p:ext>
     </p:extLst>
   </p:cSld>
@@ -1234,13 +5172,7 @@
       </p:grpSpPr>
       <p:sp>
         <p:nvSpPr>
-          <p:cNvPr id="2" name="Title 1">
-            <a:extLst>
-              <a:ext uri="{FF2B5EF4-FFF2-40B4-BE49-F238E27FC236}">
-                <a16:creationId xmlns:a16="http://schemas.microsoft.com/office/drawing/2014/main" id="{D6B86689-5196-4F4D-9D89-2A6ECA837775}"/>
-              </a:ext>
-            </a:extLst>
-          </p:cNvPr>
+          <p:cNvPr id="2" name="Title 1"/>
           <p:cNvSpPr>
             <a:spLocks noGrp="1"/>
           </p:cNvSpPr>
@@ -1254,22 +5186,16 @@
           <a:lstStyle/>
           <a:p>
             <a:r>
-              <a:rPr lang="en-US"/>
+              <a:rPr lang="en-US" smtClean="0"/>
               <a:t>Click to edit Master title style</a:t>
             </a:r>
-            <a:endParaRPr lang="en-GB"/>
-          </a:p>
-        </p:txBody>
-      </p:sp>
-      <p:sp>
-        <p:nvSpPr>
-          <p:cNvPr id="3" name="Content Placeholder 2">
-            <a:extLst>
-              <a:ext uri="{FF2B5EF4-FFF2-40B4-BE49-F238E27FC236}">
-                <a16:creationId xmlns:a16="http://schemas.microsoft.com/office/drawing/2014/main" id="{207ABAB1-AF14-4FBD-B2AD-92F83EB61649}"/>
-              </a:ext>
-            </a:extLst>
-          </p:cNvPr>
+            <a:endParaRPr lang="en-US" dirty="0"/>
+          </a:p>
+        </p:txBody>
+      </p:sp>
+      <p:sp>
+        <p:nvSpPr>
+          <p:cNvPr id="3" name="Content Placeholder 2"/>
           <p:cNvSpPr>
             <a:spLocks noGrp="1"/>
           </p:cNvSpPr>
@@ -1279,60 +5205,84 @@
         </p:nvSpPr>
         <p:spPr>
           <a:xfrm>
-            <a:off x="838200" y="1825625"/>
-            <a:ext cx="5181600" cy="4351338"/>
+            <a:off x="1103312" y="2060575"/>
+            <a:ext cx="4396339" cy="4195763"/>
           </a:xfrm>
         </p:spPr>
         <p:txBody>
-          <a:bodyPr/>
-          <a:lstStyle/>
+          <a:bodyPr>
+            <a:normAutofit/>
+          </a:bodyPr>
+          <a:lstStyle>
+            <a:lvl1pPr>
+              <a:defRPr sz="1800"/>
+            </a:lvl1pPr>
+            <a:lvl2pPr>
+              <a:defRPr sz="1600"/>
+            </a:lvl2pPr>
+            <a:lvl3pPr>
+              <a:defRPr sz="1400"/>
+            </a:lvl3pPr>
+            <a:lvl4pPr>
+              <a:defRPr sz="1200"/>
+            </a:lvl4pPr>
+            <a:lvl5pPr>
+              <a:defRPr sz="1200"/>
+            </a:lvl5pPr>
+            <a:lvl6pPr>
+              <a:defRPr sz="1200"/>
+            </a:lvl6pPr>
+            <a:lvl7pPr>
+              <a:defRPr sz="1200"/>
+            </a:lvl7pPr>
+            <a:lvl8pPr>
+              <a:defRPr sz="1200"/>
+            </a:lvl8pPr>
+            <a:lvl9pPr>
+              <a:defRPr sz="1200"/>
+            </a:lvl9pPr>
+          </a:lstStyle>
           <a:p>
             <a:pPr lvl="0"/>
             <a:r>
-              <a:rPr lang="en-US"/>
-              <a:t>Click to edit Master text styles</a:t>
+              <a:rPr lang="en-US" smtClean="0"/>
+              <a:t>Edit Master text styles</a:t>
             </a:r>
           </a:p>
           <a:p>
             <a:pPr lvl="1"/>
             <a:r>
-              <a:rPr lang="en-US"/>
+              <a:rPr lang="en-US" smtClean="0"/>
               <a:t>Second level</a:t>
             </a:r>
           </a:p>
           <a:p>
             <a:pPr lvl="2"/>
             <a:r>
-              <a:rPr lang="en-US"/>
+              <a:rPr lang="en-US" smtClean="0"/>
               <a:t>Third level</a:t>
             </a:r>
           </a:p>
           <a:p>
             <a:pPr lvl="3"/>
             <a:r>
-              <a:rPr lang="en-US"/>
+              <a:rPr lang="en-US" smtClean="0"/>
               <a:t>Fourth level</a:t>
             </a:r>
           </a:p>
           <a:p>
             <a:pPr lvl="4"/>
             <a:r>
-              <a:rPr lang="en-US"/>
+              <a:rPr lang="en-US" smtClean="0"/>
               <a:t>Fifth level</a:t>
             </a:r>
-            <a:endParaRPr lang="en-GB"/>
-          </a:p>
-        </p:txBody>
-      </p:sp>
-      <p:sp>
-        <p:nvSpPr>
-          <p:cNvPr id="4" name="Content Placeholder 3">
-            <a:extLst>
-              <a:ext uri="{FF2B5EF4-FFF2-40B4-BE49-F238E27FC236}">
-                <a16:creationId xmlns:a16="http://schemas.microsoft.com/office/drawing/2014/main" id="{C502ACBC-6465-44EE-A2DB-A6E528252861}"/>
-              </a:ext>
-            </a:extLst>
-          </p:cNvPr>
+            <a:endParaRPr lang="en-US" dirty="0"/>
+          </a:p>
+        </p:txBody>
+      </p:sp>
+      <p:sp>
+        <p:nvSpPr>
+          <p:cNvPr id="4" name="Content Placeholder 3"/>
           <p:cNvSpPr>
             <a:spLocks noGrp="1"/>
           </p:cNvSpPr>
@@ -1342,60 +5292,84 @@
         </p:nvSpPr>
         <p:spPr>
           <a:xfrm>
-            <a:off x="6172200" y="1825625"/>
-            <a:ext cx="5181600" cy="4351338"/>
+            <a:off x="5654493" y="2056092"/>
+            <a:ext cx="4396341" cy="4200245"/>
           </a:xfrm>
         </p:spPr>
         <p:txBody>
-          <a:bodyPr/>
-          <a:lstStyle/>
+          <a:bodyPr>
+            <a:normAutofit/>
+          </a:bodyPr>
+          <a:lstStyle>
+            <a:lvl1pPr>
+              <a:defRPr sz="1800"/>
+            </a:lvl1pPr>
+            <a:lvl2pPr>
+              <a:defRPr sz="1600"/>
+            </a:lvl2pPr>
+            <a:lvl3pPr>
+              <a:defRPr sz="1400"/>
+            </a:lvl3pPr>
+            <a:lvl4pPr>
+              <a:defRPr sz="1200"/>
+            </a:lvl4pPr>
+            <a:lvl5pPr>
+              <a:defRPr sz="1200"/>
+            </a:lvl5pPr>
+            <a:lvl6pPr>
+              <a:defRPr sz="1200"/>
+            </a:lvl6pPr>
+            <a:lvl7pPr>
+              <a:defRPr sz="1200"/>
+            </a:lvl7pPr>
+            <a:lvl8pPr>
+              <a:defRPr sz="1200"/>
+            </a:lvl8pPr>
+            <a:lvl9pPr>
+              <a:defRPr sz="1200"/>
+            </a:lvl9pPr>
+          </a:lstStyle>
           <a:p>
             <a:pPr lvl="0"/>
             <a:r>
-              <a:rPr lang="en-US"/>
-              <a:t>Click to edit Master text styles</a:t>
+              <a:rPr lang="en-US" smtClean="0"/>
+              <a:t>Edit Master text styles</a:t>
             </a:r>
           </a:p>
           <a:p>
             <a:pPr lvl="1"/>
             <a:r>
-              <a:rPr lang="en-US"/>
+              <a:rPr lang="en-US" smtClean="0"/>
               <a:t>Second level</a:t>
             </a:r>
           </a:p>
           <a:p>
             <a:pPr lvl="2"/>
             <a:r>
-              <a:rPr lang="en-US"/>
+              <a:rPr lang="en-US" smtClean="0"/>
               <a:t>Third level</a:t>
             </a:r>
           </a:p>
           <a:p>
             <a:pPr lvl="3"/>
             <a:r>
-              <a:rPr lang="en-US"/>
+              <a:rPr lang="en-US" smtClean="0"/>
               <a:t>Fourth level</a:t>
             </a:r>
           </a:p>
           <a:p>
             <a:pPr lvl="4"/>
             <a:r>
-              <a:rPr lang="en-US"/>
+              <a:rPr lang="en-US" smtClean="0"/>
               <a:t>Fifth level</a:t>
             </a:r>
-            <a:endParaRPr lang="en-GB"/>
-          </a:p>
-        </p:txBody>
-      </p:sp>
-      <p:sp>
-        <p:nvSpPr>
-          <p:cNvPr id="5" name="Date Placeholder 4">
-            <a:extLst>
-              <a:ext uri="{FF2B5EF4-FFF2-40B4-BE49-F238E27FC236}">
-                <a16:creationId xmlns:a16="http://schemas.microsoft.com/office/drawing/2014/main" id="{FC926547-B7B1-40B3-BEBE-807DA5AF237F}"/>
-              </a:ext>
-            </a:extLst>
-          </p:cNvPr>
+            <a:endParaRPr lang="en-US" dirty="0"/>
+          </a:p>
+        </p:txBody>
+      </p:sp>
+      <p:sp>
+        <p:nvSpPr>
+          <p:cNvPr id="5" name="Date Placeholder 4"/>
           <p:cNvSpPr>
             <a:spLocks noGrp="1"/>
           </p:cNvSpPr>
@@ -1410,7 +5384,7 @@
           <a:p>
             <a:fld id="{9B224A76-EB01-42F6-9BEE-495C4C895051}" type="datetimeFigureOut">
               <a:rPr lang="en-GB" smtClean="0"/>
-              <a:t>16/05/2019</a:t>
+              <a:t>17/05/2019</a:t>
             </a:fld>
             <a:endParaRPr lang="en-GB"/>
           </a:p>
@@ -1418,13 +5392,7 @@
       </p:sp>
       <p:sp>
         <p:nvSpPr>
-          <p:cNvPr id="6" name="Footer Placeholder 5">
-            <a:extLst>
-              <a:ext uri="{FF2B5EF4-FFF2-40B4-BE49-F238E27FC236}">
-                <a16:creationId xmlns:a16="http://schemas.microsoft.com/office/drawing/2014/main" id="{3DBFE304-6E53-483B-BAEF-63E108C20789}"/>
-              </a:ext>
-            </a:extLst>
-          </p:cNvPr>
+          <p:cNvPr id="6" name="Footer Placeholder 5"/>
           <p:cNvSpPr>
             <a:spLocks noGrp="1"/>
           </p:cNvSpPr>
@@ -1443,13 +5411,7 @@
       </p:sp>
       <p:sp>
         <p:nvSpPr>
-          <p:cNvPr id="7" name="Slide Number Placeholder 6">
-            <a:extLst>
-              <a:ext uri="{FF2B5EF4-FFF2-40B4-BE49-F238E27FC236}">
-                <a16:creationId xmlns:a16="http://schemas.microsoft.com/office/drawing/2014/main" id="{A678262D-C844-4639-83E5-0C8C2E3B2DDF}"/>
-              </a:ext>
-            </a:extLst>
-          </p:cNvPr>
+          <p:cNvPr id="7" name="Slide Number Placeholder 6"/>
           <p:cNvSpPr>
             <a:spLocks noGrp="1"/>
           </p:cNvSpPr>
@@ -1473,7 +5435,7 @@
     </p:spTree>
     <p:extLst>
       <p:ext uri="{BB962C8B-B14F-4D97-AF65-F5344CB8AC3E}">
-        <p14:creationId xmlns:p14="http://schemas.microsoft.com/office/powerpoint/2010/main" val="3162699462"/>
+        <p14:creationId xmlns:p14="http://schemas.microsoft.com/office/powerpoint/2010/main" val="1099433018"/>
       </p:ext>
     </p:extLst>
   </p:cSld>
@@ -1502,66 +5464,62 @@
       </p:grpSpPr>
       <p:sp>
         <p:nvSpPr>
-          <p:cNvPr id="2" name="Title 1">
-            <a:extLst>
-              <a:ext uri="{FF2B5EF4-FFF2-40B4-BE49-F238E27FC236}">
-                <a16:creationId xmlns:a16="http://schemas.microsoft.com/office/drawing/2014/main" id="{ABCE80A4-DEF6-4B06-8731-9DB7C2F3968B}"/>
-              </a:ext>
-            </a:extLst>
-          </p:cNvPr>
+          <p:cNvPr id="2" name="Title 1"/>
           <p:cNvSpPr>
             <a:spLocks noGrp="1"/>
           </p:cNvSpPr>
           <p:nvPr>
             <p:ph type="title"/>
+          </p:nvPr>
+        </p:nvSpPr>
+        <p:spPr/>
+        <p:txBody>
+          <a:bodyPr/>
+          <a:lstStyle>
+            <a:lvl1pPr>
+              <a:defRPr/>
+            </a:lvl1pPr>
+          </a:lstStyle>
+          <a:p>
+            <a:r>
+              <a:rPr lang="en-US" smtClean="0"/>
+              <a:t>Click to edit Master title style</a:t>
+            </a:r>
+            <a:endParaRPr lang="en-US" dirty="0"/>
+          </a:p>
+        </p:txBody>
+      </p:sp>
+      <p:sp>
+        <p:nvSpPr>
+          <p:cNvPr id="3" name="Text Placeholder 2"/>
+          <p:cNvSpPr>
+            <a:spLocks noGrp="1"/>
+          </p:cNvSpPr>
+          <p:nvPr>
+            <p:ph type="body" idx="1"/>
           </p:nvPr>
         </p:nvSpPr>
         <p:spPr>
           <a:xfrm>
-            <a:off x="839788" y="365125"/>
-            <a:ext cx="10515600" cy="1325563"/>
+            <a:off x="1103313" y="1905000"/>
+            <a:ext cx="4396338" cy="576262"/>
           </a:xfrm>
         </p:spPr>
         <p:txBody>
-          <a:bodyPr/>
-          <a:lstStyle/>
-          <a:p>
-            <a:r>
-              <a:rPr lang="en-US"/>
-              <a:t>Click to edit Master title style</a:t>
-            </a:r>
-            <a:endParaRPr lang="en-GB"/>
-          </a:p>
-        </p:txBody>
-      </p:sp>
-      <p:sp>
-        <p:nvSpPr>
-          <p:cNvPr id="3" name="Text Placeholder 2">
-            <a:extLst>
-              <a:ext uri="{FF2B5EF4-FFF2-40B4-BE49-F238E27FC236}">
-                <a16:creationId xmlns:a16="http://schemas.microsoft.com/office/drawing/2014/main" id="{87E9610F-6D97-4B64-ADDF-6486CB3F5D21}"/>
-              </a:ext>
-            </a:extLst>
-          </p:cNvPr>
-          <p:cNvSpPr>
-            <a:spLocks noGrp="1"/>
-          </p:cNvSpPr>
-          <p:nvPr>
-            <p:ph type="body" idx="1"/>
-          </p:nvPr>
-        </p:nvSpPr>
-        <p:spPr>
-          <a:xfrm>
-            <a:off x="839788" y="1681163"/>
-            <a:ext cx="5157787" cy="823912"/>
-          </a:xfrm>
-        </p:spPr>
-        <p:txBody>
-          <a:bodyPr anchor="b"/>
+          <a:bodyPr anchor="b">
+            <a:noAutofit/>
+          </a:bodyPr>
           <a:lstStyle>
             <a:lvl1pPr marL="0" indent="0">
               <a:buNone/>
-              <a:defRPr sz="2400" b="1"/>
+              <a:defRPr sz="2400" b="0">
+                <a:solidFill>
+                  <a:schemeClr val="bg2">
+                    <a:lumMod val="40000"/>
+                    <a:lumOff val="60000"/>
+                  </a:schemeClr>
+                </a:solidFill>
+              </a:defRPr>
             </a:lvl1pPr>
             <a:lvl2pPr marL="457200" indent="0">
               <a:buNone/>
@@ -1599,21 +5557,15 @@
           <a:p>
             <a:pPr lvl="0"/>
             <a:r>
-              <a:rPr lang="en-US"/>
-              <a:t>Click to edit Master text styles</a:t>
-            </a:r>
-          </a:p>
-        </p:txBody>
-      </p:sp>
-      <p:sp>
-        <p:nvSpPr>
-          <p:cNvPr id="4" name="Content Placeholder 3">
-            <a:extLst>
-              <a:ext uri="{FF2B5EF4-FFF2-40B4-BE49-F238E27FC236}">
-                <a16:creationId xmlns:a16="http://schemas.microsoft.com/office/drawing/2014/main" id="{1B80AF20-08F9-48A9-92D4-8BEDC9DB465C}"/>
-              </a:ext>
-            </a:extLst>
-          </p:cNvPr>
+              <a:rPr lang="en-US" smtClean="0"/>
+              <a:t>Edit Master text styles</a:t>
+            </a:r>
+          </a:p>
+        </p:txBody>
+      </p:sp>
+      <p:sp>
+        <p:nvSpPr>
+          <p:cNvPr id="4" name="Content Placeholder 3"/>
           <p:cNvSpPr>
             <a:spLocks noGrp="1"/>
           </p:cNvSpPr>
@@ -1623,60 +5575,84 @@
         </p:nvSpPr>
         <p:spPr>
           <a:xfrm>
-            <a:off x="839788" y="2505075"/>
-            <a:ext cx="5157787" cy="3684588"/>
+            <a:off x="1103312" y="2514600"/>
+            <a:ext cx="4396339" cy="3741738"/>
           </a:xfrm>
         </p:spPr>
         <p:txBody>
-          <a:bodyPr/>
-          <a:lstStyle/>
+          <a:bodyPr>
+            <a:normAutofit/>
+          </a:bodyPr>
+          <a:lstStyle>
+            <a:lvl1pPr>
+              <a:defRPr sz="1800"/>
+            </a:lvl1pPr>
+            <a:lvl2pPr>
+              <a:defRPr sz="1600"/>
+            </a:lvl2pPr>
+            <a:lvl3pPr>
+              <a:defRPr sz="1400"/>
+            </a:lvl3pPr>
+            <a:lvl4pPr>
+              <a:defRPr sz="1200"/>
+            </a:lvl4pPr>
+            <a:lvl5pPr>
+              <a:defRPr sz="1200"/>
+            </a:lvl5pPr>
+            <a:lvl6pPr>
+              <a:defRPr sz="1200"/>
+            </a:lvl6pPr>
+            <a:lvl7pPr>
+              <a:defRPr sz="1200"/>
+            </a:lvl7pPr>
+            <a:lvl8pPr>
+              <a:defRPr sz="1200"/>
+            </a:lvl8pPr>
+            <a:lvl9pPr>
+              <a:defRPr sz="1200"/>
+            </a:lvl9pPr>
+          </a:lstStyle>
           <a:p>
             <a:pPr lvl="0"/>
             <a:r>
-              <a:rPr lang="en-US"/>
-              <a:t>Click to edit Master text styles</a:t>
+              <a:rPr lang="en-US" smtClean="0"/>
+              <a:t>Edit Master text styles</a:t>
             </a:r>
           </a:p>
           <a:p>
             <a:pPr lvl="1"/>
             <a:r>
-              <a:rPr lang="en-US"/>
+              <a:rPr lang="en-US" smtClean="0"/>
               <a:t>Second level</a:t>
             </a:r>
           </a:p>
           <a:p>
             <a:pPr lvl="2"/>
             <a:r>
-              <a:rPr lang="en-US"/>
+              <a:rPr lang="en-US" smtClean="0"/>
               <a:t>Third level</a:t>
             </a:r>
           </a:p>
           <a:p>
             <a:pPr lvl="3"/>
             <a:r>
-              <a:rPr lang="en-US"/>
+              <a:rPr lang="en-US" smtClean="0"/>
               <a:t>Fourth level</a:t>
             </a:r>
           </a:p>
           <a:p>
             <a:pPr lvl="4"/>
             <a:r>
-              <a:rPr lang="en-US"/>
+              <a:rPr lang="en-US" smtClean="0"/>
               <a:t>Fifth level</a:t>
             </a:r>
-            <a:endParaRPr lang="en-GB"/>
-          </a:p>
-        </p:txBody>
-      </p:sp>
-      <p:sp>
-        <p:nvSpPr>
-          <p:cNvPr id="5" name="Text Placeholder 4">
-            <a:extLst>
-              <a:ext uri="{FF2B5EF4-FFF2-40B4-BE49-F238E27FC236}">
-                <a16:creationId xmlns:a16="http://schemas.microsoft.com/office/drawing/2014/main" id="{C4D0D55F-0BF5-44B4-8B49-4C5CAAA93986}"/>
-              </a:ext>
-            </a:extLst>
-          </p:cNvPr>
+            <a:endParaRPr lang="en-US" dirty="0"/>
+          </a:p>
+        </p:txBody>
+      </p:sp>
+      <p:sp>
+        <p:nvSpPr>
+          <p:cNvPr id="5" name="Text Placeholder 4"/>
           <p:cNvSpPr>
             <a:spLocks noGrp="1"/>
           </p:cNvSpPr>
@@ -1686,16 +5662,25 @@
         </p:nvSpPr>
         <p:spPr>
           <a:xfrm>
-            <a:off x="6172200" y="1681163"/>
-            <a:ext cx="5183188" cy="823912"/>
+            <a:off x="5654495" y="1905000"/>
+            <a:ext cx="4396339" cy="576262"/>
           </a:xfrm>
         </p:spPr>
         <p:txBody>
-          <a:bodyPr anchor="b"/>
+          <a:bodyPr anchor="b">
+            <a:noAutofit/>
+          </a:bodyPr>
           <a:lstStyle>
             <a:lvl1pPr marL="0" indent="0">
               <a:buNone/>
-              <a:defRPr sz="2400" b="1"/>
+              <a:defRPr sz="2400" b="0">
+                <a:solidFill>
+                  <a:schemeClr val="bg2">
+                    <a:lumMod val="40000"/>
+                    <a:lumOff val="60000"/>
+                  </a:schemeClr>
+                </a:solidFill>
+              </a:defRPr>
             </a:lvl1pPr>
             <a:lvl2pPr marL="457200" indent="0">
               <a:buNone/>
@@ -1733,21 +5718,15 @@
           <a:p>
             <a:pPr lvl="0"/>
             <a:r>
-              <a:rPr lang="en-US"/>
-              <a:t>Click to edit Master text styles</a:t>
-            </a:r>
-          </a:p>
-        </p:txBody>
-      </p:sp>
-      <p:sp>
-        <p:nvSpPr>
-          <p:cNvPr id="6" name="Content Placeholder 5">
-            <a:extLst>
-              <a:ext uri="{FF2B5EF4-FFF2-40B4-BE49-F238E27FC236}">
-                <a16:creationId xmlns:a16="http://schemas.microsoft.com/office/drawing/2014/main" id="{51B1074A-B4FF-4896-9342-02EED55A1F0E}"/>
-              </a:ext>
-            </a:extLst>
-          </p:cNvPr>
+              <a:rPr lang="en-US" smtClean="0"/>
+              <a:t>Edit Master text styles</a:t>
+            </a:r>
+          </a:p>
+        </p:txBody>
+      </p:sp>
+      <p:sp>
+        <p:nvSpPr>
+          <p:cNvPr id="6" name="Content Placeholder 5"/>
           <p:cNvSpPr>
             <a:spLocks noGrp="1"/>
           </p:cNvSpPr>
@@ -1757,60 +5736,84 @@
         </p:nvSpPr>
         <p:spPr>
           <a:xfrm>
-            <a:off x="6172200" y="2505075"/>
-            <a:ext cx="5183188" cy="3684588"/>
+            <a:off x="5654495" y="2514600"/>
+            <a:ext cx="4396339" cy="3741738"/>
           </a:xfrm>
         </p:spPr>
         <p:txBody>
-          <a:bodyPr/>
-          <a:lstStyle/>
+          <a:bodyPr>
+            <a:normAutofit/>
+          </a:bodyPr>
+          <a:lstStyle>
+            <a:lvl1pPr>
+              <a:defRPr sz="1800"/>
+            </a:lvl1pPr>
+            <a:lvl2pPr>
+              <a:defRPr sz="1600"/>
+            </a:lvl2pPr>
+            <a:lvl3pPr>
+              <a:defRPr sz="1400"/>
+            </a:lvl3pPr>
+            <a:lvl4pPr>
+              <a:defRPr sz="1200"/>
+            </a:lvl4pPr>
+            <a:lvl5pPr>
+              <a:defRPr sz="1200"/>
+            </a:lvl5pPr>
+            <a:lvl6pPr>
+              <a:defRPr sz="1200"/>
+            </a:lvl6pPr>
+            <a:lvl7pPr>
+              <a:defRPr sz="1200"/>
+            </a:lvl7pPr>
+            <a:lvl8pPr>
+              <a:defRPr sz="1200"/>
+            </a:lvl8pPr>
+            <a:lvl9pPr>
+              <a:defRPr sz="1200"/>
+            </a:lvl9pPr>
+          </a:lstStyle>
           <a:p>
             <a:pPr lvl="0"/>
             <a:r>
-              <a:rPr lang="en-US"/>
-              <a:t>Click to edit Master text styles</a:t>
+              <a:rPr lang="en-US" smtClean="0"/>
+              <a:t>Edit Master text styles</a:t>
             </a:r>
           </a:p>
           <a:p>
             <a:pPr lvl="1"/>
             <a:r>
-              <a:rPr lang="en-US"/>
+              <a:rPr lang="en-US" smtClean="0"/>
               <a:t>Second level</a:t>
             </a:r>
           </a:p>
           <a:p>
             <a:pPr lvl="2"/>
             <a:r>
-              <a:rPr lang="en-US"/>
+              <a:rPr lang="en-US" smtClean="0"/>
               <a:t>Third level</a:t>
             </a:r>
           </a:p>
           <a:p>
             <a:pPr lvl="3"/>
             <a:r>
-              <a:rPr lang="en-US"/>
+              <a:rPr lang="en-US" smtClean="0"/>
               <a:t>Fourth level</a:t>
             </a:r>
           </a:p>
           <a:p>
             <a:pPr lvl="4"/>
             <a:r>
-              <a:rPr lang="en-US"/>
+              <a:rPr lang="en-US" smtClean="0"/>
               <a:t>Fifth level</a:t>
             </a:r>
-            <a:endParaRPr lang="en-GB"/>
-          </a:p>
-        </p:txBody>
-      </p:sp>
-      <p:sp>
-        <p:nvSpPr>
-          <p:cNvPr id="7" name="Date Placeholder 6">
-            <a:extLst>
-              <a:ext uri="{FF2B5EF4-FFF2-40B4-BE49-F238E27FC236}">
-                <a16:creationId xmlns:a16="http://schemas.microsoft.com/office/drawing/2014/main" id="{EE19D4FC-9E96-47CD-A089-EE3749564537}"/>
-              </a:ext>
-            </a:extLst>
-          </p:cNvPr>
+            <a:endParaRPr lang="en-US" dirty="0"/>
+          </a:p>
+        </p:txBody>
+      </p:sp>
+      <p:sp>
+        <p:nvSpPr>
+          <p:cNvPr id="7" name="Date Placeholder 6"/>
           <p:cNvSpPr>
             <a:spLocks noGrp="1"/>
           </p:cNvSpPr>
@@ -1825,7 +5828,7 @@
           <a:p>
             <a:fld id="{9B224A76-EB01-42F6-9BEE-495C4C895051}" type="datetimeFigureOut">
               <a:rPr lang="en-GB" smtClean="0"/>
-              <a:t>16/05/2019</a:t>
+              <a:t>17/05/2019</a:t>
             </a:fld>
             <a:endParaRPr lang="en-GB"/>
           </a:p>
@@ -1833,13 +5836,7 @@
       </p:sp>
       <p:sp>
         <p:nvSpPr>
-          <p:cNvPr id="8" name="Footer Placeholder 7">
-            <a:extLst>
-              <a:ext uri="{FF2B5EF4-FFF2-40B4-BE49-F238E27FC236}">
-                <a16:creationId xmlns:a16="http://schemas.microsoft.com/office/drawing/2014/main" id="{3556CCB3-60FB-407E-BCDB-57E43B5202E5}"/>
-              </a:ext>
-            </a:extLst>
-          </p:cNvPr>
+          <p:cNvPr id="8" name="Footer Placeholder 7"/>
           <p:cNvSpPr>
             <a:spLocks noGrp="1"/>
           </p:cNvSpPr>
@@ -1858,13 +5855,7 @@
       </p:sp>
       <p:sp>
         <p:nvSpPr>
-          <p:cNvPr id="9" name="Slide Number Placeholder 8">
-            <a:extLst>
-              <a:ext uri="{FF2B5EF4-FFF2-40B4-BE49-F238E27FC236}">
-                <a16:creationId xmlns:a16="http://schemas.microsoft.com/office/drawing/2014/main" id="{CD41532D-FCFC-4480-8BAF-C003B8D558F1}"/>
-              </a:ext>
-            </a:extLst>
-          </p:cNvPr>
+          <p:cNvPr id="9" name="Slide Number Placeholder 8"/>
           <p:cNvSpPr>
             <a:spLocks noGrp="1"/>
           </p:cNvSpPr>
@@ -1888,7 +5879,7 @@
     </p:spTree>
     <p:extLst>
       <p:ext uri="{BB962C8B-B14F-4D97-AF65-F5344CB8AC3E}">
-        <p14:creationId xmlns:p14="http://schemas.microsoft.com/office/powerpoint/2010/main" val="1821579700"/>
+        <p14:creationId xmlns:p14="http://schemas.microsoft.com/office/powerpoint/2010/main" val="82771180"/>
       </p:ext>
     </p:extLst>
   </p:cSld>
@@ -1917,13 +5908,7 @@
       </p:grpSpPr>
       <p:sp>
         <p:nvSpPr>
-          <p:cNvPr id="2" name="Title 1">
-            <a:extLst>
-              <a:ext uri="{FF2B5EF4-FFF2-40B4-BE49-F238E27FC236}">
-                <a16:creationId xmlns:a16="http://schemas.microsoft.com/office/drawing/2014/main" id="{59F070BA-F3CA-49AD-85D9-A15240868B13}"/>
-              </a:ext>
-            </a:extLst>
-          </p:cNvPr>
+          <p:cNvPr id="2" name="Title 1"/>
           <p:cNvSpPr>
             <a:spLocks noGrp="1"/>
           </p:cNvSpPr>
@@ -1937,22 +5922,16 @@
           <a:lstStyle/>
           <a:p>
             <a:r>
-              <a:rPr lang="en-US"/>
+              <a:rPr lang="en-US" smtClean="0"/>
               <a:t>Click to edit Master title style</a:t>
             </a:r>
-            <a:endParaRPr lang="en-GB"/>
-          </a:p>
-        </p:txBody>
-      </p:sp>
-      <p:sp>
-        <p:nvSpPr>
-          <p:cNvPr id="3" name="Date Placeholder 2">
-            <a:extLst>
-              <a:ext uri="{FF2B5EF4-FFF2-40B4-BE49-F238E27FC236}">
-                <a16:creationId xmlns:a16="http://schemas.microsoft.com/office/drawing/2014/main" id="{C24FDB32-4D27-4909-A932-CACA4072EE31}"/>
-              </a:ext>
-            </a:extLst>
-          </p:cNvPr>
+            <a:endParaRPr lang="en-US" dirty="0"/>
+          </a:p>
+        </p:txBody>
+      </p:sp>
+      <p:sp>
+        <p:nvSpPr>
+          <p:cNvPr id="7" name="Date Placeholder 2"/>
           <p:cNvSpPr>
             <a:spLocks noGrp="1"/>
           </p:cNvSpPr>
@@ -1967,7 +5946,7 @@
           <a:p>
             <a:fld id="{9B224A76-EB01-42F6-9BEE-495C4C895051}" type="datetimeFigureOut">
               <a:rPr lang="en-GB" smtClean="0"/>
-              <a:t>16/05/2019</a:t>
+              <a:t>17/05/2019</a:t>
             </a:fld>
             <a:endParaRPr lang="en-GB"/>
           </a:p>
@@ -1975,13 +5954,7 @@
       </p:sp>
       <p:sp>
         <p:nvSpPr>
-          <p:cNvPr id="4" name="Footer Placeholder 3">
-            <a:extLst>
-              <a:ext uri="{FF2B5EF4-FFF2-40B4-BE49-F238E27FC236}">
-                <a16:creationId xmlns:a16="http://schemas.microsoft.com/office/drawing/2014/main" id="{9304B257-5F22-4D92-88D4-0AA3631E7087}"/>
-              </a:ext>
-            </a:extLst>
-          </p:cNvPr>
+          <p:cNvPr id="5" name="Footer Placeholder 3"/>
           <p:cNvSpPr>
             <a:spLocks noGrp="1"/>
           </p:cNvSpPr>
@@ -2000,13 +5973,7 @@
       </p:sp>
       <p:sp>
         <p:nvSpPr>
-          <p:cNvPr id="5" name="Slide Number Placeholder 4">
-            <a:extLst>
-              <a:ext uri="{FF2B5EF4-FFF2-40B4-BE49-F238E27FC236}">
-                <a16:creationId xmlns:a16="http://schemas.microsoft.com/office/drawing/2014/main" id="{D39E970C-425D-4406-8A68-33F46FAD32BF}"/>
-              </a:ext>
-            </a:extLst>
-          </p:cNvPr>
+          <p:cNvPr id="6" name="Slide Number Placeholder 4"/>
           <p:cNvSpPr>
             <a:spLocks noGrp="1"/>
           </p:cNvSpPr>
@@ -2030,7 +5997,7 @@
     </p:spTree>
     <p:extLst>
       <p:ext uri="{BB962C8B-B14F-4D97-AF65-F5344CB8AC3E}">
-        <p14:creationId xmlns:p14="http://schemas.microsoft.com/office/powerpoint/2010/main" val="2562284036"/>
+        <p14:creationId xmlns:p14="http://schemas.microsoft.com/office/powerpoint/2010/main" val="876982928"/>
       </p:ext>
     </p:extLst>
   </p:cSld>
@@ -2059,13 +6026,7 @@
       </p:grpSpPr>
       <p:sp>
         <p:nvSpPr>
-          <p:cNvPr id="2" name="Date Placeholder 1">
-            <a:extLst>
-              <a:ext uri="{FF2B5EF4-FFF2-40B4-BE49-F238E27FC236}">
-                <a16:creationId xmlns:a16="http://schemas.microsoft.com/office/drawing/2014/main" id="{5CB84525-6FBC-4693-81D6-E377E0CD2E81}"/>
-              </a:ext>
-            </a:extLst>
-          </p:cNvPr>
+          <p:cNvPr id="7" name="Date Placeholder 1"/>
           <p:cNvSpPr>
             <a:spLocks noGrp="1"/>
           </p:cNvSpPr>
@@ -2080,7 +6041,7 @@
           <a:p>
             <a:fld id="{9B224A76-EB01-42F6-9BEE-495C4C895051}" type="datetimeFigureOut">
               <a:rPr lang="en-GB" smtClean="0"/>
-              <a:t>16/05/2019</a:t>
+              <a:t>17/05/2019</a:t>
             </a:fld>
             <a:endParaRPr lang="en-GB"/>
           </a:p>
@@ -2088,13 +6049,7 @@
       </p:sp>
       <p:sp>
         <p:nvSpPr>
-          <p:cNvPr id="3" name="Footer Placeholder 2">
-            <a:extLst>
-              <a:ext uri="{FF2B5EF4-FFF2-40B4-BE49-F238E27FC236}">
-                <a16:creationId xmlns:a16="http://schemas.microsoft.com/office/drawing/2014/main" id="{EAB6B3AF-ABB0-4A7A-822D-5F6DD825E1F0}"/>
-              </a:ext>
-            </a:extLst>
-          </p:cNvPr>
+          <p:cNvPr id="5" name="Footer Placeholder 2"/>
           <p:cNvSpPr>
             <a:spLocks noGrp="1"/>
           </p:cNvSpPr>
@@ -2113,13 +6068,7 @@
       </p:sp>
       <p:sp>
         <p:nvSpPr>
-          <p:cNvPr id="4" name="Slide Number Placeholder 3">
-            <a:extLst>
-              <a:ext uri="{FF2B5EF4-FFF2-40B4-BE49-F238E27FC236}">
-                <a16:creationId xmlns:a16="http://schemas.microsoft.com/office/drawing/2014/main" id="{BF0913A0-75CA-4007-9FE8-54CFA9398C54}"/>
-              </a:ext>
-            </a:extLst>
-          </p:cNvPr>
+          <p:cNvPr id="6" name="Slide Number Placeholder 3"/>
           <p:cNvSpPr>
             <a:spLocks noGrp="1"/>
           </p:cNvSpPr>
@@ -2143,7 +6092,7 @@
     </p:spTree>
     <p:extLst>
       <p:ext uri="{BB962C8B-B14F-4D97-AF65-F5344CB8AC3E}">
-        <p14:creationId xmlns:p14="http://schemas.microsoft.com/office/powerpoint/2010/main" val="150706148"/>
+        <p14:creationId xmlns:p14="http://schemas.microsoft.com/office/powerpoint/2010/main" val="1822267433"/>
       </p:ext>
     </p:extLst>
   </p:cSld>
@@ -2172,13 +6121,7 @@
       </p:grpSpPr>
       <p:sp>
         <p:nvSpPr>
-          <p:cNvPr id="2" name="Title 1">
-            <a:extLst>
-              <a:ext uri="{FF2B5EF4-FFF2-40B4-BE49-F238E27FC236}">
-                <a16:creationId xmlns:a16="http://schemas.microsoft.com/office/drawing/2014/main" id="{D243FDE1-D4FC-4DDC-96E5-3C749C0C30E9}"/>
-              </a:ext>
-            </a:extLst>
-          </p:cNvPr>
+          <p:cNvPr id="2" name="Title 1"/>
           <p:cNvSpPr>
             <a:spLocks noGrp="1"/>
           </p:cNvSpPr>
@@ -2188,35 +6131,29 @@
         </p:nvSpPr>
         <p:spPr>
           <a:xfrm>
-            <a:off x="839788" y="457200"/>
-            <a:ext cx="3932237" cy="1600200"/>
+            <a:off x="1154953" y="1447800"/>
+            <a:ext cx="3401064" cy="1447800"/>
           </a:xfrm>
         </p:spPr>
         <p:txBody>
           <a:bodyPr anchor="b"/>
           <a:lstStyle>
-            <a:lvl1pPr>
-              <a:defRPr sz="3200"/>
+            <a:lvl1pPr algn="l">
+              <a:defRPr sz="2400" b="0"/>
             </a:lvl1pPr>
           </a:lstStyle>
           <a:p>
             <a:r>
-              <a:rPr lang="en-US"/>
+              <a:rPr lang="en-US" smtClean="0"/>
               <a:t>Click to edit Master title style</a:t>
             </a:r>
-            <a:endParaRPr lang="en-GB"/>
-          </a:p>
-        </p:txBody>
-      </p:sp>
-      <p:sp>
-        <p:nvSpPr>
-          <p:cNvPr id="3" name="Content Placeholder 2">
-            <a:extLst>
-              <a:ext uri="{FF2B5EF4-FFF2-40B4-BE49-F238E27FC236}">
-                <a16:creationId xmlns:a16="http://schemas.microsoft.com/office/drawing/2014/main" id="{D8DD59A3-90FF-4118-8417-22DAF6E5B2EA}"/>
-              </a:ext>
-            </a:extLst>
-          </p:cNvPr>
+            <a:endParaRPr lang="en-US" dirty="0"/>
+          </a:p>
+        </p:txBody>
+      </p:sp>
+      <p:sp>
+        <p:nvSpPr>
+          <p:cNvPr id="3" name="Content Placeholder 2"/>
           <p:cNvSpPr>
             <a:spLocks noGrp="1"/>
           </p:cNvSpPr>
@@ -2226,88 +6163,84 @@
         </p:nvSpPr>
         <p:spPr>
           <a:xfrm>
-            <a:off x="5183188" y="987425"/>
-            <a:ext cx="6172200" cy="4873625"/>
+            <a:off x="4784616" y="1447800"/>
+            <a:ext cx="5195997" cy="4572000"/>
           </a:xfrm>
         </p:spPr>
         <p:txBody>
-          <a:bodyPr/>
+          <a:bodyPr anchor="ctr">
+            <a:normAutofit/>
+          </a:bodyPr>
           <a:lstStyle>
             <a:lvl1pPr>
-              <a:defRPr sz="3200"/>
+              <a:defRPr sz="2000"/>
             </a:lvl1pPr>
             <a:lvl2pPr>
-              <a:defRPr sz="2800"/>
+              <a:defRPr sz="1800"/>
             </a:lvl2pPr>
             <a:lvl3pPr>
-              <a:defRPr sz="2400"/>
+              <a:defRPr sz="1600"/>
             </a:lvl3pPr>
             <a:lvl4pPr>
-              <a:defRPr sz="2000"/>
+              <a:defRPr sz="1400"/>
             </a:lvl4pPr>
             <a:lvl5pPr>
-              <a:defRPr sz="2000"/>
+              <a:defRPr sz="1400"/>
             </a:lvl5pPr>
             <a:lvl6pPr>
-              <a:defRPr sz="2000"/>
+              <a:defRPr sz="1400"/>
             </a:lvl6pPr>
             <a:lvl7pPr>
-              <a:defRPr sz="2000"/>
+              <a:defRPr sz="1400"/>
             </a:lvl7pPr>
             <a:lvl8pPr>
-              <a:defRPr sz="2000"/>
+              <a:defRPr sz="1400"/>
             </a:lvl8pPr>
             <a:lvl9pPr>
-              <a:defRPr sz="2000"/>
+              <a:defRPr sz="1400"/>
             </a:lvl9pPr>
           </a:lstStyle>
           <a:p>
             <a:pPr lvl="0"/>
             <a:r>
-              <a:rPr lang="en-US"/>
-              <a:t>Click to edit Master text styles</a:t>
+              <a:rPr lang="en-US" smtClean="0"/>
+              <a:t>Edit Master text styles</a:t>
             </a:r>
           </a:p>
           <a:p>
             <a:pPr lvl="1"/>
             <a:r>
-              <a:rPr lang="en-US"/>
+              <a:rPr lang="en-US" smtClean="0"/>
               <a:t>Second level</a:t>
             </a:r>
           </a:p>
           <a:p>
             <a:pPr lvl="2"/>
             <a:r>
-              <a:rPr lang="en-US"/>
+              <a:rPr lang="en-US" smtClean="0"/>
               <a:t>Third level</a:t>
             </a:r>
           </a:p>
           <a:p>
             <a:pPr lvl="3"/>
             <a:r>
-              <a:rPr lang="en-US"/>
+              <a:rPr lang="en-US" smtClean="0"/>
               <a:t>Fourth level</a:t>
             </a:r>
           </a:p>
           <a:p>
             <a:pPr lvl="4"/>
             <a:r>
-              <a:rPr lang="en-US"/>
+              <a:rPr lang="en-US" smtClean="0"/>
               <a:t>Fifth level</a:t>
             </a:r>
-            <a:endParaRPr lang="en-GB"/>
-          </a:p>
-        </p:txBody>
-      </p:sp>
-      <p:sp>
-        <p:nvSpPr>
-          <p:cNvPr id="4" name="Text Placeholder 3">
-            <a:extLst>
-              <a:ext uri="{FF2B5EF4-FFF2-40B4-BE49-F238E27FC236}">
-                <a16:creationId xmlns:a16="http://schemas.microsoft.com/office/drawing/2014/main" id="{93FA502E-4924-4038-A541-A215397AD766}"/>
-              </a:ext>
-            </a:extLst>
-          </p:cNvPr>
+            <a:endParaRPr lang="en-US" dirty="0"/>
+          </a:p>
+        </p:txBody>
+      </p:sp>
+      <p:sp>
+        <p:nvSpPr>
+          <p:cNvPr id="4" name="Text Placeholder 3"/>
           <p:cNvSpPr>
             <a:spLocks noGrp="1"/>
           </p:cNvSpPr>
@@ -2317,8 +6250,8 @@
         </p:nvSpPr>
         <p:spPr>
           <a:xfrm>
-            <a:off x="839788" y="2057400"/>
-            <a:ext cx="3932237" cy="3811588"/>
+            <a:off x="1154953" y="3129280"/>
+            <a:ext cx="3401063" cy="2895599"/>
           </a:xfrm>
         </p:spPr>
         <p:txBody>
@@ -2326,59 +6259,53 @@
           <a:lstStyle>
             <a:lvl1pPr marL="0" indent="0">
               <a:buNone/>
-              <a:defRPr sz="1600"/>
+              <a:defRPr sz="1400"/>
             </a:lvl1pPr>
             <a:lvl2pPr marL="457200" indent="0">
               <a:buNone/>
-              <a:defRPr sz="1400"/>
+              <a:defRPr sz="1200"/>
             </a:lvl2pPr>
             <a:lvl3pPr marL="914400" indent="0">
               <a:buNone/>
-              <a:defRPr sz="1200"/>
+              <a:defRPr sz="1000"/>
             </a:lvl3pPr>
             <a:lvl4pPr marL="1371600" indent="0">
               <a:buNone/>
-              <a:defRPr sz="1000"/>
+              <a:defRPr sz="900"/>
             </a:lvl4pPr>
             <a:lvl5pPr marL="1828800" indent="0">
               <a:buNone/>
-              <a:defRPr sz="1000"/>
+              <a:defRPr sz="900"/>
             </a:lvl5pPr>
             <a:lvl6pPr marL="2286000" indent="0">
               <a:buNone/>
-              <a:defRPr sz="1000"/>
+              <a:defRPr sz="900"/>
             </a:lvl6pPr>
             <a:lvl7pPr marL="2743200" indent="0">
               <a:buNone/>
-              <a:defRPr sz="1000"/>
+              <a:defRPr sz="900"/>
             </a:lvl7pPr>
             <a:lvl8pPr marL="3200400" indent="0">
               <a:buNone/>
-              <a:defRPr sz="1000"/>
+              <a:defRPr sz="900"/>
             </a:lvl8pPr>
             <a:lvl9pPr marL="3657600" indent="0">
               <a:buNone/>
-              <a:defRPr sz="1000"/>
+              <a:defRPr sz="900"/>
             </a:lvl9pPr>
           </a:lstStyle>
           <a:p>
             <a:pPr lvl="0"/>
             <a:r>
-              <a:rPr lang="en-US"/>
-              <a:t>Click to edit Master text styles</a:t>
-            </a:r>
-          </a:p>
-        </p:txBody>
-      </p:sp>
-      <p:sp>
-        <p:nvSpPr>
-          <p:cNvPr id="5" name="Date Placeholder 4">
-            <a:extLst>
-              <a:ext uri="{FF2B5EF4-FFF2-40B4-BE49-F238E27FC236}">
-                <a16:creationId xmlns:a16="http://schemas.microsoft.com/office/drawing/2014/main" id="{C9EC2099-8490-48C6-BFCE-91C0CF3430C6}"/>
-              </a:ext>
-            </a:extLst>
-          </p:cNvPr>
+              <a:rPr lang="en-US" smtClean="0"/>
+              <a:t>Edit Master text styles</a:t>
+            </a:r>
+          </a:p>
+        </p:txBody>
+      </p:sp>
+      <p:sp>
+        <p:nvSpPr>
+          <p:cNvPr id="7" name="Date Placeholder 4"/>
           <p:cNvSpPr>
             <a:spLocks noGrp="1"/>
           </p:cNvSpPr>
@@ -2393,7 +6320,7 @@
           <a:p>
             <a:fld id="{9B224A76-EB01-42F6-9BEE-495C4C895051}" type="datetimeFigureOut">
               <a:rPr lang="en-GB" smtClean="0"/>
-              <a:t>16/05/2019</a:t>
+              <a:t>17/05/2019</a:t>
             </a:fld>
             <a:endParaRPr lang="en-GB"/>
           </a:p>
@@ -2401,13 +6328,7 @@
       </p:sp>
       <p:sp>
         <p:nvSpPr>
-          <p:cNvPr id="6" name="Footer Placeholder 5">
-            <a:extLst>
-              <a:ext uri="{FF2B5EF4-FFF2-40B4-BE49-F238E27FC236}">
-                <a16:creationId xmlns:a16="http://schemas.microsoft.com/office/drawing/2014/main" id="{324D8643-5192-45D5-8C18-7BCE89C47734}"/>
-              </a:ext>
-            </a:extLst>
-          </p:cNvPr>
+          <p:cNvPr id="5" name="Footer Placeholder 5"/>
           <p:cNvSpPr>
             <a:spLocks noGrp="1"/>
           </p:cNvSpPr>
@@ -2426,13 +6347,7 @@
       </p:sp>
       <p:sp>
         <p:nvSpPr>
-          <p:cNvPr id="7" name="Slide Number Placeholder 6">
-            <a:extLst>
-              <a:ext uri="{FF2B5EF4-FFF2-40B4-BE49-F238E27FC236}">
-                <a16:creationId xmlns:a16="http://schemas.microsoft.com/office/drawing/2014/main" id="{430B327E-57E9-41EE-B788-7B044D542C4F}"/>
-              </a:ext>
-            </a:extLst>
-          </p:cNvPr>
+          <p:cNvPr id="6" name="Slide Number Placeholder 6"/>
           <p:cNvSpPr>
             <a:spLocks noGrp="1"/>
           </p:cNvSpPr>
@@ -2456,7 +6371,7 @@
     </p:spTree>
     <p:extLst>
       <p:ext uri="{BB962C8B-B14F-4D97-AF65-F5344CB8AC3E}">
-        <p14:creationId xmlns:p14="http://schemas.microsoft.com/office/powerpoint/2010/main" val="1527622936"/>
+        <p14:creationId xmlns:p14="http://schemas.microsoft.com/office/powerpoint/2010/main" val="4128520697"/>
       </p:ext>
     </p:extLst>
   </p:cSld>
@@ -2485,13 +6400,7 @@
       </p:grpSpPr>
       <p:sp>
         <p:nvSpPr>
-          <p:cNvPr id="2" name="Title 1">
-            <a:extLst>
-              <a:ext uri="{FF2B5EF4-FFF2-40B4-BE49-F238E27FC236}">
-                <a16:creationId xmlns:a16="http://schemas.microsoft.com/office/drawing/2014/main" id="{1FFB1F66-B4AB-4019-A742-2C05F221E846}"/>
-              </a:ext>
-            </a:extLst>
-          </p:cNvPr>
+          <p:cNvPr id="2" name="Title 1"/>
           <p:cNvSpPr>
             <a:spLocks noGrp="1"/>
           </p:cNvSpPr>
@@ -2501,37 +6410,33 @@
         </p:nvSpPr>
         <p:spPr>
           <a:xfrm>
-            <a:off x="839788" y="457200"/>
-            <a:ext cx="3932237" cy="1600200"/>
+            <a:off x="1153907" y="1854192"/>
+            <a:ext cx="5092906" cy="1574808"/>
           </a:xfrm>
         </p:spPr>
         <p:txBody>
-          <a:bodyPr anchor="b"/>
+          <a:bodyPr anchor="b">
+            <a:normAutofit/>
+          </a:bodyPr>
           <a:lstStyle>
-            <a:lvl1pPr>
-              <a:defRPr sz="3200"/>
+            <a:lvl1pPr algn="l">
+              <a:defRPr sz="3600" b="0"/>
             </a:lvl1pPr>
           </a:lstStyle>
           <a:p>
             <a:r>
-              <a:rPr lang="en-US"/>
+              <a:rPr lang="en-US" smtClean="0"/>
               <a:t>Click to edit Master title style</a:t>
             </a:r>
-            <a:endParaRPr lang="en-GB"/>
-          </a:p>
-        </p:txBody>
-      </p:sp>
-      <p:sp>
-        <p:nvSpPr>
-          <p:cNvPr id="3" name="Picture Placeholder 2">
-            <a:extLst>
-              <a:ext uri="{FF2B5EF4-FFF2-40B4-BE49-F238E27FC236}">
-                <a16:creationId xmlns:a16="http://schemas.microsoft.com/office/drawing/2014/main" id="{66CE04D2-0AC9-436F-9466-FC7CF60AEE2D}"/>
-              </a:ext>
-            </a:extLst>
-          </p:cNvPr>
-          <p:cNvSpPr>
-            <a:spLocks noGrp="1"/>
+            <a:endParaRPr lang="en-US" dirty="0"/>
+          </a:p>
+        </p:txBody>
+      </p:sp>
+      <p:sp>
+        <p:nvSpPr>
+          <p:cNvPr id="3" name="Picture Placeholder 2"/>
+          <p:cNvSpPr>
+            <a:spLocks noGrp="1" noChangeAspect="1"/>
           </p:cNvSpPr>
           <p:nvPr>
             <p:ph type="pic" idx="1"/>
@@ -2539,135 +6444,143 @@
         </p:nvSpPr>
         <p:spPr>
           <a:xfrm>
-            <a:off x="5183188" y="987425"/>
-            <a:ext cx="6172200" cy="4873625"/>
+            <a:off x="6949546" y="1143000"/>
+            <a:ext cx="3200400" cy="4572000"/>
           </a:xfrm>
+          <a:prstGeom prst="roundRect">
+            <a:avLst>
+              <a:gd name="adj" fmla="val 1858"/>
+            </a:avLst>
+          </a:prstGeom>
+          <a:effectLst>
+            <a:outerShdw blurRad="50800" dist="50800" dir="5400000" algn="tl" rotWithShape="0">
+              <a:srgbClr val="000000">
+                <a:alpha val="43000"/>
+              </a:srgbClr>
+            </a:outerShdw>
+          </a:effectLst>
         </p:spPr>
         <p:txBody>
-          <a:bodyPr/>
+          <a:bodyPr anchor="t">
+            <a:normAutofit/>
+          </a:bodyPr>
           <a:lstStyle>
-            <a:lvl1pPr marL="0" indent="0">
-              <a:buNone/>
-              <a:defRPr sz="3200"/>
-            </a:lvl1pPr>
-            <a:lvl2pPr marL="457200" indent="0">
-              <a:buNone/>
-              <a:defRPr sz="2800"/>
-            </a:lvl2pPr>
-            <a:lvl3pPr marL="914400" indent="0">
-              <a:buNone/>
-              <a:defRPr sz="2400"/>
-            </a:lvl3pPr>
-            <a:lvl4pPr marL="1371600" indent="0">
-              <a:buNone/>
-              <a:defRPr sz="2000"/>
-            </a:lvl4pPr>
-            <a:lvl5pPr marL="1828800" indent="0">
-              <a:buNone/>
-              <a:defRPr sz="2000"/>
-            </a:lvl5pPr>
-            <a:lvl6pPr marL="2286000" indent="0">
-              <a:buNone/>
-              <a:defRPr sz="2000"/>
-            </a:lvl6pPr>
-            <a:lvl7pPr marL="2743200" indent="0">
-              <a:buNone/>
-              <a:defRPr sz="2000"/>
-            </a:lvl7pPr>
-            <a:lvl8pPr marL="3200400" indent="0">
-              <a:buNone/>
-              <a:defRPr sz="2000"/>
-            </a:lvl8pPr>
-            <a:lvl9pPr marL="3657600" indent="0">
-              <a:buNone/>
-              <a:defRPr sz="2000"/>
-            </a:lvl9pPr>
-          </a:lstStyle>
-          <a:p>
-            <a:endParaRPr lang="en-GB"/>
-          </a:p>
-        </p:txBody>
-      </p:sp>
-      <p:sp>
-        <p:nvSpPr>
-          <p:cNvPr id="4" name="Text Placeholder 3">
-            <a:extLst>
-              <a:ext uri="{FF2B5EF4-FFF2-40B4-BE49-F238E27FC236}">
-                <a16:creationId xmlns:a16="http://schemas.microsoft.com/office/drawing/2014/main" id="{B6A988D9-3369-4750-AA05-CACB6D007D4B}"/>
-              </a:ext>
-            </a:extLst>
-          </p:cNvPr>
-          <p:cNvSpPr>
-            <a:spLocks noGrp="1"/>
-          </p:cNvSpPr>
-          <p:nvPr>
-            <p:ph type="body" sz="half" idx="2"/>
-          </p:nvPr>
-        </p:nvSpPr>
-        <p:spPr>
-          <a:xfrm>
-            <a:off x="839788" y="2057400"/>
-            <a:ext cx="3932237" cy="3811588"/>
-          </a:xfrm>
-        </p:spPr>
-        <p:txBody>
-          <a:bodyPr/>
-          <a:lstStyle>
-            <a:lvl1pPr marL="0" indent="0">
+            <a:lvl1pPr marL="0" indent="0" algn="ctr">
               <a:buNone/>
               <a:defRPr sz="1600"/>
             </a:lvl1pPr>
             <a:lvl2pPr marL="457200" indent="0">
               <a:buNone/>
-              <a:defRPr sz="1400"/>
+              <a:defRPr sz="1600"/>
             </a:lvl2pPr>
             <a:lvl3pPr marL="914400" indent="0">
               <a:buNone/>
-              <a:defRPr sz="1200"/>
+              <a:defRPr sz="1600"/>
             </a:lvl3pPr>
             <a:lvl4pPr marL="1371600" indent="0">
               <a:buNone/>
-              <a:defRPr sz="1000"/>
+              <a:defRPr sz="1600"/>
             </a:lvl4pPr>
             <a:lvl5pPr marL="1828800" indent="0">
               <a:buNone/>
-              <a:defRPr sz="1000"/>
+              <a:defRPr sz="1600"/>
             </a:lvl5pPr>
             <a:lvl6pPr marL="2286000" indent="0">
               <a:buNone/>
-              <a:defRPr sz="1000"/>
+              <a:defRPr sz="1600"/>
             </a:lvl6pPr>
             <a:lvl7pPr marL="2743200" indent="0">
               <a:buNone/>
-              <a:defRPr sz="1000"/>
+              <a:defRPr sz="1600"/>
             </a:lvl7pPr>
             <a:lvl8pPr marL="3200400" indent="0">
               <a:buNone/>
-              <a:defRPr sz="1000"/>
+              <a:defRPr sz="1600"/>
             </a:lvl8pPr>
             <a:lvl9pPr marL="3657600" indent="0">
               <a:buNone/>
-              <a:defRPr sz="1000"/>
+              <a:defRPr sz="1600"/>
             </a:lvl9pPr>
           </a:lstStyle>
           <a:p>
+            <a:r>
+              <a:rPr lang="en-US" smtClean="0"/>
+              <a:t>Click icon to add picture</a:t>
+            </a:r>
+            <a:endParaRPr lang="en-US" dirty="0"/>
+          </a:p>
+        </p:txBody>
+      </p:sp>
+      <p:sp>
+        <p:nvSpPr>
+          <p:cNvPr id="4" name="Text Placeholder 3"/>
+          <p:cNvSpPr>
+            <a:spLocks noGrp="1"/>
+          </p:cNvSpPr>
+          <p:nvPr>
+            <p:ph type="body" sz="half" idx="2"/>
+          </p:nvPr>
+        </p:nvSpPr>
+        <p:spPr>
+          <a:xfrm>
+            <a:off x="1154954" y="3657600"/>
+            <a:ext cx="5084979" cy="1371600"/>
+          </a:xfrm>
+        </p:spPr>
+        <p:txBody>
+          <a:bodyPr>
+            <a:normAutofit/>
+          </a:bodyPr>
+          <a:lstStyle>
+            <a:lvl1pPr marL="0" indent="0">
+              <a:buNone/>
+              <a:defRPr sz="1400"/>
+            </a:lvl1pPr>
+            <a:lvl2pPr marL="457200" indent="0">
+              <a:buNone/>
+              <a:defRPr sz="1200"/>
+            </a:lvl2pPr>
+            <a:lvl3pPr marL="914400" indent="0">
+              <a:buNone/>
+              <a:defRPr sz="1000"/>
+            </a:lvl3pPr>
+            <a:lvl4pPr marL="1371600" indent="0">
+              <a:buNone/>
+              <a:defRPr sz="900"/>
+            </a:lvl4pPr>
+            <a:lvl5pPr marL="1828800" indent="0">
+              <a:buNone/>
+              <a:defRPr sz="900"/>
+            </a:lvl5pPr>
+            <a:lvl6pPr marL="2286000" indent="0">
+              <a:buNone/>
+              <a:defRPr sz="900"/>
+            </a:lvl6pPr>
+            <a:lvl7pPr marL="2743200" indent="0">
+              <a:buNone/>
+              <a:defRPr sz="900"/>
+            </a:lvl7pPr>
+            <a:lvl8pPr marL="3200400" indent="0">
+              <a:buNone/>
+              <a:defRPr sz="900"/>
+            </a:lvl8pPr>
+            <a:lvl9pPr marL="3657600" indent="0">
+              <a:buNone/>
+              <a:defRPr sz="900"/>
+            </a:lvl9pPr>
+          </a:lstStyle>
+          <a:p>
             <a:pPr lvl="0"/>
             <a:r>
-              <a:rPr lang="en-US"/>
-              <a:t>Click to edit Master text styles</a:t>
-            </a:r>
-          </a:p>
-        </p:txBody>
-      </p:sp>
-      <p:sp>
-        <p:nvSpPr>
-          <p:cNvPr id="5" name="Date Placeholder 4">
-            <a:extLst>
-              <a:ext uri="{FF2B5EF4-FFF2-40B4-BE49-F238E27FC236}">
-                <a16:creationId xmlns:a16="http://schemas.microsoft.com/office/drawing/2014/main" id="{A6A04CDA-7F52-482C-AC23-09E35855C4C9}"/>
-              </a:ext>
-            </a:extLst>
-          </p:cNvPr>
+              <a:rPr lang="en-US" smtClean="0"/>
+              <a:t>Edit Master text styles</a:t>
+            </a:r>
+          </a:p>
+        </p:txBody>
+      </p:sp>
+      <p:sp>
+        <p:nvSpPr>
+          <p:cNvPr id="5" name="Date Placeholder 4"/>
           <p:cNvSpPr>
             <a:spLocks noGrp="1"/>
           </p:cNvSpPr>
@@ -2682,7 +6595,7 @@
           <a:p>
             <a:fld id="{9B224A76-EB01-42F6-9BEE-495C4C895051}" type="datetimeFigureOut">
               <a:rPr lang="en-GB" smtClean="0"/>
-              <a:t>16/05/2019</a:t>
+              <a:t>17/05/2019</a:t>
             </a:fld>
             <a:endParaRPr lang="en-GB"/>
           </a:p>
@@ -2690,13 +6603,7 @@
       </p:sp>
       <p:sp>
         <p:nvSpPr>
-          <p:cNvPr id="6" name="Footer Placeholder 5">
-            <a:extLst>
-              <a:ext uri="{FF2B5EF4-FFF2-40B4-BE49-F238E27FC236}">
-                <a16:creationId xmlns:a16="http://schemas.microsoft.com/office/drawing/2014/main" id="{F9211EF4-41F3-4505-B39A-723BC5B64367}"/>
-              </a:ext>
-            </a:extLst>
-          </p:cNvPr>
+          <p:cNvPr id="6" name="Footer Placeholder 5"/>
           <p:cNvSpPr>
             <a:spLocks noGrp="1"/>
           </p:cNvSpPr>
@@ -2715,13 +6622,7 @@
       </p:sp>
       <p:sp>
         <p:nvSpPr>
-          <p:cNvPr id="7" name="Slide Number Placeholder 6">
-            <a:extLst>
-              <a:ext uri="{FF2B5EF4-FFF2-40B4-BE49-F238E27FC236}">
-                <a16:creationId xmlns:a16="http://schemas.microsoft.com/office/drawing/2014/main" id="{7E69E2D6-8367-422C-832D-B1FD504FC295}"/>
-              </a:ext>
-            </a:extLst>
-          </p:cNvPr>
+          <p:cNvPr id="7" name="Slide Number Placeholder 6"/>
           <p:cNvSpPr>
             <a:spLocks noGrp="1"/>
           </p:cNvSpPr>
@@ -2745,7 +6646,7 @@
     </p:spTree>
     <p:extLst>
       <p:ext uri="{BB962C8B-B14F-4D97-AF65-F5344CB8AC3E}">
-        <p14:creationId xmlns:p14="http://schemas.microsoft.com/office/powerpoint/2010/main" val="1655750199"/>
+        <p14:creationId xmlns:p14="http://schemas.microsoft.com/office/powerpoint/2010/main" val="3483713355"/>
       </p:ext>
     </p:extLst>
   </p:cSld>
@@ -2759,8 +6660,8 @@
 <p:sldMaster xmlns:a="http://schemas.openxmlformats.org/drawingml/2006/main" xmlns:r="http://schemas.openxmlformats.org/officeDocument/2006/relationships" xmlns:p="http://schemas.openxmlformats.org/presentationml/2006/main">
   <p:cSld>
     <p:bg>
-      <p:bgRef idx="1001">
-        <a:schemeClr val="bg1"/>
+      <p:bgRef idx="1003">
+        <a:schemeClr val="bg2"/>
       </p:bgRef>
     </p:bg>
     <p:spTree>
@@ -2777,143 +6678,420 @@
           <a:chExt cx="0" cy="0"/>
         </a:xfrm>
       </p:grpSpPr>
-      <p:sp>
-        <p:nvSpPr>
-          <p:cNvPr id="2" name="Title Placeholder 1">
+      <p:pic>
+        <p:nvPicPr>
+          <p:cNvPr id="8" name="Picture 7"/>
+          <p:cNvPicPr>
+            <a:picLocks noChangeAspect="1"/>
+          </p:cNvPicPr>
+          <p:nvPr/>
+        </p:nvPicPr>
+        <p:blipFill rotWithShape="1">
+          <a:blip r:embed="rId19">
             <a:extLst>
-              <a:ext uri="{FF2B5EF4-FFF2-40B4-BE49-F238E27FC236}">
-                <a16:creationId xmlns:a16="http://schemas.microsoft.com/office/drawing/2014/main" id="{383E0F77-893B-4B13-9168-4574B57C7C99}"/>
+              <a:ext uri="{28A0092B-C50C-407E-A947-70E740481C1C}">
+                <a14:useLocalDpi xmlns:a14="http://schemas.microsoft.com/office/drawing/2010/main" val="0"/>
               </a:ext>
             </a:extLst>
-          </p:cNvPr>
-          <p:cNvSpPr>
-            <a:spLocks noGrp="1"/>
-          </p:cNvSpPr>
-          <p:nvPr>
-            <p:ph type="title"/>
-          </p:nvPr>
-        </p:nvSpPr>
+          </a:blip>
+          <a:srcRect l="3613"/>
+          <a:stretch/>
+        </p:blipFill>
         <p:spPr>
           <a:xfrm>
-            <a:off x="838200" y="365125"/>
-            <a:ext cx="10515600" cy="1325563"/>
+            <a:off x="0" y="2669685"/>
+            <a:ext cx="4037012" cy="4188315"/>
           </a:xfrm>
           <a:prstGeom prst="rect">
             <a:avLst/>
           </a:prstGeom>
         </p:spPr>
-        <p:txBody>
-          <a:bodyPr vert="horz" lIns="91440" tIns="45720" rIns="91440" bIns="45720" rtlCol="0" anchor="ctr">
-            <a:normAutofit/>
-          </a:bodyPr>
-          <a:lstStyle/>
-          <a:p>
-            <a:r>
-              <a:rPr lang="en-US"/>
-              <a:t>Click to edit Master title style</a:t>
-            </a:r>
-            <a:endParaRPr lang="en-GB"/>
-          </a:p>
-        </p:txBody>
-      </p:sp>
-      <p:sp>
-        <p:nvSpPr>
-          <p:cNvPr id="3" name="Text Placeholder 2">
+      </p:pic>
+      <p:pic>
+        <p:nvPicPr>
+          <p:cNvPr id="7" name="Picture 6"/>
+          <p:cNvPicPr>
+            <a:picLocks noChangeAspect="1"/>
+          </p:cNvPicPr>
+          <p:nvPr/>
+        </p:nvPicPr>
+        <p:blipFill rotWithShape="1">
+          <a:blip r:embed="rId20">
             <a:extLst>
-              <a:ext uri="{FF2B5EF4-FFF2-40B4-BE49-F238E27FC236}">
-                <a16:creationId xmlns:a16="http://schemas.microsoft.com/office/drawing/2014/main" id="{A3CBDE90-15B9-42ED-9440-F35043C512F6}"/>
+              <a:ext uri="{28A0092B-C50C-407E-A947-70E740481C1C}">
+                <a14:useLocalDpi xmlns:a14="http://schemas.microsoft.com/office/drawing/2010/main" val="0"/>
               </a:ext>
             </a:extLst>
-          </p:cNvPr>
-          <p:cNvSpPr>
-            <a:spLocks noGrp="1"/>
-          </p:cNvSpPr>
-          <p:nvPr>
-            <p:ph type="body" idx="1"/>
-          </p:nvPr>
-        </p:nvSpPr>
+          </a:blip>
+          <a:srcRect l="35640"/>
+          <a:stretch/>
+        </p:blipFill>
         <p:spPr>
           <a:xfrm>
-            <a:off x="838200" y="1825625"/>
-            <a:ext cx="10515600" cy="4351338"/>
+            <a:off x="0" y="2892347"/>
+            <a:ext cx="1522412" cy="2365453"/>
           </a:xfrm>
           <a:prstGeom prst="rect">
             <a:avLst/>
           </a:prstGeom>
         </p:spPr>
-        <p:txBody>
-          <a:bodyPr vert="horz" lIns="91440" tIns="45720" rIns="91440" bIns="45720" rtlCol="0">
-            <a:normAutofit/>
-          </a:bodyPr>
-          <a:lstStyle/>
-          <a:p>
-            <a:pPr lvl="0"/>
-            <a:r>
-              <a:rPr lang="en-US"/>
-              <a:t>Click to edit Master text styles</a:t>
-            </a:r>
-          </a:p>
-          <a:p>
-            <a:pPr lvl="1"/>
-            <a:r>
-              <a:rPr lang="en-US"/>
-              <a:t>Second level</a:t>
-            </a:r>
-          </a:p>
-          <a:p>
-            <a:pPr lvl="2"/>
-            <a:r>
-              <a:rPr lang="en-US"/>
-              <a:t>Third level</a:t>
-            </a:r>
-          </a:p>
-          <a:p>
-            <a:pPr lvl="3"/>
-            <a:r>
-              <a:rPr lang="en-US"/>
-              <a:t>Fourth level</a:t>
-            </a:r>
-          </a:p>
-          <a:p>
-            <a:pPr lvl="4"/>
-            <a:r>
-              <a:rPr lang="en-US"/>
-              <a:t>Fifth level</a:t>
-            </a:r>
-            <a:endParaRPr lang="en-GB"/>
-          </a:p>
-        </p:txBody>
-      </p:sp>
-      <p:sp>
-        <p:nvSpPr>
-          <p:cNvPr id="4" name="Date Placeholder 3">
+      </p:pic>
+      <p:sp>
+        <p:nvSpPr>
+          <p:cNvPr id="16" name="Oval 15"/>
+          <p:cNvSpPr/>
+          <p:nvPr/>
+        </p:nvSpPr>
+        <p:spPr>
+          <a:xfrm>
+            <a:off x="8609012" y="1676400"/>
+            <a:ext cx="2819400" cy="2819400"/>
+          </a:xfrm>
+          <a:prstGeom prst="ellipse">
+            <a:avLst/>
+          </a:prstGeom>
+          <a:gradFill flip="none" rotWithShape="1">
+            <a:gsLst>
+              <a:gs pos="0">
+                <a:schemeClr val="bg2">
+                  <a:lumMod val="60000"/>
+                  <a:lumOff val="40000"/>
+                  <a:alpha val="7000"/>
+                </a:schemeClr>
+              </a:gs>
+              <a:gs pos="69000">
+                <a:schemeClr val="bg2">
+                  <a:lumMod val="60000"/>
+                  <a:lumOff val="40000"/>
+                  <a:alpha val="0"/>
+                </a:schemeClr>
+              </a:gs>
+              <a:gs pos="36000">
+                <a:schemeClr val="bg2">
+                  <a:lumMod val="60000"/>
+                  <a:lumOff val="40000"/>
+                  <a:alpha val="6000"/>
+                </a:schemeClr>
+              </a:gs>
+            </a:gsLst>
+            <a:path path="circle">
+              <a:fillToRect l="50000" t="50000" r="50000" b="50000"/>
+            </a:path>
+            <a:tileRect/>
+          </a:gradFill>
+          <a:ln>
+            <a:noFill/>
+          </a:ln>
+          <a:effectLst/>
+        </p:spPr>
+        <p:style>
+          <a:lnRef idx="1">
+            <a:schemeClr val="accent1"/>
+          </a:lnRef>
+          <a:fillRef idx="3">
+            <a:schemeClr val="accent1"/>
+          </a:fillRef>
+          <a:effectRef idx="2">
+            <a:schemeClr val="accent1"/>
+          </a:effectRef>
+          <a:fontRef idx="minor">
+            <a:schemeClr val="lt1"/>
+          </a:fontRef>
+        </p:style>
+      </p:sp>
+      <p:pic>
+        <p:nvPicPr>
+          <p:cNvPr id="9" name="Picture 8"/>
+          <p:cNvPicPr>
+            <a:picLocks noChangeAspect="1"/>
+          </p:cNvPicPr>
+          <p:nvPr/>
+        </p:nvPicPr>
+        <p:blipFill rotWithShape="1">
+          <a:blip r:embed="rId21">
             <a:extLst>
-              <a:ext uri="{FF2B5EF4-FFF2-40B4-BE49-F238E27FC236}">
-                <a16:creationId xmlns:a16="http://schemas.microsoft.com/office/drawing/2014/main" id="{D7A89E00-7807-4190-A22B-AD52A589846C}"/>
+              <a:ext uri="{28A0092B-C50C-407E-A947-70E740481C1C}">
+                <a14:useLocalDpi xmlns:a14="http://schemas.microsoft.com/office/drawing/2010/main" val="0"/>
               </a:ext>
             </a:extLst>
-          </p:cNvPr>
-          <p:cNvSpPr>
-            <a:spLocks noGrp="1"/>
-          </p:cNvSpPr>
-          <p:nvPr>
-            <p:ph type="dt" sz="half" idx="2"/>
-          </p:nvPr>
-        </p:nvSpPr>
+          </a:blip>
+          <a:srcRect t="28813"/>
+          <a:stretch/>
+        </p:blipFill>
         <p:spPr>
           <a:xfrm>
-            <a:off x="838200" y="6356350"/>
-            <a:ext cx="2743200" cy="365125"/>
+            <a:off x="7999412" y="0"/>
+            <a:ext cx="1603387" cy="1141407"/>
           </a:xfrm>
           <a:prstGeom prst="rect">
             <a:avLst/>
           </a:prstGeom>
         </p:spPr>
-        <p:txBody>
-          <a:bodyPr vert="horz" lIns="91440" tIns="45720" rIns="91440" bIns="45720" rtlCol="0" anchor="ctr"/>
+      </p:pic>
+      <p:pic>
+        <p:nvPicPr>
+          <p:cNvPr id="10" name="Picture 9"/>
+          <p:cNvPicPr>
+            <a:picLocks noChangeAspect="1"/>
+          </p:cNvPicPr>
+          <p:nvPr/>
+        </p:nvPicPr>
+        <p:blipFill rotWithShape="1">
+          <a:blip r:embed="rId22">
+            <a:extLst>
+              <a:ext uri="{28A0092B-C50C-407E-A947-70E740481C1C}">
+                <a14:useLocalDpi xmlns:a14="http://schemas.microsoft.com/office/drawing/2010/main" val="0"/>
+              </a:ext>
+            </a:extLst>
+          </a:blip>
+          <a:srcRect b="23320"/>
+          <a:stretch/>
+        </p:blipFill>
+        <p:spPr>
+          <a:xfrm>
+            <a:off x="8605878" y="6096000"/>
+            <a:ext cx="993734" cy="762000"/>
+          </a:xfrm>
+          <a:prstGeom prst="rect">
+            <a:avLst/>
+          </a:prstGeom>
+        </p:spPr>
+      </p:pic>
+      <p:sp>
+        <p:nvSpPr>
+          <p:cNvPr id="14" name="Rectangle 13"/>
+          <p:cNvSpPr/>
+          <p:nvPr/>
+        </p:nvSpPr>
+        <p:spPr>
+          <a:xfrm>
+            <a:off x="10437812" y="0"/>
+            <a:ext cx="685800" cy="1143000"/>
+          </a:xfrm>
+          <a:prstGeom prst="rect">
+            <a:avLst/>
+          </a:prstGeom>
+          <a:solidFill>
+            <a:schemeClr val="accent1"/>
+          </a:solidFill>
+          <a:ln>
+            <a:noFill/>
+          </a:ln>
+        </p:spPr>
+        <p:style>
+          <a:lnRef idx="1">
+            <a:schemeClr val="accent1"/>
+          </a:lnRef>
+          <a:fillRef idx="3">
+            <a:schemeClr val="accent1"/>
+          </a:fillRef>
+          <a:effectRef idx="2">
+            <a:schemeClr val="accent1"/>
+          </a:effectRef>
+          <a:fontRef idx="minor">
+            <a:schemeClr val="lt1"/>
+          </a:fontRef>
+        </p:style>
+      </p:sp>
+      <p:sp>
+        <p:nvSpPr>
+          <p:cNvPr id="2" name="Title Placeholder 1"/>
+          <p:cNvSpPr>
+            <a:spLocks noGrp="1"/>
+          </p:cNvSpPr>
+          <p:nvPr>
+            <p:ph type="title"/>
+          </p:nvPr>
+        </p:nvSpPr>
+        <p:spPr>
+          <a:xfrm>
+            <a:off x="646111" y="452718"/>
+            <a:ext cx="9404723" cy="1400530"/>
+          </a:xfrm>
+          <a:prstGeom prst="rect">
+            <a:avLst/>
+          </a:prstGeom>
+        </p:spPr>
+        <p:txBody>
+          <a:bodyPr vert="horz" lIns="91440" tIns="45720" rIns="91440" bIns="45720" rtlCol="0" anchor="t">
+            <a:noAutofit/>
+          </a:bodyPr>
+          <a:lstStyle/>
+          <a:p>
+            <a:r>
+              <a:rPr lang="en-US" smtClean="0"/>
+              <a:t>Click to edit Master title style</a:t>
+            </a:r>
+            <a:endParaRPr lang="en-US" dirty="0"/>
+          </a:p>
+        </p:txBody>
+      </p:sp>
+      <p:sp>
+        <p:nvSpPr>
+          <p:cNvPr id="3" name="Text Placeholder 2"/>
+          <p:cNvSpPr>
+            <a:spLocks noGrp="1"/>
+          </p:cNvSpPr>
+          <p:nvPr>
+            <p:ph type="body" idx="1"/>
+          </p:nvPr>
+        </p:nvSpPr>
+        <p:spPr>
+          <a:xfrm>
+            <a:off x="1103312" y="2052918"/>
+            <a:ext cx="8946541" cy="4195481"/>
+          </a:xfrm>
+          <a:prstGeom prst="rect">
+            <a:avLst/>
+          </a:prstGeom>
+        </p:spPr>
+        <p:txBody>
+          <a:bodyPr vert="horz" lIns="91440" tIns="45720" rIns="91440" bIns="45720" rtlCol="0">
+            <a:normAutofit/>
+          </a:bodyPr>
+          <a:lstStyle/>
+          <a:p>
+            <a:pPr lvl="0"/>
+            <a:r>
+              <a:rPr lang="en-US" smtClean="0"/>
+              <a:t>Edit Master text styles</a:t>
+            </a:r>
+          </a:p>
+          <a:p>
+            <a:pPr lvl="1"/>
+            <a:r>
+              <a:rPr lang="en-US" smtClean="0"/>
+              <a:t>Second level</a:t>
+            </a:r>
+          </a:p>
+          <a:p>
+            <a:pPr lvl="2"/>
+            <a:r>
+              <a:rPr lang="en-US" smtClean="0"/>
+              <a:t>Third level</a:t>
+            </a:r>
+          </a:p>
+          <a:p>
+            <a:pPr lvl="3"/>
+            <a:r>
+              <a:rPr lang="en-US" smtClean="0"/>
+              <a:t>Fourth level</a:t>
+            </a:r>
+          </a:p>
+          <a:p>
+            <a:pPr lvl="4"/>
+            <a:r>
+              <a:rPr lang="en-US" smtClean="0"/>
+              <a:t>Fifth level</a:t>
+            </a:r>
+            <a:endParaRPr lang="en-US" dirty="0"/>
+          </a:p>
+        </p:txBody>
+      </p:sp>
+      <p:sp>
+        <p:nvSpPr>
+          <p:cNvPr id="4" name="Date Placeholder 3"/>
+          <p:cNvSpPr>
+            <a:spLocks noGrp="1"/>
+          </p:cNvSpPr>
+          <p:nvPr>
+            <p:ph type="dt" sz="half" idx="2"/>
+          </p:nvPr>
+        </p:nvSpPr>
+        <p:spPr>
+          <a:xfrm rot="5400000">
+            <a:off x="10155639" y="1790701"/>
+            <a:ext cx="990599" cy="304799"/>
+          </a:xfrm>
+          <a:prstGeom prst="rect">
+            <a:avLst/>
+          </a:prstGeom>
+        </p:spPr>
+        <p:txBody>
+          <a:bodyPr vert="horz" lIns="91440" tIns="45720" rIns="91440" bIns="45720" rtlCol="0" anchor="t"/>
           <a:lstStyle>
             <a:lvl1pPr algn="l">
-              <a:defRPr sz="1200">
+              <a:defRPr sz="1100" b="0" i="0">
+                <a:solidFill>
+                  <a:schemeClr val="tx1">
+                    <a:tint val="75000"/>
+                    <a:alpha val="60000"/>
+                  </a:schemeClr>
+                </a:solidFill>
+              </a:defRPr>
+            </a:lvl1pPr>
+          </a:lstStyle>
+          <a:p>
+            <a:fld id="{9B224A76-EB01-42F6-9BEE-495C4C895051}" type="datetimeFigureOut">
+              <a:rPr lang="en-GB" smtClean="0"/>
+              <a:t>17/05/2019</a:t>
+            </a:fld>
+            <a:endParaRPr lang="en-GB"/>
+          </a:p>
+        </p:txBody>
+      </p:sp>
+      <p:sp>
+        <p:nvSpPr>
+          <p:cNvPr id="5" name="Footer Placeholder 4"/>
+          <p:cNvSpPr>
+            <a:spLocks noGrp="1"/>
+          </p:cNvSpPr>
+          <p:nvPr>
+            <p:ph type="ftr" sz="quarter" idx="3"/>
+          </p:nvPr>
+        </p:nvSpPr>
+        <p:spPr>
+          <a:xfrm rot="5400000">
+            <a:off x="8951573" y="3225297"/>
+            <a:ext cx="3859795" cy="304801"/>
+          </a:xfrm>
+          <a:prstGeom prst="rect">
+            <a:avLst/>
+          </a:prstGeom>
+        </p:spPr>
+        <p:txBody>
+          <a:bodyPr vert="horz" lIns="91440" tIns="45720" rIns="91440" bIns="45720" rtlCol="0" anchor="b"/>
+          <a:lstStyle>
+            <a:lvl1pPr algn="l">
+              <a:defRPr sz="1100" b="0" i="0">
+                <a:solidFill>
+                  <a:schemeClr val="tx1">
+                    <a:tint val="75000"/>
+                    <a:alpha val="60000"/>
+                  </a:schemeClr>
+                </a:solidFill>
+              </a:defRPr>
+            </a:lvl1pPr>
+          </a:lstStyle>
+          <a:p>
+            <a:endParaRPr lang="en-GB"/>
+          </a:p>
+        </p:txBody>
+      </p:sp>
+      <p:sp>
+        <p:nvSpPr>
+          <p:cNvPr id="6" name="Slide Number Placeholder 5"/>
+          <p:cNvSpPr>
+            <a:spLocks noGrp="1"/>
+          </p:cNvSpPr>
+          <p:nvPr>
+            <p:ph type="sldNum" sz="quarter" idx="4"/>
+          </p:nvPr>
+        </p:nvSpPr>
+        <p:spPr>
+          <a:xfrm>
+            <a:off x="10352540" y="295729"/>
+            <a:ext cx="838199" cy="767687"/>
+          </a:xfrm>
+          <a:prstGeom prst="rect">
+            <a:avLst/>
+          </a:prstGeom>
+        </p:spPr>
+        <p:txBody>
+          <a:bodyPr vert="horz" lIns="91440" tIns="45720" rIns="91440" bIns="45720" rtlCol="0" anchor="b"/>
+          <a:lstStyle>
+            <a:lvl1pPr algn="ctr">
+              <a:defRPr sz="2800" b="0" i="0">
                 <a:solidFill>
                   <a:schemeClr val="tx1">
                     <a:tint val="75000"/>
@@ -2923,96 +7101,6 @@
             </a:lvl1pPr>
           </a:lstStyle>
           <a:p>
-            <a:fld id="{9B224A76-EB01-42F6-9BEE-495C4C895051}" type="datetimeFigureOut">
-              <a:rPr lang="en-GB" smtClean="0"/>
-              <a:t>16/05/2019</a:t>
-            </a:fld>
-            <a:endParaRPr lang="en-GB"/>
-          </a:p>
-        </p:txBody>
-      </p:sp>
-      <p:sp>
-        <p:nvSpPr>
-          <p:cNvPr id="5" name="Footer Placeholder 4">
-            <a:extLst>
-              <a:ext uri="{FF2B5EF4-FFF2-40B4-BE49-F238E27FC236}">
-                <a16:creationId xmlns:a16="http://schemas.microsoft.com/office/drawing/2014/main" id="{B71F58FA-BD66-45E2-8814-12D47830F17B}"/>
-              </a:ext>
-            </a:extLst>
-          </p:cNvPr>
-          <p:cNvSpPr>
-            <a:spLocks noGrp="1"/>
-          </p:cNvSpPr>
-          <p:nvPr>
-            <p:ph type="ftr" sz="quarter" idx="3"/>
-          </p:nvPr>
-        </p:nvSpPr>
-        <p:spPr>
-          <a:xfrm>
-            <a:off x="4038600" y="6356350"/>
-            <a:ext cx="4114800" cy="365125"/>
-          </a:xfrm>
-          <a:prstGeom prst="rect">
-            <a:avLst/>
-          </a:prstGeom>
-        </p:spPr>
-        <p:txBody>
-          <a:bodyPr vert="horz" lIns="91440" tIns="45720" rIns="91440" bIns="45720" rtlCol="0" anchor="ctr"/>
-          <a:lstStyle>
-            <a:lvl1pPr algn="ctr">
-              <a:defRPr sz="1200">
-                <a:solidFill>
-                  <a:schemeClr val="tx1">
-                    <a:tint val="75000"/>
-                  </a:schemeClr>
-                </a:solidFill>
-              </a:defRPr>
-            </a:lvl1pPr>
-          </a:lstStyle>
-          <a:p>
-            <a:endParaRPr lang="en-GB"/>
-          </a:p>
-        </p:txBody>
-      </p:sp>
-      <p:sp>
-        <p:nvSpPr>
-          <p:cNvPr id="6" name="Slide Number Placeholder 5">
-            <a:extLst>
-              <a:ext uri="{FF2B5EF4-FFF2-40B4-BE49-F238E27FC236}">
-                <a16:creationId xmlns:a16="http://schemas.microsoft.com/office/drawing/2014/main" id="{C0F3DB9B-54D3-4FFE-A31D-69B06F54F618}"/>
-              </a:ext>
-            </a:extLst>
-          </p:cNvPr>
-          <p:cNvSpPr>
-            <a:spLocks noGrp="1"/>
-          </p:cNvSpPr>
-          <p:nvPr>
-            <p:ph type="sldNum" sz="quarter" idx="4"/>
-          </p:nvPr>
-        </p:nvSpPr>
-        <p:spPr>
-          <a:xfrm>
-            <a:off x="8610600" y="6356350"/>
-            <a:ext cx="2743200" cy="365125"/>
-          </a:xfrm>
-          <a:prstGeom prst="rect">
-            <a:avLst/>
-          </a:prstGeom>
-        </p:spPr>
-        <p:txBody>
-          <a:bodyPr vert="horz" lIns="91440" tIns="45720" rIns="91440" bIns="45720" rtlCol="0" anchor="ctr"/>
-          <a:lstStyle>
-            <a:lvl1pPr algn="r">
-              <a:defRPr sz="1200">
-                <a:solidFill>
-                  <a:schemeClr val="tx1">
-                    <a:tint val="75000"/>
-                  </a:schemeClr>
-                </a:solidFill>
-              </a:defRPr>
-            </a:lvl1pPr>
-          </a:lstStyle>
-          <a:p>
             <a:fld id="{BB5FEBF0-D89A-4E68-8286-39F5B72375EF}" type="slidenum">
               <a:rPr lang="en-GB" smtClean="0"/>
               <a:t>‹#›</a:t>
@@ -3024,35 +7112,121 @@
     </p:spTree>
     <p:extLst>
       <p:ext uri="{BB962C8B-B14F-4D97-AF65-F5344CB8AC3E}">
-        <p14:creationId xmlns:p14="http://schemas.microsoft.com/office/powerpoint/2010/main" val="2690856926"/>
+        <p14:creationId xmlns:p14="http://schemas.microsoft.com/office/powerpoint/2010/main" val="3728969190"/>
       </p:ext>
     </p:extLst>
   </p:cSld>
-  <p:clrMap bg1="lt1" tx1="dk1" bg2="lt2" tx2="dk2" accent1="accent1" accent2="accent2" accent3="accent3" accent4="accent4" accent5="accent5" accent6="accent6" hlink="hlink" folHlink="folHlink"/>
+  <p:clrMap bg1="dk1" tx1="lt1" bg2="dk2" tx2="lt2" accent1="accent1" accent2="accent2" accent3="accent3" accent4="accent4" accent5="accent5" accent6="accent6" hlink="hlink" folHlink="folHlink"/>
   <p:sldLayoutIdLst>
-    <p:sldLayoutId id="2147483649" r:id="rId1"/>
-    <p:sldLayoutId id="2147483650" r:id="rId2"/>
-    <p:sldLayoutId id="2147483651" r:id="rId3"/>
-    <p:sldLayoutId id="2147483652" r:id="rId4"/>
-    <p:sldLayoutId id="2147483653" r:id="rId5"/>
-    <p:sldLayoutId id="2147483654" r:id="rId6"/>
-    <p:sldLayoutId id="2147483655" r:id="rId7"/>
-    <p:sldLayoutId id="2147483656" r:id="rId8"/>
-    <p:sldLayoutId id="2147483657" r:id="rId9"/>
-    <p:sldLayoutId id="2147483658" r:id="rId10"/>
-    <p:sldLayoutId id="2147483659" r:id="rId11"/>
+    <p:sldLayoutId id="2147483678" r:id="rId1"/>
+    <p:sldLayoutId id="2147483679" r:id="rId2"/>
+    <p:sldLayoutId id="2147483680" r:id="rId3"/>
+    <p:sldLayoutId id="2147483681" r:id="rId4"/>
+    <p:sldLayoutId id="2147483682" r:id="rId5"/>
+    <p:sldLayoutId id="2147483683" r:id="rId6"/>
+    <p:sldLayoutId id="2147483684" r:id="rId7"/>
+    <p:sldLayoutId id="2147483685" r:id="rId8"/>
+    <p:sldLayoutId id="2147483686" r:id="rId9"/>
+    <p:sldLayoutId id="2147483687" r:id="rId10"/>
+    <p:sldLayoutId id="2147483688" r:id="rId11"/>
+    <p:sldLayoutId id="2147483689" r:id="rId12"/>
+    <p:sldLayoutId id="2147483690" r:id="rId13"/>
+    <p:sldLayoutId id="2147483691" r:id="rId14"/>
+    <p:sldLayoutId id="2147483692" r:id="rId15"/>
+    <p:sldLayoutId id="2147483693" r:id="rId16"/>
+    <p:sldLayoutId id="2147483694" r:id="rId17"/>
   </p:sldLayoutIdLst>
   <p:txStyles>
     <p:titleStyle>
-      <a:lvl1pPr algn="l" defTabSz="914400" rtl="0" eaLnBrk="1" latinLnBrk="0" hangingPunct="1">
-        <a:lnSpc>
-          <a:spcPct val="90000"/>
-        </a:lnSpc>
+      <a:lvl1pPr algn="l" defTabSz="457200" rtl="0" eaLnBrk="1" latinLnBrk="0" hangingPunct="1">
         <a:spcBef>
           <a:spcPct val="0"/>
         </a:spcBef>
         <a:buNone/>
-        <a:defRPr sz="4400" kern="1200">
+        <a:defRPr sz="4200" b="0" i="0" kern="1200">
+          <a:solidFill>
+            <a:schemeClr val="tx2"/>
+          </a:solidFill>
+          <a:latin typeface="+mj-lt"/>
+          <a:ea typeface="+mj-ea"/>
+          <a:cs typeface="+mj-cs"/>
+        </a:defRPr>
+      </a:lvl1pPr>
+      <a:lvl2pPr eaLnBrk="1" hangingPunct="1">
+        <a:defRPr>
+          <a:solidFill>
+            <a:schemeClr val="tx2"/>
+          </a:solidFill>
+        </a:defRPr>
+      </a:lvl2pPr>
+      <a:lvl3pPr eaLnBrk="1" hangingPunct="1">
+        <a:defRPr>
+          <a:solidFill>
+            <a:schemeClr val="tx2"/>
+          </a:solidFill>
+        </a:defRPr>
+      </a:lvl3pPr>
+      <a:lvl4pPr eaLnBrk="1" hangingPunct="1">
+        <a:defRPr>
+          <a:solidFill>
+            <a:schemeClr val="tx2"/>
+          </a:solidFill>
+        </a:defRPr>
+      </a:lvl4pPr>
+      <a:lvl5pPr eaLnBrk="1" hangingPunct="1">
+        <a:defRPr>
+          <a:solidFill>
+            <a:schemeClr val="tx2"/>
+          </a:solidFill>
+        </a:defRPr>
+      </a:lvl5pPr>
+      <a:lvl6pPr eaLnBrk="1" hangingPunct="1">
+        <a:defRPr>
+          <a:solidFill>
+            <a:schemeClr val="tx2"/>
+          </a:solidFill>
+        </a:defRPr>
+      </a:lvl6pPr>
+      <a:lvl7pPr eaLnBrk="1" hangingPunct="1">
+        <a:defRPr>
+          <a:solidFill>
+            <a:schemeClr val="tx2"/>
+          </a:solidFill>
+        </a:defRPr>
+      </a:lvl7pPr>
+      <a:lvl8pPr eaLnBrk="1" hangingPunct="1">
+        <a:defRPr>
+          <a:solidFill>
+            <a:schemeClr val="tx2"/>
+          </a:solidFill>
+        </a:defRPr>
+      </a:lvl8pPr>
+      <a:lvl9pPr eaLnBrk="1" hangingPunct="1">
+        <a:defRPr>
+          <a:solidFill>
+            <a:schemeClr val="tx2"/>
+          </a:solidFill>
+        </a:defRPr>
+      </a:lvl9pPr>
+    </p:titleStyle>
+    <p:bodyStyle>
+      <a:lvl1pPr marL="342900" indent="-342900" algn="l" defTabSz="457200" rtl="0" eaLnBrk="1" latinLnBrk="0" hangingPunct="1">
+        <a:spcBef>
+          <a:spcPts val="1000"/>
+        </a:spcBef>
+        <a:spcAft>
+          <a:spcPts val="0"/>
+        </a:spcAft>
+        <a:buClr>
+          <a:schemeClr val="bg2">
+            <a:lumMod val="40000"/>
+            <a:lumOff val="60000"/>
+          </a:schemeClr>
+        </a:buClr>
+        <a:buSzPct val="80000"/>
+        <a:buFont typeface="Wingdings 3" charset="2"/>
+        <a:buChar char=""/>
+        <a:defRPr sz="2000" b="0" i="0" kern="1200">
           <a:solidFill>
             <a:schemeClr val="tx1"/>
           </a:solidFill>
@@ -3061,18 +7235,213 @@
           <a:cs typeface="+mj-cs"/>
         </a:defRPr>
       </a:lvl1pPr>
-    </p:titleStyle>
-    <p:bodyStyle>
-      <a:lvl1pPr marL="228600" indent="-228600" algn="l" defTabSz="914400" rtl="0" eaLnBrk="1" latinLnBrk="0" hangingPunct="1">
-        <a:lnSpc>
-          <a:spcPct val="90000"/>
-        </a:lnSpc>
+      <a:lvl2pPr marL="742950" indent="-285750" algn="l" defTabSz="457200" rtl="0" eaLnBrk="1" latinLnBrk="0" hangingPunct="1">
         <a:spcBef>
           <a:spcPts val="1000"/>
         </a:spcBef>
-        <a:buFont typeface="Arial" panose="020B0604020202020204" pitchFamily="34" charset="0"/>
-        <a:buChar char="•"/>
-        <a:defRPr sz="2800" kern="1200">
+        <a:spcAft>
+          <a:spcPts val="0"/>
+        </a:spcAft>
+        <a:buClr>
+          <a:schemeClr val="bg2">
+            <a:lumMod val="40000"/>
+            <a:lumOff val="60000"/>
+          </a:schemeClr>
+        </a:buClr>
+        <a:buSzPct val="80000"/>
+        <a:buFont typeface="Wingdings 3" charset="2"/>
+        <a:buChar char=""/>
+        <a:defRPr sz="1800" b="0" i="0" kern="1200">
+          <a:solidFill>
+            <a:schemeClr val="tx1"/>
+          </a:solidFill>
+          <a:latin typeface="+mj-lt"/>
+          <a:ea typeface="+mj-ea"/>
+          <a:cs typeface="+mj-cs"/>
+        </a:defRPr>
+      </a:lvl2pPr>
+      <a:lvl3pPr marL="1143000" indent="-228600" algn="l" defTabSz="457200" rtl="0" eaLnBrk="1" latinLnBrk="0" hangingPunct="1">
+        <a:spcBef>
+          <a:spcPts val="1000"/>
+        </a:spcBef>
+        <a:spcAft>
+          <a:spcPts val="0"/>
+        </a:spcAft>
+        <a:buClr>
+          <a:schemeClr val="bg2">
+            <a:lumMod val="40000"/>
+            <a:lumOff val="60000"/>
+          </a:schemeClr>
+        </a:buClr>
+        <a:buSzPct val="80000"/>
+        <a:buFont typeface="Wingdings 3" charset="2"/>
+        <a:buChar char=""/>
+        <a:defRPr sz="1600" b="0" i="0" kern="1200">
+          <a:solidFill>
+            <a:schemeClr val="tx1"/>
+          </a:solidFill>
+          <a:latin typeface="+mj-lt"/>
+          <a:ea typeface="+mj-ea"/>
+          <a:cs typeface="+mj-cs"/>
+        </a:defRPr>
+      </a:lvl3pPr>
+      <a:lvl4pPr marL="1600200" indent="-228600" algn="l" defTabSz="457200" rtl="0" eaLnBrk="1" latinLnBrk="0" hangingPunct="1">
+        <a:spcBef>
+          <a:spcPts val="1000"/>
+        </a:spcBef>
+        <a:spcAft>
+          <a:spcPts val="0"/>
+        </a:spcAft>
+        <a:buClr>
+          <a:schemeClr val="bg2">
+            <a:lumMod val="40000"/>
+            <a:lumOff val="60000"/>
+          </a:schemeClr>
+        </a:buClr>
+        <a:buSzPct val="80000"/>
+        <a:buFont typeface="Wingdings 3" charset="2"/>
+        <a:buChar char=""/>
+        <a:defRPr sz="1400" b="0" i="0" kern="1200">
+          <a:solidFill>
+            <a:schemeClr val="tx1"/>
+          </a:solidFill>
+          <a:latin typeface="+mj-lt"/>
+          <a:ea typeface="+mj-ea"/>
+          <a:cs typeface="+mj-cs"/>
+        </a:defRPr>
+      </a:lvl4pPr>
+      <a:lvl5pPr marL="2057400" indent="-228600" algn="l" defTabSz="457200" rtl="0" eaLnBrk="1" latinLnBrk="0" hangingPunct="1">
+        <a:spcBef>
+          <a:spcPts val="1000"/>
+        </a:spcBef>
+        <a:spcAft>
+          <a:spcPts val="0"/>
+        </a:spcAft>
+        <a:buClr>
+          <a:schemeClr val="bg2">
+            <a:lumMod val="40000"/>
+            <a:lumOff val="60000"/>
+          </a:schemeClr>
+        </a:buClr>
+        <a:buSzPct val="80000"/>
+        <a:buFont typeface="Wingdings 3" charset="2"/>
+        <a:buChar char=""/>
+        <a:defRPr sz="1400" b="0" i="0" kern="1200">
+          <a:solidFill>
+            <a:schemeClr val="tx1"/>
+          </a:solidFill>
+          <a:latin typeface="+mj-lt"/>
+          <a:ea typeface="+mj-ea"/>
+          <a:cs typeface="+mj-cs"/>
+        </a:defRPr>
+      </a:lvl5pPr>
+      <a:lvl6pPr marL="2506000" indent="-228600" algn="l" defTabSz="457200" rtl="0" eaLnBrk="1" latinLnBrk="0" hangingPunct="1">
+        <a:spcBef>
+          <a:spcPts val="1000"/>
+        </a:spcBef>
+        <a:spcAft>
+          <a:spcPts val="0"/>
+        </a:spcAft>
+        <a:buClr>
+          <a:schemeClr val="bg2">
+            <a:lumMod val="40000"/>
+            <a:lumOff val="60000"/>
+          </a:schemeClr>
+        </a:buClr>
+        <a:buSzPct val="80000"/>
+        <a:buFont typeface="Wingdings 3" charset="2"/>
+        <a:buChar char=""/>
+        <a:defRPr sz="1400" b="0" i="0" kern="1200">
+          <a:solidFill>
+            <a:schemeClr val="tx1"/>
+          </a:solidFill>
+          <a:latin typeface="+mj-lt"/>
+          <a:ea typeface="+mj-ea"/>
+          <a:cs typeface="+mj-cs"/>
+        </a:defRPr>
+      </a:lvl6pPr>
+      <a:lvl7pPr marL="2971800" indent="-228600" algn="l" defTabSz="457200" rtl="0" eaLnBrk="1" latinLnBrk="0" hangingPunct="1">
+        <a:spcBef>
+          <a:spcPts val="1000"/>
+        </a:spcBef>
+        <a:spcAft>
+          <a:spcPts val="0"/>
+        </a:spcAft>
+        <a:buClr>
+          <a:schemeClr val="bg2">
+            <a:lumMod val="40000"/>
+            <a:lumOff val="60000"/>
+          </a:schemeClr>
+        </a:buClr>
+        <a:buSzPct val="80000"/>
+        <a:buFont typeface="Wingdings 3" charset="2"/>
+        <a:buChar char=""/>
+        <a:defRPr sz="1400" b="0" i="0" kern="1200">
+          <a:solidFill>
+            <a:schemeClr val="tx1"/>
+          </a:solidFill>
+          <a:latin typeface="+mj-lt"/>
+          <a:ea typeface="+mj-ea"/>
+          <a:cs typeface="+mj-cs"/>
+        </a:defRPr>
+      </a:lvl7pPr>
+      <a:lvl8pPr marL="3429000" indent="-228600" algn="l" defTabSz="457200" rtl="0" eaLnBrk="1" latinLnBrk="0" hangingPunct="1">
+        <a:spcBef>
+          <a:spcPts val="1000"/>
+        </a:spcBef>
+        <a:spcAft>
+          <a:spcPts val="0"/>
+        </a:spcAft>
+        <a:buClr>
+          <a:schemeClr val="bg2">
+            <a:lumMod val="40000"/>
+            <a:lumOff val="60000"/>
+          </a:schemeClr>
+        </a:buClr>
+        <a:buSzPct val="80000"/>
+        <a:buFont typeface="Wingdings 3" charset="2"/>
+        <a:buChar char=""/>
+        <a:defRPr sz="1400" b="0" i="0" kern="1200">
+          <a:solidFill>
+            <a:schemeClr val="tx1"/>
+          </a:solidFill>
+          <a:latin typeface="+mj-lt"/>
+          <a:ea typeface="+mj-ea"/>
+          <a:cs typeface="+mj-cs"/>
+        </a:defRPr>
+      </a:lvl8pPr>
+      <a:lvl9pPr marL="3886200" indent="-228600" algn="l" defTabSz="457200" rtl="0" eaLnBrk="1" latinLnBrk="0" hangingPunct="1">
+        <a:spcBef>
+          <a:spcPts val="1000"/>
+        </a:spcBef>
+        <a:spcAft>
+          <a:spcPts val="0"/>
+        </a:spcAft>
+        <a:buClr>
+          <a:schemeClr val="bg2">
+            <a:lumMod val="40000"/>
+            <a:lumOff val="60000"/>
+          </a:schemeClr>
+        </a:buClr>
+        <a:buSzPct val="80000"/>
+        <a:buFont typeface="Wingdings 3" charset="2"/>
+        <a:buChar char=""/>
+        <a:defRPr sz="1400" b="0" i="0" kern="1200">
+          <a:solidFill>
+            <a:schemeClr val="tx1"/>
+          </a:solidFill>
+          <a:latin typeface="+mj-lt"/>
+          <a:ea typeface="+mj-ea"/>
+          <a:cs typeface="+mj-cs"/>
+        </a:defRPr>
+      </a:lvl9pPr>
+    </p:bodyStyle>
+    <p:otherStyle>
+      <a:defPPr>
+        <a:defRPr lang="en-US"/>
+      </a:defPPr>
+      <a:lvl1pPr marL="0" algn="l" defTabSz="457200" rtl="0" eaLnBrk="1" latinLnBrk="0" hangingPunct="1">
+        <a:defRPr sz="1800" kern="1200">
           <a:solidFill>
             <a:schemeClr val="tx1"/>
           </a:solidFill>
@@ -3081,16 +7450,8 @@
           <a:cs typeface="+mn-cs"/>
         </a:defRPr>
       </a:lvl1pPr>
-      <a:lvl2pPr marL="685800" indent="-228600" algn="l" defTabSz="914400" rtl="0" eaLnBrk="1" latinLnBrk="0" hangingPunct="1">
-        <a:lnSpc>
-          <a:spcPct val="90000"/>
-        </a:lnSpc>
-        <a:spcBef>
-          <a:spcPts val="500"/>
-        </a:spcBef>
-        <a:buFont typeface="Arial" panose="020B0604020202020204" pitchFamily="34" charset="0"/>
-        <a:buChar char="•"/>
-        <a:defRPr sz="2400" kern="1200">
+      <a:lvl2pPr marL="457200" algn="l" defTabSz="457200" rtl="0" eaLnBrk="1" latinLnBrk="0" hangingPunct="1">
+        <a:defRPr sz="1800" kern="1200">
           <a:solidFill>
             <a:schemeClr val="tx1"/>
           </a:solidFill>
@@ -3099,16 +7460,8 @@
           <a:cs typeface="+mn-cs"/>
         </a:defRPr>
       </a:lvl2pPr>
-      <a:lvl3pPr marL="1143000" indent="-228600" algn="l" defTabSz="914400" rtl="0" eaLnBrk="1" latinLnBrk="0" hangingPunct="1">
-        <a:lnSpc>
-          <a:spcPct val="90000"/>
-        </a:lnSpc>
-        <a:spcBef>
-          <a:spcPts val="500"/>
-        </a:spcBef>
-        <a:buFont typeface="Arial" panose="020B0604020202020204" pitchFamily="34" charset="0"/>
-        <a:buChar char="•"/>
-        <a:defRPr sz="2000" kern="1200">
+      <a:lvl3pPr marL="914400" algn="l" defTabSz="457200" rtl="0" eaLnBrk="1" latinLnBrk="0" hangingPunct="1">
+        <a:defRPr sz="1800" kern="1200">
           <a:solidFill>
             <a:schemeClr val="tx1"/>
           </a:solidFill>
@@ -3117,15 +7470,7 @@
           <a:cs typeface="+mn-cs"/>
         </a:defRPr>
       </a:lvl3pPr>
-      <a:lvl4pPr marL="1600200" indent="-228600" algn="l" defTabSz="914400" rtl="0" eaLnBrk="1" latinLnBrk="0" hangingPunct="1">
-        <a:lnSpc>
-          <a:spcPct val="90000"/>
-        </a:lnSpc>
-        <a:spcBef>
-          <a:spcPts val="500"/>
-        </a:spcBef>
-        <a:buFont typeface="Arial" panose="020B0604020202020204" pitchFamily="34" charset="0"/>
-        <a:buChar char="•"/>
+      <a:lvl4pPr marL="1371600" algn="l" defTabSz="457200" rtl="0" eaLnBrk="1" latinLnBrk="0" hangingPunct="1">
         <a:defRPr sz="1800" kern="1200">
           <a:solidFill>
             <a:schemeClr val="tx1"/>
@@ -3135,15 +7480,7 @@
           <a:cs typeface="+mn-cs"/>
         </a:defRPr>
       </a:lvl4pPr>
-      <a:lvl5pPr marL="2057400" indent="-228600" algn="l" defTabSz="914400" rtl="0" eaLnBrk="1" latinLnBrk="0" hangingPunct="1">
-        <a:lnSpc>
-          <a:spcPct val="90000"/>
-        </a:lnSpc>
-        <a:spcBef>
-          <a:spcPts val="500"/>
-        </a:spcBef>
-        <a:buFont typeface="Arial" panose="020B0604020202020204" pitchFamily="34" charset="0"/>
-        <a:buChar char="•"/>
+      <a:lvl5pPr marL="1828800" algn="l" defTabSz="457200" rtl="0" eaLnBrk="1" latinLnBrk="0" hangingPunct="1">
         <a:defRPr sz="1800" kern="1200">
           <a:solidFill>
             <a:schemeClr val="tx1"/>
@@ -3153,15 +7490,7 @@
           <a:cs typeface="+mn-cs"/>
         </a:defRPr>
       </a:lvl5pPr>
-      <a:lvl6pPr marL="2514600" indent="-228600" algn="l" defTabSz="914400" rtl="0" eaLnBrk="1" latinLnBrk="0" hangingPunct="1">
-        <a:lnSpc>
-          <a:spcPct val="90000"/>
-        </a:lnSpc>
-        <a:spcBef>
-          <a:spcPts val="500"/>
-        </a:spcBef>
-        <a:buFont typeface="Arial" panose="020B0604020202020204" pitchFamily="34" charset="0"/>
-        <a:buChar char="•"/>
+      <a:lvl6pPr marL="2286000" algn="l" defTabSz="457200" rtl="0" eaLnBrk="1" latinLnBrk="0" hangingPunct="1">
         <a:defRPr sz="1800" kern="1200">
           <a:solidFill>
             <a:schemeClr val="tx1"/>
@@ -3171,15 +7500,7 @@
           <a:cs typeface="+mn-cs"/>
         </a:defRPr>
       </a:lvl6pPr>
-      <a:lvl7pPr marL="2971800" indent="-228600" algn="l" defTabSz="914400" rtl="0" eaLnBrk="1" latinLnBrk="0" hangingPunct="1">
-        <a:lnSpc>
-          <a:spcPct val="90000"/>
-        </a:lnSpc>
-        <a:spcBef>
-          <a:spcPts val="500"/>
-        </a:spcBef>
-        <a:buFont typeface="Arial" panose="020B0604020202020204" pitchFamily="34" charset="0"/>
-        <a:buChar char="•"/>
+      <a:lvl7pPr marL="2743200" algn="l" defTabSz="457200" rtl="0" eaLnBrk="1" latinLnBrk="0" hangingPunct="1">
         <a:defRPr sz="1800" kern="1200">
           <a:solidFill>
             <a:schemeClr val="tx1"/>
@@ -3189,15 +7510,7 @@
           <a:cs typeface="+mn-cs"/>
         </a:defRPr>
       </a:lvl7pPr>
-      <a:lvl8pPr marL="3429000" indent="-228600" algn="l" defTabSz="914400" rtl="0" eaLnBrk="1" latinLnBrk="0" hangingPunct="1">
-        <a:lnSpc>
-          <a:spcPct val="90000"/>
-        </a:lnSpc>
-        <a:spcBef>
-          <a:spcPts val="500"/>
-        </a:spcBef>
-        <a:buFont typeface="Arial" panose="020B0604020202020204" pitchFamily="34" charset="0"/>
-        <a:buChar char="•"/>
+      <a:lvl8pPr marL="3200400" algn="l" defTabSz="457200" rtl="0" eaLnBrk="1" latinLnBrk="0" hangingPunct="1">
         <a:defRPr sz="1800" kern="1200">
           <a:solidFill>
             <a:schemeClr val="tx1"/>
@@ -3207,110 +7520,7 @@
           <a:cs typeface="+mn-cs"/>
         </a:defRPr>
       </a:lvl8pPr>
-      <a:lvl9pPr marL="3886200" indent="-228600" algn="l" defTabSz="914400" rtl="0" eaLnBrk="1" latinLnBrk="0" hangingPunct="1">
-        <a:lnSpc>
-          <a:spcPct val="90000"/>
-        </a:lnSpc>
-        <a:spcBef>
-          <a:spcPts val="500"/>
-        </a:spcBef>
-        <a:buFont typeface="Arial" panose="020B0604020202020204" pitchFamily="34" charset="0"/>
-        <a:buChar char="•"/>
-        <a:defRPr sz="1800" kern="1200">
-          <a:solidFill>
-            <a:schemeClr val="tx1"/>
-          </a:solidFill>
-          <a:latin typeface="+mn-lt"/>
-          <a:ea typeface="+mn-ea"/>
-          <a:cs typeface="+mn-cs"/>
-        </a:defRPr>
-      </a:lvl9pPr>
-    </p:bodyStyle>
-    <p:otherStyle>
-      <a:defPPr>
-        <a:defRPr lang="en-US"/>
-      </a:defPPr>
-      <a:lvl1pPr marL="0" algn="l" defTabSz="914400" rtl="0" eaLnBrk="1" latinLnBrk="0" hangingPunct="1">
-        <a:defRPr sz="1800" kern="1200">
-          <a:solidFill>
-            <a:schemeClr val="tx1"/>
-          </a:solidFill>
-          <a:latin typeface="+mn-lt"/>
-          <a:ea typeface="+mn-ea"/>
-          <a:cs typeface="+mn-cs"/>
-        </a:defRPr>
-      </a:lvl1pPr>
-      <a:lvl2pPr marL="457200" algn="l" defTabSz="914400" rtl="0" eaLnBrk="1" latinLnBrk="0" hangingPunct="1">
-        <a:defRPr sz="1800" kern="1200">
-          <a:solidFill>
-            <a:schemeClr val="tx1"/>
-          </a:solidFill>
-          <a:latin typeface="+mn-lt"/>
-          <a:ea typeface="+mn-ea"/>
-          <a:cs typeface="+mn-cs"/>
-        </a:defRPr>
-      </a:lvl2pPr>
-      <a:lvl3pPr marL="914400" algn="l" defTabSz="914400" rtl="0" eaLnBrk="1" latinLnBrk="0" hangingPunct="1">
-        <a:defRPr sz="1800" kern="1200">
-          <a:solidFill>
-            <a:schemeClr val="tx1"/>
-          </a:solidFill>
-          <a:latin typeface="+mn-lt"/>
-          <a:ea typeface="+mn-ea"/>
-          <a:cs typeface="+mn-cs"/>
-        </a:defRPr>
-      </a:lvl3pPr>
-      <a:lvl4pPr marL="1371600" algn="l" defTabSz="914400" rtl="0" eaLnBrk="1" latinLnBrk="0" hangingPunct="1">
-        <a:defRPr sz="1800" kern="1200">
-          <a:solidFill>
-            <a:schemeClr val="tx1"/>
-          </a:solidFill>
-          <a:latin typeface="+mn-lt"/>
-          <a:ea typeface="+mn-ea"/>
-          <a:cs typeface="+mn-cs"/>
-        </a:defRPr>
-      </a:lvl4pPr>
-      <a:lvl5pPr marL="1828800" algn="l" defTabSz="914400" rtl="0" eaLnBrk="1" latinLnBrk="0" hangingPunct="1">
-        <a:defRPr sz="1800" kern="1200">
-          <a:solidFill>
-            <a:schemeClr val="tx1"/>
-          </a:solidFill>
-          <a:latin typeface="+mn-lt"/>
-          <a:ea typeface="+mn-ea"/>
-          <a:cs typeface="+mn-cs"/>
-        </a:defRPr>
-      </a:lvl5pPr>
-      <a:lvl6pPr marL="2286000" algn="l" defTabSz="914400" rtl="0" eaLnBrk="1" latinLnBrk="0" hangingPunct="1">
-        <a:defRPr sz="1800" kern="1200">
-          <a:solidFill>
-            <a:schemeClr val="tx1"/>
-          </a:solidFill>
-          <a:latin typeface="+mn-lt"/>
-          <a:ea typeface="+mn-ea"/>
-          <a:cs typeface="+mn-cs"/>
-        </a:defRPr>
-      </a:lvl6pPr>
-      <a:lvl7pPr marL="2743200" algn="l" defTabSz="914400" rtl="0" eaLnBrk="1" latinLnBrk="0" hangingPunct="1">
-        <a:defRPr sz="1800" kern="1200">
-          <a:solidFill>
-            <a:schemeClr val="tx1"/>
-          </a:solidFill>
-          <a:latin typeface="+mn-lt"/>
-          <a:ea typeface="+mn-ea"/>
-          <a:cs typeface="+mn-cs"/>
-        </a:defRPr>
-      </a:lvl7pPr>
-      <a:lvl8pPr marL="3200400" algn="l" defTabSz="914400" rtl="0" eaLnBrk="1" latinLnBrk="0" hangingPunct="1">
-        <a:defRPr sz="1800" kern="1200">
-          <a:solidFill>
-            <a:schemeClr val="tx1"/>
-          </a:solidFill>
-          <a:latin typeface="+mn-lt"/>
-          <a:ea typeface="+mn-ea"/>
-          <a:cs typeface="+mn-cs"/>
-        </a:defRPr>
-      </a:lvl8pPr>
-      <a:lvl9pPr marL="3657600" algn="l" defTabSz="914400" rtl="0" eaLnBrk="1" latinLnBrk="0" hangingPunct="1">
+      <a:lvl9pPr marL="3657600" algn="l" defTabSz="457200" rtl="0" eaLnBrk="1" latinLnBrk="0" hangingPunct="1">
         <a:defRPr sz="1800" kern="1200">
           <a:solidFill>
             <a:schemeClr val="tx1"/>
@@ -3364,10 +7574,14 @@
           <a:lstStyle/>
           <a:p>
             <a:r>
-              <a:rPr lang="en-US" dirty="0"/>
-              <a:t>Team 5 </a:t>
-            </a:r>
-            <a:endParaRPr lang="en-GB" dirty="0"/>
+              <a:rPr lang="en-US" sz="11500" dirty="0"/>
+              <a:t>Team </a:t>
+            </a:r>
+            <a:r>
+              <a:rPr lang="en-US" sz="11500" dirty="0" smtClean="0"/>
+              <a:t>5</a:t>
+            </a:r>
+            <a:endParaRPr lang="en-GB" sz="11500" dirty="0"/>
           </a:p>
         </p:txBody>
       </p:sp>
@@ -3390,25 +7604,45 @@
         <p:spPr/>
         <p:txBody>
           <a:bodyPr>
-            <a:normAutofit/>
+            <a:normAutofit fontScale="25000" lnSpcReduction="20000"/>
           </a:bodyPr>
           <a:lstStyle/>
           <a:p>
             <a:pPr algn="l"/>
             <a:r>
-              <a:rPr lang="en-GB" dirty="0"/>
-              <a:t>Eleftherios Anastasiou,                   Ben Archer,                               Mirza Baig</a:t>
+              <a:rPr lang="en-GB" sz="8000" dirty="0" err="1"/>
+              <a:t>Eleftherios</a:t>
+            </a:r>
+            <a:r>
+              <a:rPr lang="en-GB" sz="8000" dirty="0"/>
+              <a:t> </a:t>
+            </a:r>
+            <a:r>
+              <a:rPr lang="en-GB" sz="8000" dirty="0" err="1" smtClean="0"/>
+              <a:t>Anastasiou</a:t>
+            </a:r>
+            <a:r>
+              <a:rPr lang="en-GB" sz="8000" dirty="0" smtClean="0"/>
+              <a:t>			Ben Archer 			Mirza </a:t>
+            </a:r>
+            <a:r>
+              <a:rPr lang="en-GB" sz="8000" dirty="0"/>
+              <a:t>Baig</a:t>
             </a:r>
           </a:p>
           <a:p>
             <a:pPr algn="l"/>
+            <a:endParaRPr lang="en-GB" sz="4900" dirty="0"/>
+          </a:p>
+          <a:p>
             <a:endParaRPr lang="en-GB" dirty="0"/>
           </a:p>
           <a:p>
-            <a:endParaRPr lang="en-GB" dirty="0"/>
-          </a:p>
-          <a:p>
-            <a:endParaRPr lang="en-GB" dirty="0"/>
+            <a:r>
+              <a:rPr lang="en-GB" sz="9600" dirty="0" smtClean="0"/>
+              <a:t>Monday</a:t>
+            </a:r>
+            <a:endParaRPr lang="en-GB" sz="9600" dirty="0"/>
           </a:p>
         </p:txBody>
       </p:sp>
@@ -3422,10 +7656,1135 @@
   <p:clrMapOvr>
     <a:masterClrMapping/>
   </p:clrMapOvr>
+  <p:timing>
+    <p:tnLst>
+      <p:par>
+        <p:cTn id="1" dur="indefinite" restart="never" nodeType="tmRoot"/>
+      </p:par>
+    </p:tnLst>
+  </p:timing>
+</p:sld>
+</file>
+
+<file path=ppt/slides/slide10.xml><?xml version="1.0" encoding="utf-8"?>
+<p:sld xmlns:a="http://schemas.openxmlformats.org/drawingml/2006/main" xmlns:r="http://schemas.openxmlformats.org/officeDocument/2006/relationships" xmlns:p="http://schemas.openxmlformats.org/presentationml/2006/main">
+  <p:cSld>
+    <p:spTree>
+      <p:nvGrpSpPr>
+        <p:cNvPr id="1" name=""/>
+        <p:cNvGrpSpPr/>
+        <p:nvPr/>
+      </p:nvGrpSpPr>
+      <p:grpSpPr>
+        <a:xfrm>
+          <a:off x="0" y="0"/>
+          <a:ext cx="0" cy="0"/>
+          <a:chOff x="0" y="0"/>
+          <a:chExt cx="0" cy="0"/>
+        </a:xfrm>
+      </p:grpSpPr>
+      <p:sp>
+        <p:nvSpPr>
+          <p:cNvPr id="2" name="Title 1"/>
+          <p:cNvSpPr>
+            <a:spLocks noGrp="1"/>
+          </p:cNvSpPr>
+          <p:nvPr>
+            <p:ph type="title"/>
+          </p:nvPr>
+        </p:nvSpPr>
+        <p:spPr>
+          <a:xfrm>
+            <a:off x="1192521" y="2905987"/>
+            <a:ext cx="9404723" cy="1400530"/>
+          </a:xfrm>
+        </p:spPr>
+        <p:txBody>
+          <a:bodyPr/>
+          <a:lstStyle/>
+          <a:p>
+            <a:pPr algn="ctr"/>
+            <a:r>
+              <a:rPr lang="en-GB" dirty="0" smtClean="0"/>
+              <a:t>Support plan</a:t>
+            </a:r>
+            <a:endParaRPr lang="en-GB" dirty="0"/>
+          </a:p>
+        </p:txBody>
+      </p:sp>
+    </p:spTree>
+    <p:extLst>
+      <p:ext uri="{BB962C8B-B14F-4D97-AF65-F5344CB8AC3E}">
+        <p14:creationId xmlns:p14="http://schemas.microsoft.com/office/powerpoint/2010/main" val="3048999865"/>
+      </p:ext>
+    </p:extLst>
+  </p:cSld>
+  <p:clrMapOvr>
+    <a:masterClrMapping/>
+  </p:clrMapOvr>
+  <p:timing>
+    <p:tnLst>
+      <p:par>
+        <p:cTn id="1" dur="indefinite" restart="never" nodeType="tmRoot"/>
+      </p:par>
+    </p:tnLst>
+  </p:timing>
+</p:sld>
+</file>
+
+<file path=ppt/slides/slide11.xml><?xml version="1.0" encoding="utf-8"?>
+<p:sld xmlns:a="http://schemas.openxmlformats.org/drawingml/2006/main" xmlns:r="http://schemas.openxmlformats.org/officeDocument/2006/relationships" xmlns:p="http://schemas.openxmlformats.org/presentationml/2006/main">
+  <p:cSld>
+    <p:spTree>
+      <p:nvGrpSpPr>
+        <p:cNvPr id="1" name=""/>
+        <p:cNvGrpSpPr/>
+        <p:nvPr/>
+      </p:nvGrpSpPr>
+      <p:grpSpPr>
+        <a:xfrm>
+          <a:off x="0" y="0"/>
+          <a:ext cx="0" cy="0"/>
+          <a:chOff x="0" y="0"/>
+          <a:chExt cx="0" cy="0"/>
+        </a:xfrm>
+      </p:grpSpPr>
+      <p:sp>
+        <p:nvSpPr>
+          <p:cNvPr id="2" name="Title 1"/>
+          <p:cNvSpPr>
+            <a:spLocks noGrp="1"/>
+          </p:cNvSpPr>
+          <p:nvPr>
+            <p:ph type="title"/>
+          </p:nvPr>
+        </p:nvSpPr>
+        <p:spPr>
+          <a:xfrm>
+            <a:off x="905107" y="2851847"/>
+            <a:ext cx="10515600" cy="1325563"/>
+          </a:xfrm>
+        </p:spPr>
+        <p:txBody>
+          <a:bodyPr/>
+          <a:lstStyle/>
+          <a:p>
+            <a:pPr algn="ctr"/>
+            <a:r>
+              <a:rPr lang="en-GB" dirty="0" smtClean="0"/>
+              <a:t>Project review</a:t>
+            </a:r>
+            <a:endParaRPr lang="en-GB" dirty="0"/>
+          </a:p>
+        </p:txBody>
+      </p:sp>
+    </p:spTree>
+    <p:extLst>
+      <p:ext uri="{BB962C8B-B14F-4D97-AF65-F5344CB8AC3E}">
+        <p14:creationId xmlns:p14="http://schemas.microsoft.com/office/powerpoint/2010/main" val="3848258945"/>
+      </p:ext>
+    </p:extLst>
+  </p:cSld>
+  <p:clrMapOvr>
+    <a:masterClrMapping/>
+  </p:clrMapOvr>
+  <p:timing>
+    <p:tnLst>
+      <p:par>
+        <p:cTn id="1" dur="indefinite" restart="never" nodeType="tmRoot"/>
+      </p:par>
+    </p:tnLst>
+  </p:timing>
+</p:sld>
+</file>
+
+<file path=ppt/slides/slide2.xml><?xml version="1.0" encoding="utf-8"?>
+<p:sld xmlns:a="http://schemas.openxmlformats.org/drawingml/2006/main" xmlns:r="http://schemas.openxmlformats.org/officeDocument/2006/relationships" xmlns:p="http://schemas.openxmlformats.org/presentationml/2006/main">
+  <p:cSld>
+    <p:spTree>
+      <p:nvGrpSpPr>
+        <p:cNvPr id="1" name=""/>
+        <p:cNvGrpSpPr/>
+        <p:nvPr/>
+      </p:nvGrpSpPr>
+      <p:grpSpPr>
+        <a:xfrm>
+          <a:off x="0" y="0"/>
+          <a:ext cx="0" cy="0"/>
+          <a:chOff x="0" y="0"/>
+          <a:chExt cx="0" cy="0"/>
+        </a:xfrm>
+      </p:grpSpPr>
+      <p:sp>
+        <p:nvSpPr>
+          <p:cNvPr id="2" name="Title 1"/>
+          <p:cNvSpPr>
+            <a:spLocks noGrp="1"/>
+          </p:cNvSpPr>
+          <p:nvPr>
+            <p:ph type="title"/>
+          </p:nvPr>
+        </p:nvSpPr>
+        <p:spPr/>
+        <p:txBody>
+          <a:bodyPr/>
+          <a:lstStyle/>
+          <a:p>
+            <a:r>
+              <a:rPr lang="en-GB" dirty="0" smtClean="0"/>
+              <a:t>Problem Definition</a:t>
+            </a:r>
+            <a:endParaRPr lang="en-GB" dirty="0"/>
+          </a:p>
+        </p:txBody>
+      </p:sp>
+      <p:sp>
+        <p:nvSpPr>
+          <p:cNvPr id="3" name="Content Placeholder 2"/>
+          <p:cNvSpPr>
+            <a:spLocks noGrp="1"/>
+          </p:cNvSpPr>
+          <p:nvPr>
+            <p:ph idx="1"/>
+          </p:nvPr>
+        </p:nvSpPr>
+        <p:spPr/>
+        <p:txBody>
+          <a:bodyPr/>
+          <a:lstStyle/>
+          <a:p>
+            <a:r>
+              <a:rPr lang="en-GB" dirty="0" smtClean="0"/>
+              <a:t>After a safety-related incident, an onsite meeting is required.</a:t>
+            </a:r>
+          </a:p>
+          <a:p>
+            <a:pPr lvl="1"/>
+            <a:r>
+              <a:rPr lang="en-GB" dirty="0" smtClean="0"/>
+              <a:t>Site shutdown</a:t>
+            </a:r>
+          </a:p>
+          <a:p>
+            <a:pPr lvl="1"/>
+            <a:r>
+              <a:rPr lang="en-GB" dirty="0" smtClean="0"/>
+              <a:t>Delays</a:t>
+            </a:r>
+          </a:p>
+          <a:p>
+            <a:r>
+              <a:rPr lang="en-GB" dirty="0" smtClean="0"/>
+              <a:t>Can we replace meetings with virtual conferences?</a:t>
+            </a:r>
+          </a:p>
+          <a:p>
+            <a:endParaRPr lang="en-GB" dirty="0"/>
+          </a:p>
+          <a:p>
+            <a:r>
+              <a:rPr lang="en-GB" dirty="0" smtClean="0"/>
+              <a:t>Public attendance at events can be a hindrance</a:t>
+            </a:r>
+          </a:p>
+          <a:p>
+            <a:r>
+              <a:rPr lang="en-GB" dirty="0" smtClean="0"/>
+              <a:t>Can we give members of the public an alternative view</a:t>
+            </a:r>
+          </a:p>
+          <a:p>
+            <a:endParaRPr lang="en-GB" dirty="0" smtClean="0"/>
+          </a:p>
+          <a:p>
+            <a:r>
+              <a:rPr lang="en-GB" dirty="0"/>
+              <a:t>Utilise 360 degree live-streaming video in a multi-user </a:t>
+            </a:r>
+            <a:r>
+              <a:rPr lang="en-GB" dirty="0" smtClean="0"/>
+              <a:t>environment</a:t>
+            </a:r>
+            <a:endParaRPr lang="en-GB" dirty="0"/>
+          </a:p>
+          <a:p>
+            <a:endParaRPr lang="en-GB" dirty="0" smtClean="0"/>
+          </a:p>
+        </p:txBody>
+      </p:sp>
+    </p:spTree>
+    <p:extLst>
+      <p:ext uri="{BB962C8B-B14F-4D97-AF65-F5344CB8AC3E}">
+        <p14:creationId xmlns:p14="http://schemas.microsoft.com/office/powerpoint/2010/main" val="1383034738"/>
+      </p:ext>
+    </p:extLst>
+  </p:cSld>
+  <p:clrMapOvr>
+    <a:masterClrMapping/>
+  </p:clrMapOvr>
+  <p:timing>
+    <p:tnLst>
+      <p:par>
+        <p:cTn id="1" dur="indefinite" restart="never" nodeType="tmRoot"/>
+      </p:par>
+    </p:tnLst>
+  </p:timing>
+</p:sld>
+</file>
+
+<file path=ppt/slides/slide3.xml><?xml version="1.0" encoding="utf-8"?>
+<p:sld xmlns:a="http://schemas.openxmlformats.org/drawingml/2006/main" xmlns:r="http://schemas.openxmlformats.org/officeDocument/2006/relationships" xmlns:p="http://schemas.openxmlformats.org/presentationml/2006/main">
+  <p:cSld>
+    <p:spTree>
+      <p:nvGrpSpPr>
+        <p:cNvPr id="1" name=""/>
+        <p:cNvGrpSpPr/>
+        <p:nvPr/>
+      </p:nvGrpSpPr>
+      <p:grpSpPr>
+        <a:xfrm>
+          <a:off x="0" y="0"/>
+          <a:ext cx="0" cy="0"/>
+          <a:chOff x="0" y="0"/>
+          <a:chExt cx="0" cy="0"/>
+        </a:xfrm>
+      </p:grpSpPr>
+      <p:sp>
+        <p:nvSpPr>
+          <p:cNvPr id="2" name="Title 1"/>
+          <p:cNvSpPr>
+            <a:spLocks noGrp="1"/>
+          </p:cNvSpPr>
+          <p:nvPr>
+            <p:ph type="title"/>
+          </p:nvPr>
+        </p:nvSpPr>
+        <p:spPr/>
+        <p:txBody>
+          <a:bodyPr/>
+          <a:lstStyle/>
+          <a:p>
+            <a:r>
+              <a:rPr lang="en-GB" dirty="0" smtClean="0"/>
+              <a:t>Our Solution</a:t>
+            </a:r>
+            <a:endParaRPr lang="en-GB" dirty="0"/>
+          </a:p>
+        </p:txBody>
+      </p:sp>
+      <p:sp>
+        <p:nvSpPr>
+          <p:cNvPr id="3" name="Content Placeholder 2"/>
+          <p:cNvSpPr>
+            <a:spLocks noGrp="1"/>
+          </p:cNvSpPr>
+          <p:nvPr>
+            <p:ph idx="1"/>
+          </p:nvPr>
+        </p:nvSpPr>
+        <p:spPr/>
+        <p:txBody>
+          <a:bodyPr/>
+          <a:lstStyle/>
+          <a:p>
+            <a:r>
+              <a:rPr lang="en-GB" dirty="0" smtClean="0"/>
+              <a:t>Unlikely to fully replace physical meetings/reviews</a:t>
+            </a:r>
+          </a:p>
+          <a:p>
+            <a:r>
+              <a:rPr lang="en-GB" dirty="0" smtClean="0"/>
+              <a:t>Aim to make meeting participants more informed</a:t>
+            </a:r>
+          </a:p>
+          <a:p>
+            <a:r>
+              <a:rPr lang="en-GB" dirty="0" smtClean="0"/>
+              <a:t>Onsite meetings become more efficient</a:t>
+            </a:r>
+          </a:p>
+          <a:p>
+            <a:r>
+              <a:rPr lang="en-GB" dirty="0" smtClean="0"/>
+              <a:t>Solution should use the livestream technology effectively</a:t>
+            </a:r>
+          </a:p>
+          <a:p>
+            <a:r>
+              <a:rPr lang="en-GB" dirty="0" smtClean="0"/>
+              <a:t>Focus on specific type of incident; only those involving site vehicles</a:t>
+            </a:r>
+          </a:p>
+          <a:p>
+            <a:r>
+              <a:rPr lang="en-GB" dirty="0" smtClean="0"/>
+              <a:t>Does not solve for public event broadcasting</a:t>
+            </a:r>
+          </a:p>
+          <a:p>
+            <a:endParaRPr lang="en-GB" dirty="0"/>
+          </a:p>
+        </p:txBody>
+      </p:sp>
+    </p:spTree>
+    <p:extLst>
+      <p:ext uri="{BB962C8B-B14F-4D97-AF65-F5344CB8AC3E}">
+        <p14:creationId xmlns:p14="http://schemas.microsoft.com/office/powerpoint/2010/main" val="536885721"/>
+      </p:ext>
+    </p:extLst>
+  </p:cSld>
+  <p:clrMapOvr>
+    <a:masterClrMapping/>
+  </p:clrMapOvr>
+  <p:timing>
+    <p:tnLst>
+      <p:par>
+        <p:cTn id="1" dur="indefinite" restart="never" nodeType="tmRoot"/>
+      </p:par>
+    </p:tnLst>
+  </p:timing>
+</p:sld>
+</file>
+
+<file path=ppt/slides/slide4.xml><?xml version="1.0" encoding="utf-8"?>
+<p:sld xmlns:a="http://schemas.openxmlformats.org/drawingml/2006/main" xmlns:r="http://schemas.openxmlformats.org/officeDocument/2006/relationships" xmlns:p="http://schemas.openxmlformats.org/presentationml/2006/main">
+  <p:cSld>
+    <p:spTree>
+      <p:nvGrpSpPr>
+        <p:cNvPr id="1" name=""/>
+        <p:cNvGrpSpPr/>
+        <p:nvPr/>
+      </p:nvGrpSpPr>
+      <p:grpSpPr>
+        <a:xfrm>
+          <a:off x="0" y="0"/>
+          <a:ext cx="0" cy="0"/>
+          <a:chOff x="0" y="0"/>
+          <a:chExt cx="0" cy="0"/>
+        </a:xfrm>
+      </p:grpSpPr>
+      <p:sp>
+        <p:nvSpPr>
+          <p:cNvPr id="2" name="Title 1"/>
+          <p:cNvSpPr>
+            <a:spLocks noGrp="1"/>
+          </p:cNvSpPr>
+          <p:nvPr>
+            <p:ph type="title"/>
+          </p:nvPr>
+        </p:nvSpPr>
+        <p:spPr>
+          <a:xfrm>
+            <a:off x="1103311" y="3028650"/>
+            <a:ext cx="9404723" cy="1400530"/>
+          </a:xfrm>
+        </p:spPr>
+        <p:txBody>
+          <a:bodyPr/>
+          <a:lstStyle/>
+          <a:p>
+            <a:pPr algn="ctr"/>
+            <a:r>
+              <a:rPr lang="en-GB" dirty="0" smtClean="0"/>
+              <a:t>Main features</a:t>
+            </a:r>
+            <a:endParaRPr lang="en-GB" dirty="0"/>
+          </a:p>
+        </p:txBody>
+      </p:sp>
+    </p:spTree>
+    <p:extLst>
+      <p:ext uri="{BB962C8B-B14F-4D97-AF65-F5344CB8AC3E}">
+        <p14:creationId xmlns:p14="http://schemas.microsoft.com/office/powerpoint/2010/main" val="1079922422"/>
+      </p:ext>
+    </p:extLst>
+  </p:cSld>
+  <p:clrMapOvr>
+    <a:masterClrMapping/>
+  </p:clrMapOvr>
+  <p:timing>
+    <p:tnLst>
+      <p:par>
+        <p:cTn id="1" dur="indefinite" restart="never" nodeType="tmRoot"/>
+      </p:par>
+    </p:tnLst>
+  </p:timing>
+</p:sld>
+</file>
+
+<file path=ppt/slides/slide5.xml><?xml version="1.0" encoding="utf-8"?>
+<p:sld xmlns:a="http://schemas.openxmlformats.org/drawingml/2006/main" xmlns:r="http://schemas.openxmlformats.org/officeDocument/2006/relationships" xmlns:p="http://schemas.openxmlformats.org/presentationml/2006/main">
+  <p:cSld>
+    <p:spTree>
+      <p:nvGrpSpPr>
+        <p:cNvPr id="1" name=""/>
+        <p:cNvGrpSpPr/>
+        <p:nvPr/>
+      </p:nvGrpSpPr>
+      <p:grpSpPr>
+        <a:xfrm>
+          <a:off x="0" y="0"/>
+          <a:ext cx="0" cy="0"/>
+          <a:chOff x="0" y="0"/>
+          <a:chExt cx="0" cy="0"/>
+        </a:xfrm>
+      </p:grpSpPr>
+      <p:sp>
+        <p:nvSpPr>
+          <p:cNvPr id="2" name="Title 1"/>
+          <p:cNvSpPr>
+            <a:spLocks noGrp="1"/>
+          </p:cNvSpPr>
+          <p:nvPr>
+            <p:ph type="title"/>
+          </p:nvPr>
+        </p:nvSpPr>
+        <p:spPr>
+          <a:xfrm>
+            <a:off x="1159068" y="3039801"/>
+            <a:ext cx="9404723" cy="1400530"/>
+          </a:xfrm>
+        </p:spPr>
+        <p:txBody>
+          <a:bodyPr/>
+          <a:lstStyle/>
+          <a:p>
+            <a:pPr algn="ctr"/>
+            <a:r>
+              <a:rPr lang="en-GB" dirty="0" smtClean="0"/>
+              <a:t>Picture-in-picture display</a:t>
+            </a:r>
+            <a:endParaRPr lang="en-GB" dirty="0"/>
+          </a:p>
+        </p:txBody>
+      </p:sp>
+    </p:spTree>
+    <p:extLst>
+      <p:ext uri="{BB962C8B-B14F-4D97-AF65-F5344CB8AC3E}">
+        <p14:creationId xmlns:p14="http://schemas.microsoft.com/office/powerpoint/2010/main" val="2856729943"/>
+      </p:ext>
+    </p:extLst>
+  </p:cSld>
+  <p:clrMapOvr>
+    <a:masterClrMapping/>
+  </p:clrMapOvr>
+  <p:timing>
+    <p:tnLst>
+      <p:par>
+        <p:cTn id="1" dur="indefinite" restart="never" nodeType="tmRoot"/>
+      </p:par>
+    </p:tnLst>
+  </p:timing>
+</p:sld>
+</file>
+
+<file path=ppt/slides/slide6.xml><?xml version="1.0" encoding="utf-8"?>
+<p:sld xmlns:a="http://schemas.openxmlformats.org/drawingml/2006/main" xmlns:r="http://schemas.openxmlformats.org/officeDocument/2006/relationships" xmlns:p="http://schemas.openxmlformats.org/presentationml/2006/main">
+  <p:cSld>
+    <p:spTree>
+      <p:nvGrpSpPr>
+        <p:cNvPr id="1" name=""/>
+        <p:cNvGrpSpPr/>
+        <p:nvPr/>
+      </p:nvGrpSpPr>
+      <p:grpSpPr>
+        <a:xfrm>
+          <a:off x="0" y="0"/>
+          <a:ext cx="0" cy="0"/>
+          <a:chOff x="0" y="0"/>
+          <a:chExt cx="0" cy="0"/>
+        </a:xfrm>
+      </p:grpSpPr>
+      <p:sp>
+        <p:nvSpPr>
+          <p:cNvPr id="2" name="Title 1"/>
+          <p:cNvSpPr>
+            <a:spLocks noGrp="1"/>
+          </p:cNvSpPr>
+          <p:nvPr>
+            <p:ph type="title"/>
+          </p:nvPr>
+        </p:nvSpPr>
+        <p:spPr>
+          <a:xfrm>
+            <a:off x="1159068" y="3039801"/>
+            <a:ext cx="9404723" cy="1400530"/>
+          </a:xfrm>
+        </p:spPr>
+        <p:txBody>
+          <a:bodyPr/>
+          <a:lstStyle/>
+          <a:p>
+            <a:pPr algn="ctr"/>
+            <a:r>
+              <a:rPr lang="en-GB" dirty="0" smtClean="0"/>
+              <a:t>Visualisation of GPS telemetry</a:t>
+            </a:r>
+            <a:endParaRPr lang="en-GB" dirty="0"/>
+          </a:p>
+        </p:txBody>
+      </p:sp>
+    </p:spTree>
+    <p:extLst>
+      <p:ext uri="{BB962C8B-B14F-4D97-AF65-F5344CB8AC3E}">
+        <p14:creationId xmlns:p14="http://schemas.microsoft.com/office/powerpoint/2010/main" val="3017677054"/>
+      </p:ext>
+    </p:extLst>
+  </p:cSld>
+  <p:clrMapOvr>
+    <a:masterClrMapping/>
+  </p:clrMapOvr>
+  <p:timing>
+    <p:tnLst>
+      <p:par>
+        <p:cTn id="1" dur="indefinite" restart="never" nodeType="tmRoot"/>
+      </p:par>
+    </p:tnLst>
+  </p:timing>
+</p:sld>
+</file>
+
+<file path=ppt/slides/slide7.xml><?xml version="1.0" encoding="utf-8"?>
+<p:sld xmlns:a="http://schemas.openxmlformats.org/drawingml/2006/main" xmlns:r="http://schemas.openxmlformats.org/officeDocument/2006/relationships" xmlns:p="http://schemas.openxmlformats.org/presentationml/2006/main">
+  <p:cSld>
+    <p:spTree>
+      <p:nvGrpSpPr>
+        <p:cNvPr id="1" name=""/>
+        <p:cNvGrpSpPr/>
+        <p:nvPr/>
+      </p:nvGrpSpPr>
+      <p:grpSpPr>
+        <a:xfrm>
+          <a:off x="0" y="0"/>
+          <a:ext cx="0" cy="0"/>
+          <a:chOff x="0" y="0"/>
+          <a:chExt cx="0" cy="0"/>
+        </a:xfrm>
+      </p:grpSpPr>
+      <p:sp>
+        <p:nvSpPr>
+          <p:cNvPr id="2" name="Title 1"/>
+          <p:cNvSpPr>
+            <a:spLocks noGrp="1"/>
+          </p:cNvSpPr>
+          <p:nvPr>
+            <p:ph type="title"/>
+          </p:nvPr>
+        </p:nvSpPr>
+        <p:spPr>
+          <a:xfrm>
+            <a:off x="1159068" y="3039801"/>
+            <a:ext cx="9404723" cy="1400530"/>
+          </a:xfrm>
+        </p:spPr>
+        <p:txBody>
+          <a:bodyPr/>
+          <a:lstStyle/>
+          <a:p>
+            <a:pPr algn="ctr"/>
+            <a:r>
+              <a:rPr lang="en-GB" dirty="0" smtClean="0"/>
+              <a:t>Post-broadcast review tool</a:t>
+            </a:r>
+            <a:endParaRPr lang="en-GB" dirty="0"/>
+          </a:p>
+        </p:txBody>
+      </p:sp>
+    </p:spTree>
+    <p:extLst>
+      <p:ext uri="{BB962C8B-B14F-4D97-AF65-F5344CB8AC3E}">
+        <p14:creationId xmlns:p14="http://schemas.microsoft.com/office/powerpoint/2010/main" val="952772202"/>
+      </p:ext>
+    </p:extLst>
+  </p:cSld>
+  <p:clrMapOvr>
+    <a:masterClrMapping/>
+  </p:clrMapOvr>
+  <p:timing>
+    <p:tnLst>
+      <p:par>
+        <p:cTn id="1" dur="indefinite" restart="never" nodeType="tmRoot"/>
+      </p:par>
+    </p:tnLst>
+  </p:timing>
+</p:sld>
+</file>
+
+<file path=ppt/slides/slide8.xml><?xml version="1.0" encoding="utf-8"?>
+<p:sld xmlns:a="http://schemas.openxmlformats.org/drawingml/2006/main" xmlns:r="http://schemas.openxmlformats.org/officeDocument/2006/relationships" xmlns:p="http://schemas.openxmlformats.org/presentationml/2006/main">
+  <p:cSld>
+    <p:spTree>
+      <p:nvGrpSpPr>
+        <p:cNvPr id="1" name=""/>
+        <p:cNvGrpSpPr/>
+        <p:nvPr/>
+      </p:nvGrpSpPr>
+      <p:grpSpPr>
+        <a:xfrm>
+          <a:off x="0" y="0"/>
+          <a:ext cx="0" cy="0"/>
+          <a:chOff x="0" y="0"/>
+          <a:chExt cx="0" cy="0"/>
+        </a:xfrm>
+      </p:grpSpPr>
+      <p:sp>
+        <p:nvSpPr>
+          <p:cNvPr id="2" name="Title 1"/>
+          <p:cNvSpPr>
+            <a:spLocks noGrp="1"/>
+          </p:cNvSpPr>
+          <p:nvPr>
+            <p:ph type="title"/>
+          </p:nvPr>
+        </p:nvSpPr>
+        <p:spPr/>
+        <p:txBody>
+          <a:bodyPr/>
+          <a:lstStyle/>
+          <a:p>
+            <a:r>
+              <a:rPr lang="en-GB" dirty="0" smtClean="0"/>
+              <a:t>Next steps</a:t>
+            </a:r>
+            <a:endParaRPr lang="en-GB" dirty="0"/>
+          </a:p>
+        </p:txBody>
+      </p:sp>
+      <p:sp>
+        <p:nvSpPr>
+          <p:cNvPr id="3" name="Content Placeholder 2"/>
+          <p:cNvSpPr>
+            <a:spLocks noGrp="1"/>
+          </p:cNvSpPr>
+          <p:nvPr>
+            <p:ph idx="1"/>
+          </p:nvPr>
+        </p:nvSpPr>
+        <p:spPr/>
+        <p:txBody>
+          <a:bodyPr/>
+          <a:lstStyle/>
+          <a:p>
+            <a:r>
+              <a:rPr lang="en-GB" dirty="0" smtClean="0"/>
+              <a:t>Complete/debug the camera tracking functionality</a:t>
+            </a:r>
+          </a:p>
+          <a:p>
+            <a:r>
+              <a:rPr lang="en-GB" dirty="0" smtClean="0"/>
+              <a:t>Add client/server system</a:t>
+            </a:r>
+          </a:p>
+          <a:p>
+            <a:r>
+              <a:rPr lang="en-GB" dirty="0" smtClean="0"/>
+              <a:t>Add GPS telemetry visualisation</a:t>
+            </a:r>
+          </a:p>
+          <a:p>
+            <a:r>
+              <a:rPr lang="en-GB" dirty="0" smtClean="0"/>
+              <a:t>‘Point of interest’ markers, referenced in chat system</a:t>
+            </a:r>
+          </a:p>
+          <a:p>
+            <a:r>
+              <a:rPr lang="en-GB" dirty="0" smtClean="0"/>
+              <a:t>Post-broadcast review generation</a:t>
+            </a:r>
+            <a:endParaRPr lang="en-GB" dirty="0"/>
+          </a:p>
+        </p:txBody>
+      </p:sp>
+    </p:spTree>
+    <p:extLst>
+      <p:ext uri="{BB962C8B-B14F-4D97-AF65-F5344CB8AC3E}">
+        <p14:creationId xmlns:p14="http://schemas.microsoft.com/office/powerpoint/2010/main" val="2583436332"/>
+      </p:ext>
+    </p:extLst>
+  </p:cSld>
+  <p:clrMapOvr>
+    <a:masterClrMapping/>
+  </p:clrMapOvr>
+  <p:timing>
+    <p:tnLst>
+      <p:par>
+        <p:cTn id="1" dur="indefinite" restart="never" nodeType="tmRoot"/>
+      </p:par>
+    </p:tnLst>
+  </p:timing>
+</p:sld>
+</file>
+
+<file path=ppt/slides/slide9.xml><?xml version="1.0" encoding="utf-8"?>
+<p:sld xmlns:a="http://schemas.openxmlformats.org/drawingml/2006/main" xmlns:r="http://schemas.openxmlformats.org/officeDocument/2006/relationships" xmlns:p="http://schemas.openxmlformats.org/presentationml/2006/main">
+  <p:cSld>
+    <p:spTree>
+      <p:nvGrpSpPr>
+        <p:cNvPr id="1" name=""/>
+        <p:cNvGrpSpPr/>
+        <p:nvPr/>
+      </p:nvGrpSpPr>
+      <p:grpSpPr>
+        <a:xfrm>
+          <a:off x="0" y="0"/>
+          <a:ext cx="0" cy="0"/>
+          <a:chOff x="0" y="0"/>
+          <a:chExt cx="0" cy="0"/>
+        </a:xfrm>
+      </p:grpSpPr>
+      <p:sp>
+        <p:nvSpPr>
+          <p:cNvPr id="2" name="Title 1"/>
+          <p:cNvSpPr>
+            <a:spLocks noGrp="1"/>
+          </p:cNvSpPr>
+          <p:nvPr>
+            <p:ph type="title"/>
+          </p:nvPr>
+        </p:nvSpPr>
+        <p:spPr/>
+        <p:txBody>
+          <a:bodyPr/>
+          <a:lstStyle/>
+          <a:p>
+            <a:r>
+              <a:rPr lang="en-GB" dirty="0" smtClean="0"/>
+              <a:t>Technology used</a:t>
+            </a:r>
+            <a:endParaRPr lang="en-GB" dirty="0"/>
+          </a:p>
+        </p:txBody>
+      </p:sp>
+      <p:sp>
+        <p:nvSpPr>
+          <p:cNvPr id="3" name="Content Placeholder 2"/>
+          <p:cNvSpPr>
+            <a:spLocks noGrp="1"/>
+          </p:cNvSpPr>
+          <p:nvPr>
+            <p:ph idx="1"/>
+          </p:nvPr>
+        </p:nvSpPr>
+        <p:spPr/>
+        <p:txBody>
+          <a:bodyPr/>
+          <a:lstStyle/>
+          <a:p>
+            <a:r>
+              <a:rPr lang="en-GB" dirty="0" smtClean="0"/>
+              <a:t>Laravel</a:t>
+            </a:r>
+          </a:p>
+          <a:p>
+            <a:r>
+              <a:rPr lang="en-GB" dirty="0" smtClean="0"/>
+              <a:t>Three.js</a:t>
+            </a:r>
+          </a:p>
+          <a:p>
+            <a:r>
+              <a:rPr lang="en-GB" dirty="0" smtClean="0"/>
+              <a:t>Github</a:t>
+            </a:r>
+          </a:p>
+          <a:p>
+            <a:endParaRPr lang="en-GB" dirty="0"/>
+          </a:p>
+          <a:p>
+            <a:endParaRPr lang="en-GB" dirty="0"/>
+          </a:p>
+        </p:txBody>
+      </p:sp>
+    </p:spTree>
+    <p:extLst>
+      <p:ext uri="{BB962C8B-B14F-4D97-AF65-F5344CB8AC3E}">
+        <p14:creationId xmlns:p14="http://schemas.microsoft.com/office/powerpoint/2010/main" val="3176413244"/>
+      </p:ext>
+    </p:extLst>
+  </p:cSld>
+  <p:clrMapOvr>
+    <a:masterClrMapping/>
+  </p:clrMapOvr>
+  <p:timing>
+    <p:tnLst>
+      <p:par>
+        <p:cTn id="1" dur="indefinite" restart="never" nodeType="tmRoot"/>
+      </p:par>
+    </p:tnLst>
+  </p:timing>
 </p:sld>
 </file>
 
 <file path=ppt/theme/theme1.xml><?xml version="1.0" encoding="utf-8"?>
+<a:theme xmlns:a="http://schemas.openxmlformats.org/drawingml/2006/main" name="Ion">
+  <a:themeElements>
+    <a:clrScheme name="Ion">
+      <a:dk1>
+        <a:sysClr val="windowText" lastClr="000000"/>
+      </a:dk1>
+      <a:lt1>
+        <a:sysClr val="window" lastClr="FFFFFF"/>
+      </a:lt1>
+      <a:dk2>
+        <a:srgbClr val="1E5155"/>
+      </a:dk2>
+      <a:lt2>
+        <a:srgbClr val="EBEBEB"/>
+      </a:lt2>
+      <a:accent1>
+        <a:srgbClr val="B01513"/>
+      </a:accent1>
+      <a:accent2>
+        <a:srgbClr val="EA6312"/>
+      </a:accent2>
+      <a:accent3>
+        <a:srgbClr val="E6B729"/>
+      </a:accent3>
+      <a:accent4>
+        <a:srgbClr val="6AAC90"/>
+      </a:accent4>
+      <a:accent5>
+        <a:srgbClr val="54849A"/>
+      </a:accent5>
+      <a:accent6>
+        <a:srgbClr val="9E5E9B"/>
+      </a:accent6>
+      <a:hlink>
+        <a:srgbClr val="58C1BA"/>
+      </a:hlink>
+      <a:folHlink>
+        <a:srgbClr val="9DFFCB"/>
+      </a:folHlink>
+    </a:clrScheme>
+    <a:fontScheme name="Ion">
+      <a:majorFont>
+        <a:latin typeface="Century Gothic" panose="020B0502020202020204"/>
+        <a:ea typeface=""/>
+        <a:cs typeface=""/>
+        <a:font script="Jpan" typeface="メイリオ"/>
+        <a:font script="Hang" typeface="맑은 고딕"/>
+        <a:font script="Hans" typeface="宋体"/>
+        <a:font script="Hant" typeface="新細明體"/>
+        <a:font script="Arab" typeface="Times New Roman"/>
+        <a:font script="Hebr" typeface="Times New Roman"/>
+        <a:font script="Thai" typeface="Angsana New"/>
+        <a:font script="Ethi" typeface="Nyala"/>
+        <a:font script="Beng" typeface="Vrinda"/>
+        <a:font script="Gujr" typeface="Shruti"/>
+        <a:font script="Khmr" typeface="MoolBoran"/>
+        <a:font script="Knda" typeface="Tunga"/>
+        <a:font script="Guru" typeface="Raavi"/>
+        <a:font script="Cans" typeface="Euphemia"/>
+        <a:font script="Cher" typeface="Plantagenet Cherokee"/>
+        <a:font script="Yiii" typeface="Microsoft Yi Baiti"/>
+        <a:font script="Tibt" typeface="Microsoft Himalaya"/>
+        <a:font script="Thaa" typeface="MV Boli"/>
+        <a:font script="Deva" typeface="Mangal"/>
+        <a:font script="Telu" typeface="Gautami"/>
+        <a:font script="Taml" typeface="Latha"/>
+        <a:font script="Syrc" typeface="Estrangelo Edessa"/>
+        <a:font script="Orya" typeface="Kalinga"/>
+        <a:font script="Mlym" typeface="Kartika"/>
+        <a:font script="Laoo" typeface="DokChampa"/>
+        <a:font script="Sinh" typeface="Iskoola Pota"/>
+        <a:font script="Mong" typeface="Mongolian Baiti"/>
+        <a:font script="Viet" typeface="Times New Roman"/>
+        <a:font script="Uigh" typeface="Microsoft Uighur"/>
+        <a:font script="Geor" typeface="Sylfaen"/>
+      </a:majorFont>
+      <a:minorFont>
+        <a:latin typeface="Century Gothic" panose="020B0502020202020204"/>
+        <a:ea typeface=""/>
+        <a:cs typeface=""/>
+        <a:font script="Jpan" typeface="メイリオ"/>
+        <a:font script="Hang" typeface="맑은 고딕"/>
+        <a:font script="Hans" typeface="宋体"/>
+        <a:font script="Hant" typeface="新細明體"/>
+        <a:font script="Arab" typeface="Arial"/>
+        <a:font script="Hebr" typeface="Arial"/>
+        <a:font script="Thai" typeface="Cordia New"/>
+        <a:font script="Ethi" typeface="Nyala"/>
+        <a:font script="Beng" typeface="Vrinda"/>
+        <a:font script="Gujr" typeface="Shruti"/>
+        <a:font script="Khmr" typeface="DaunPenh"/>
+        <a:font script="Knda" typeface="Tunga"/>
+        <a:font script="Guru" typeface="Raavi"/>
+        <a:font script="Cans" typeface="Euphemia"/>
+        <a:font script="Cher" typeface="Plantagenet Cherokee"/>
+        <a:font script="Yiii" typeface="Microsoft Yi Baiti"/>
+        <a:font script="Tibt" typeface="Microsoft Himalaya"/>
+        <a:font script="Thaa" typeface="MV Boli"/>
+        <a:font script="Deva" typeface="Mangal"/>
+        <a:font script="Telu" typeface="Gautami"/>
+        <a:font script="Taml" typeface="Latha"/>
+        <a:font script="Syrc" typeface="Estrangelo Edessa"/>
+        <a:font script="Orya" typeface="Kalinga"/>
+        <a:font script="Mlym" typeface="Kartika"/>
+        <a:font script="Laoo" typeface="DokChampa"/>
+        <a:font script="Sinh" typeface="Iskoola Pota"/>
+        <a:font script="Mong" typeface="Mongolian Baiti"/>
+        <a:font script="Viet" typeface="Arial"/>
+        <a:font script="Uigh" typeface="Microsoft Uighur"/>
+        <a:font script="Geor" typeface="Sylfaen"/>
+      </a:minorFont>
+    </a:fontScheme>
+    <a:fmtScheme name="Ion">
+      <a:fillStyleLst>
+        <a:solidFill>
+          <a:schemeClr val="phClr"/>
+        </a:solidFill>
+        <a:gradFill rotWithShape="1">
+          <a:gsLst>
+            <a:gs pos="0">
+              <a:schemeClr val="phClr">
+                <a:tint val="64000"/>
+                <a:lumMod val="118000"/>
+              </a:schemeClr>
+            </a:gs>
+            <a:gs pos="100000">
+              <a:schemeClr val="phClr">
+                <a:tint val="92000"/>
+                <a:alpha val="100000"/>
+                <a:lumMod val="110000"/>
+              </a:schemeClr>
+            </a:gs>
+          </a:gsLst>
+          <a:lin ang="5400000" scaled="0"/>
+        </a:gradFill>
+        <a:gradFill rotWithShape="1">
+          <a:gsLst>
+            <a:gs pos="0">
+              <a:schemeClr val="phClr">
+                <a:tint val="98000"/>
+                <a:lumMod val="114000"/>
+              </a:schemeClr>
+            </a:gs>
+            <a:gs pos="100000">
+              <a:schemeClr val="phClr">
+                <a:shade val="90000"/>
+                <a:lumMod val="84000"/>
+              </a:schemeClr>
+            </a:gs>
+          </a:gsLst>
+          <a:lin ang="5400000" scaled="0"/>
+        </a:gradFill>
+      </a:fillStyleLst>
+      <a:lnStyleLst>
+        <a:ln w="9525" cap="rnd" cmpd="sng" algn="ctr">
+          <a:solidFill>
+            <a:schemeClr val="phClr"/>
+          </a:solidFill>
+          <a:prstDash val="solid"/>
+        </a:ln>
+        <a:ln w="19050" cap="rnd" cmpd="sng" algn="ctr">
+          <a:solidFill>
+            <a:schemeClr val="phClr"/>
+          </a:solidFill>
+          <a:prstDash val="solid"/>
+        </a:ln>
+        <a:ln w="28575" cap="rnd" cmpd="sng" algn="ctr">
+          <a:solidFill>
+            <a:schemeClr val="phClr"/>
+          </a:solidFill>
+          <a:prstDash val="solid"/>
+        </a:ln>
+      </a:lnStyleLst>
+      <a:effectStyleLst>
+        <a:effectStyle>
+          <a:effectLst/>
+        </a:effectStyle>
+        <a:effectStyle>
+          <a:effectLst>
+            <a:outerShdw blurRad="38100" dist="25400" dir="5400000" rotWithShape="0">
+              <a:srgbClr val="000000">
+                <a:alpha val="45000"/>
+              </a:srgbClr>
+            </a:outerShdw>
+          </a:effectLst>
+        </a:effectStyle>
+        <a:effectStyle>
+          <a:effectLst>
+            <a:outerShdw blurRad="63500" dist="38100" dir="5400000" rotWithShape="0">
+              <a:srgbClr val="000000">
+                <a:alpha val="60000"/>
+              </a:srgbClr>
+            </a:outerShdw>
+          </a:effectLst>
+          <a:scene3d>
+            <a:camera prst="orthographicFront">
+              <a:rot lat="0" lon="0" rev="0"/>
+            </a:camera>
+            <a:lightRig rig="threePt" dir="tl"/>
+          </a:scene3d>
+          <a:sp3d prstMaterial="plastic">
+            <a:bevelT w="0" h="0"/>
+          </a:sp3d>
+        </a:effectStyle>
+      </a:effectStyleLst>
+      <a:bgFillStyleLst>
+        <a:solidFill>
+          <a:schemeClr val="phClr"/>
+        </a:solidFill>
+        <a:gradFill rotWithShape="1">
+          <a:gsLst>
+            <a:gs pos="0">
+              <a:schemeClr val="phClr">
+                <a:tint val="97000"/>
+                <a:hueMod val="88000"/>
+                <a:satMod val="130000"/>
+                <a:lumMod val="124000"/>
+              </a:schemeClr>
+            </a:gs>
+            <a:gs pos="100000">
+              <a:schemeClr val="phClr">
+                <a:tint val="96000"/>
+                <a:shade val="88000"/>
+                <a:hueMod val="108000"/>
+                <a:satMod val="164000"/>
+                <a:lumMod val="76000"/>
+              </a:schemeClr>
+            </a:gs>
+          </a:gsLst>
+          <a:path path="circle">
+            <a:fillToRect l="45000" t="65000" r="125000" b="100000"/>
+          </a:path>
+        </a:gradFill>
+        <a:blipFill rotWithShape="1">
+          <a:blip xmlns:r="http://schemas.openxmlformats.org/officeDocument/2006/relationships" r:embed="rId1">
+            <a:duotone>
+              <a:schemeClr val="phClr">
+                <a:shade val="69000"/>
+                <a:hueMod val="108000"/>
+                <a:satMod val="164000"/>
+                <a:lumMod val="74000"/>
+              </a:schemeClr>
+              <a:schemeClr val="phClr">
+                <a:tint val="96000"/>
+                <a:hueMod val="88000"/>
+                <a:satMod val="140000"/>
+                <a:lumMod val="132000"/>
+              </a:schemeClr>
+            </a:duotone>
+          </a:blip>
+          <a:stretch/>
+        </a:blipFill>
+      </a:bgFillStyleLst>
+    </a:fmtScheme>
+  </a:themeElements>
+  <a:objectDefaults/>
+  <a:extraClrSchemeLst/>
+  <a:extLst>
+    <a:ext uri="{05A4C25C-085E-4340-85A3-A5531E510DB2}">
+      <thm15:themeFamily xmlns:thm15="http://schemas.microsoft.com/office/thememl/2012/main" name="Ion" id="{B8441ADB-2E43-4AF7-B97A-BD870242C6A8}" vid="{292E63A9-BB86-4E3D-B92A-7223C6510D2E}"/>
+    </a:ext>
+  </a:extLst>
+</a:theme>
+</file>
+
+<file path=ppt/theme/theme2.xml><?xml version="1.0" encoding="utf-8"?>
 <a:theme xmlns:a="http://schemas.openxmlformats.org/drawingml/2006/main" name="Office Theme">
   <a:themeElements>
     <a:clrScheme name="Office">
@@ -3442,7 +8801,7 @@
         <a:srgbClr val="E7E6E6"/>
       </a:lt2>
       <a:accent1>
-        <a:srgbClr val="4472C4"/>
+        <a:srgbClr val="5B9BD5"/>
       </a:accent1>
       <a:accent2>
         <a:srgbClr val="ED7D31"/>
@@ -3454,7 +8813,7 @@
         <a:srgbClr val="FFC000"/>
       </a:accent4>
       <a:accent5>
-        <a:srgbClr val="5B9BD5"/>
+        <a:srgbClr val="4472C4"/>
       </a:accent5>
       <a:accent6>
         <a:srgbClr val="70AD47"/>
@@ -3501,23 +8860,6 @@
         <a:font script="Viet" typeface="Times New Roman"/>
         <a:font script="Uigh" typeface="Microsoft Uighur"/>
         <a:font script="Geor" typeface="Sylfaen"/>
-        <a:font script="Armn" typeface="Arial"/>
-        <a:font script="Bugi" typeface="Leelawadee UI"/>
-        <a:font script="Bopo" typeface="Microsoft JhengHei"/>
-        <a:font script="Java" typeface="Javanese Text"/>
-        <a:font script="Lisu" typeface="Segoe UI"/>
-        <a:font script="Mymr" typeface="Myanmar Text"/>
-        <a:font script="Nkoo" typeface="Ebrima"/>
-        <a:font script="Olck" typeface="Nirmala UI"/>
-        <a:font script="Osma" typeface="Ebrima"/>
-        <a:font script="Phag" typeface="Phagspa"/>
-        <a:font script="Syrn" typeface="Estrangelo Edessa"/>
-        <a:font script="Syrj" typeface="Estrangelo Edessa"/>
-        <a:font script="Syre" typeface="Estrangelo Edessa"/>
-        <a:font script="Sora" typeface="Nirmala UI"/>
-        <a:font script="Tale" typeface="Microsoft Tai Le"/>
-        <a:font script="Talu" typeface="Microsoft New Tai Lue"/>
-        <a:font script="Tfng" typeface="Ebrima"/>
       </a:majorFont>
       <a:minorFont>
         <a:latin typeface="Calibri" panose="020F0502020204030204"/>
@@ -3553,23 +8895,6 @@
         <a:font script="Viet" typeface="Arial"/>
         <a:font script="Uigh" typeface="Microsoft Uighur"/>
         <a:font script="Geor" typeface="Sylfaen"/>
-        <a:font script="Armn" typeface="Arial"/>
-        <a:font script="Bugi" typeface="Leelawadee UI"/>
-        <a:font script="Bopo" typeface="Microsoft JhengHei"/>
-        <a:font script="Java" typeface="Javanese Text"/>
-        <a:font script="Lisu" typeface="Segoe UI"/>
-        <a:font script="Mymr" typeface="Myanmar Text"/>
-        <a:font script="Nkoo" typeface="Ebrima"/>
-        <a:font script="Olck" typeface="Nirmala UI"/>
-        <a:font script="Osma" typeface="Ebrima"/>
-        <a:font script="Phag" typeface="Phagspa"/>
-        <a:font script="Syrn" typeface="Estrangelo Edessa"/>
-        <a:font script="Syrj" typeface="Estrangelo Edessa"/>
-        <a:font script="Syre" typeface="Estrangelo Edessa"/>
-        <a:font script="Sora" typeface="Nirmala UI"/>
-        <a:font script="Tale" typeface="Microsoft Tai Le"/>
-        <a:font script="Talu" typeface="Microsoft New Tai Lue"/>
-        <a:font script="Tfng" typeface="Ebrima"/>
       </a:minorFont>
     </a:fontScheme>
     <a:fmtScheme name="Office">
